--- a/src/11-Multithreading/11-Multithreading.pptx
+++ b/src/11-Multithreading/11-Multithreading.pptx
@@ -40,7 +40,9 @@
     <p:sldId id="293" r:id="rId34"/>
     <p:sldId id="295" r:id="rId35"/>
     <p:sldId id="296" r:id="rId36"/>
-    <p:sldId id="258" r:id="rId37"/>
+    <p:sldId id="298" r:id="rId37"/>
+    <p:sldId id="297" r:id="rId38"/>
+    <p:sldId id="258" r:id="rId39"/>
   </p:sldIdLst>
   <p:sldSz cx="12192000" cy="6858000"/>
   <p:notesSz cx="6858000" cy="9144000"/>
@@ -195,6 +197,12 @@
             <p14:sldId id="293"/>
             <p14:sldId id="295"/>
             <p14:sldId id="296"/>
+            <p14:sldId id="298"/>
+          </p14:sldIdLst>
+        </p14:section>
+        <p14:section name="Channels/Mutx" id="{49D87AB3-CD85-4105-969C-A4D3A66B0DD4}">
+          <p14:sldIdLst>
+            <p14:sldId id="297"/>
           </p14:sldIdLst>
         </p14:section>
         <p14:section name="Conclusion" id="{FAAC3CD8-4D89-4EEB-BC6E-FC3060975D43}">
@@ -1293,7 +1301,7 @@
           <a:p>
             <a:fld id="{EFAAC8F1-21AA-47EF-82D9-7929EA07D29D}" type="datetimeFigureOut">
               <a:rPr lang="ru-RU" smtClean="0"/>
-              <a:t>16.04.2023</a:t>
+              <a:t>18.04.2023</a:t>
             </a:fld>
             <a:endParaRPr lang="ru-RU"/>
           </a:p>
@@ -1493,7 +1501,7 @@
           <a:p>
             <a:fld id="{EFAAC8F1-21AA-47EF-82D9-7929EA07D29D}" type="datetimeFigureOut">
               <a:rPr lang="ru-RU" smtClean="0"/>
-              <a:t>16.04.2023</a:t>
+              <a:t>18.04.2023</a:t>
             </a:fld>
             <a:endParaRPr lang="ru-RU"/>
           </a:p>
@@ -1703,7 +1711,7 @@
           <a:p>
             <a:fld id="{EFAAC8F1-21AA-47EF-82D9-7929EA07D29D}" type="datetimeFigureOut">
               <a:rPr lang="ru-RU" smtClean="0"/>
-              <a:t>16.04.2023</a:t>
+              <a:t>18.04.2023</a:t>
             </a:fld>
             <a:endParaRPr lang="ru-RU"/>
           </a:p>
@@ -1903,7 +1911,7 @@
           <a:p>
             <a:fld id="{EFAAC8F1-21AA-47EF-82D9-7929EA07D29D}" type="datetimeFigureOut">
               <a:rPr lang="ru-RU" smtClean="0"/>
-              <a:t>16.04.2023</a:t>
+              <a:t>18.04.2023</a:t>
             </a:fld>
             <a:endParaRPr lang="ru-RU"/>
           </a:p>
@@ -2179,7 +2187,7 @@
           <a:p>
             <a:fld id="{EFAAC8F1-21AA-47EF-82D9-7929EA07D29D}" type="datetimeFigureOut">
               <a:rPr lang="ru-RU" smtClean="0"/>
-              <a:t>16.04.2023</a:t>
+              <a:t>18.04.2023</a:t>
             </a:fld>
             <a:endParaRPr lang="ru-RU"/>
           </a:p>
@@ -2447,7 +2455,7 @@
           <a:p>
             <a:fld id="{EFAAC8F1-21AA-47EF-82D9-7929EA07D29D}" type="datetimeFigureOut">
               <a:rPr lang="ru-RU" smtClean="0"/>
-              <a:t>16.04.2023</a:t>
+              <a:t>18.04.2023</a:t>
             </a:fld>
             <a:endParaRPr lang="ru-RU"/>
           </a:p>
@@ -2862,7 +2870,7 @@
           <a:p>
             <a:fld id="{EFAAC8F1-21AA-47EF-82D9-7929EA07D29D}" type="datetimeFigureOut">
               <a:rPr lang="ru-RU" smtClean="0"/>
-              <a:t>16.04.2023</a:t>
+              <a:t>18.04.2023</a:t>
             </a:fld>
             <a:endParaRPr lang="ru-RU"/>
           </a:p>
@@ -3004,7 +3012,7 @@
           <a:p>
             <a:fld id="{EFAAC8F1-21AA-47EF-82D9-7929EA07D29D}" type="datetimeFigureOut">
               <a:rPr lang="ru-RU" smtClean="0"/>
-              <a:t>16.04.2023</a:t>
+              <a:t>18.04.2023</a:t>
             </a:fld>
             <a:endParaRPr lang="ru-RU"/>
           </a:p>
@@ -3117,7 +3125,7 @@
           <a:p>
             <a:fld id="{EFAAC8F1-21AA-47EF-82D9-7929EA07D29D}" type="datetimeFigureOut">
               <a:rPr lang="ru-RU" smtClean="0"/>
-              <a:t>16.04.2023</a:t>
+              <a:t>18.04.2023</a:t>
             </a:fld>
             <a:endParaRPr lang="ru-RU"/>
           </a:p>
@@ -3430,7 +3438,7 @@
           <a:p>
             <a:fld id="{EFAAC8F1-21AA-47EF-82D9-7929EA07D29D}" type="datetimeFigureOut">
               <a:rPr lang="ru-RU" smtClean="0"/>
-              <a:t>16.04.2023</a:t>
+              <a:t>18.04.2023</a:t>
             </a:fld>
             <a:endParaRPr lang="ru-RU"/>
           </a:p>
@@ -3719,7 +3727,7 @@
           <a:p>
             <a:fld id="{EFAAC8F1-21AA-47EF-82D9-7929EA07D29D}" type="datetimeFigureOut">
               <a:rPr lang="ru-RU" smtClean="0"/>
-              <a:t>16.04.2023</a:t>
+              <a:t>18.04.2023</a:t>
             </a:fld>
             <a:endParaRPr lang="ru-RU"/>
           </a:p>
@@ -3962,7 +3970,7 @@
           <a:p>
             <a:fld id="{EFAAC8F1-21AA-47EF-82D9-7929EA07D29D}" type="datetimeFigureOut">
               <a:rPr lang="ru-RU" smtClean="0"/>
-              <a:t>16.04.2023</a:t>
+              <a:t>18.04.2023</a:t>
             </a:fld>
             <a:endParaRPr lang="ru-RU"/>
           </a:p>
@@ -16254,8 +16262,8 @@
           </a:p>
         </p:txBody>
       </p:sp>
-      <mc:AlternateContent xmlns:mc="http://schemas.openxmlformats.org/markup-compatibility/2006">
-        <mc:Choice xmlns:p14="http://schemas.microsoft.com/office/powerpoint/2010/main" Requires="p14">
+      <mc:AlternateContent xmlns:mc="http://schemas.openxmlformats.org/markup-compatibility/2006" xmlns:p14="http://schemas.microsoft.com/office/powerpoint/2010/main">
+        <mc:Choice Requires="p14">
           <p:contentPart p14:bwMode="auto" r:id="rId2">
             <p14:nvContentPartPr>
               <p14:cNvPr id="5" name="Ink 4">
@@ -16274,7 +16282,7 @@
             </p14:xfrm>
           </p:contentPart>
         </mc:Choice>
-        <mc:Fallback>
+        <mc:Fallback xmlns="">
           <p:pic>
             <p:nvPicPr>
               <p:cNvPr id="5" name="Ink 4">
@@ -16325,8 +16333,8 @@
             <a:chExt cx="301320" cy="86040"/>
           </a:xfrm>
         </p:grpSpPr>
-        <mc:AlternateContent xmlns:mc="http://schemas.openxmlformats.org/markup-compatibility/2006">
-          <mc:Choice xmlns:p14="http://schemas.microsoft.com/office/powerpoint/2010/main" Requires="p14">
+        <mc:AlternateContent xmlns:mc="http://schemas.openxmlformats.org/markup-compatibility/2006" xmlns:p14="http://schemas.microsoft.com/office/powerpoint/2010/main">
+          <mc:Choice Requires="p14">
             <p:contentPart p14:bwMode="auto" r:id="rId4">
               <p14:nvContentPartPr>
                 <p14:cNvPr id="6" name="Ink 5">
@@ -16345,7 +16353,7 @@
               </p14:xfrm>
             </p:contentPart>
           </mc:Choice>
-          <mc:Fallback>
+          <mc:Fallback xmlns="">
             <p:pic>
               <p:nvPicPr>
                 <p:cNvPr id="6" name="Ink 5">
@@ -16376,8 +16384,8 @@
             </p:pic>
           </mc:Fallback>
         </mc:AlternateContent>
-        <mc:AlternateContent xmlns:mc="http://schemas.openxmlformats.org/markup-compatibility/2006">
-          <mc:Choice xmlns:p14="http://schemas.microsoft.com/office/powerpoint/2010/main" Requires="p14">
+        <mc:AlternateContent xmlns:mc="http://schemas.openxmlformats.org/markup-compatibility/2006" xmlns:p14="http://schemas.microsoft.com/office/powerpoint/2010/main">
+          <mc:Choice Requires="p14">
             <p:contentPart p14:bwMode="auto" r:id="rId6">
               <p14:nvContentPartPr>
                 <p14:cNvPr id="7" name="Ink 6">
@@ -16396,7 +16404,7 @@
               </p14:xfrm>
             </p:contentPart>
           </mc:Choice>
-          <mc:Fallback>
+          <mc:Fallback xmlns="">
             <p:pic>
               <p:nvPicPr>
                 <p:cNvPr id="7" name="Ink 6">
@@ -16428,8 +16436,8 @@
           </mc:Fallback>
         </mc:AlternateContent>
       </p:grpSp>
-      <mc:AlternateContent xmlns:mc="http://schemas.openxmlformats.org/markup-compatibility/2006">
-        <mc:Choice xmlns:p14="http://schemas.microsoft.com/office/powerpoint/2010/main" Requires="p14">
+      <mc:AlternateContent xmlns:mc="http://schemas.openxmlformats.org/markup-compatibility/2006" xmlns:p14="http://schemas.microsoft.com/office/powerpoint/2010/main">
+        <mc:Choice Requires="p14">
           <p:contentPart p14:bwMode="auto" r:id="rId8">
             <p14:nvContentPartPr>
               <p14:cNvPr id="10" name="Ink 9">
@@ -16448,7 +16456,7 @@
             </p14:xfrm>
           </p:contentPart>
         </mc:Choice>
-        <mc:Fallback>
+        <mc:Fallback xmlns="">
           <p:pic>
             <p:nvPicPr>
               <p:cNvPr id="10" name="Ink 9">
@@ -16499,8 +16507,8 @@
             <a:chExt cx="387000" cy="183960"/>
           </a:xfrm>
         </p:grpSpPr>
-        <mc:AlternateContent xmlns:mc="http://schemas.openxmlformats.org/markup-compatibility/2006">
-          <mc:Choice xmlns:p14="http://schemas.microsoft.com/office/powerpoint/2010/main" Requires="p14">
+        <mc:AlternateContent xmlns:mc="http://schemas.openxmlformats.org/markup-compatibility/2006" xmlns:p14="http://schemas.microsoft.com/office/powerpoint/2010/main">
+          <mc:Choice Requires="p14">
             <p:contentPart p14:bwMode="auto" r:id="rId10">
               <p14:nvContentPartPr>
                 <p14:cNvPr id="11" name="Ink 10">
@@ -16519,7 +16527,7 @@
               </p14:xfrm>
             </p:contentPart>
           </mc:Choice>
-          <mc:Fallback>
+          <mc:Fallback xmlns="">
             <p:pic>
               <p:nvPicPr>
                 <p:cNvPr id="11" name="Ink 10">
@@ -16550,8 +16558,8 @@
             </p:pic>
           </mc:Fallback>
         </mc:AlternateContent>
-        <mc:AlternateContent xmlns:mc="http://schemas.openxmlformats.org/markup-compatibility/2006">
-          <mc:Choice xmlns:p14="http://schemas.microsoft.com/office/powerpoint/2010/main" Requires="p14">
+        <mc:AlternateContent xmlns:mc="http://schemas.openxmlformats.org/markup-compatibility/2006" xmlns:p14="http://schemas.microsoft.com/office/powerpoint/2010/main">
+          <mc:Choice Requires="p14">
             <p:contentPart p14:bwMode="auto" r:id="rId12">
               <p14:nvContentPartPr>
                 <p14:cNvPr id="12" name="Ink 11">
@@ -16570,7 +16578,7 @@
               </p14:xfrm>
             </p:contentPart>
           </mc:Choice>
-          <mc:Fallback>
+          <mc:Fallback xmlns="">
             <p:pic>
               <p:nvPicPr>
                 <p:cNvPr id="12" name="Ink 11">
@@ -22250,8 +22258,8 @@
           </a:p>
         </p:txBody>
       </p:sp>
-      <mc:AlternateContent xmlns:mc="http://schemas.openxmlformats.org/markup-compatibility/2006">
-        <mc:Choice xmlns:p14="http://schemas.microsoft.com/office/powerpoint/2010/main" Requires="p14">
+      <mc:AlternateContent xmlns:mc="http://schemas.openxmlformats.org/markup-compatibility/2006" xmlns:p14="http://schemas.microsoft.com/office/powerpoint/2010/main">
+        <mc:Choice Requires="p14">
           <p:contentPart p14:bwMode="auto" r:id="rId2">
             <p14:nvContentPartPr>
               <p14:cNvPr id="16" name="Ink 15">
@@ -22270,7 +22278,7 @@
             </p14:xfrm>
           </p:contentPart>
         </mc:Choice>
-        <mc:Fallback>
+        <mc:Fallback xmlns="">
           <p:pic>
             <p:nvPicPr>
               <p:cNvPr id="16" name="Ink 15">
@@ -22301,8 +22309,8 @@
           </p:pic>
         </mc:Fallback>
       </mc:AlternateContent>
-      <mc:AlternateContent xmlns:mc="http://schemas.openxmlformats.org/markup-compatibility/2006">
-        <mc:Choice xmlns:p14="http://schemas.microsoft.com/office/powerpoint/2010/main" Requires="p14">
+      <mc:AlternateContent xmlns:mc="http://schemas.openxmlformats.org/markup-compatibility/2006" xmlns:p14="http://schemas.microsoft.com/office/powerpoint/2010/main">
+        <mc:Choice Requires="p14">
           <p:contentPart p14:bwMode="auto" r:id="rId4">
             <p14:nvContentPartPr>
               <p14:cNvPr id="17" name="Ink 16">
@@ -22321,7 +22329,7 @@
             </p14:xfrm>
           </p:contentPart>
         </mc:Choice>
-        <mc:Fallback>
+        <mc:Fallback xmlns="">
           <p:pic>
             <p:nvPicPr>
               <p:cNvPr id="17" name="Ink 16">
@@ -22372,8 +22380,8 @@
             <a:chExt cx="757800" cy="327960"/>
           </a:xfrm>
         </p:grpSpPr>
-        <mc:AlternateContent xmlns:mc="http://schemas.openxmlformats.org/markup-compatibility/2006">
-          <mc:Choice xmlns:p14="http://schemas.microsoft.com/office/powerpoint/2010/main" Requires="p14">
+        <mc:AlternateContent xmlns:mc="http://schemas.openxmlformats.org/markup-compatibility/2006" xmlns:p14="http://schemas.microsoft.com/office/powerpoint/2010/main">
+          <mc:Choice Requires="p14">
             <p:contentPart p14:bwMode="auto" r:id="rId6">
               <p14:nvContentPartPr>
                 <p14:cNvPr id="18" name="Ink 17">
@@ -22392,7 +22400,7 @@
               </p14:xfrm>
             </p:contentPart>
           </mc:Choice>
-          <mc:Fallback>
+          <mc:Fallback xmlns="">
             <p:pic>
               <p:nvPicPr>
                 <p:cNvPr id="18" name="Ink 17">
@@ -22423,8 +22431,8 @@
             </p:pic>
           </mc:Fallback>
         </mc:AlternateContent>
-        <mc:AlternateContent xmlns:mc="http://schemas.openxmlformats.org/markup-compatibility/2006">
-          <mc:Choice xmlns:p14="http://schemas.microsoft.com/office/powerpoint/2010/main" Requires="p14">
+        <mc:AlternateContent xmlns:mc="http://schemas.openxmlformats.org/markup-compatibility/2006" xmlns:p14="http://schemas.microsoft.com/office/powerpoint/2010/main">
+          <mc:Choice Requires="p14">
             <p:contentPart p14:bwMode="auto" r:id="rId8">
               <p14:nvContentPartPr>
                 <p14:cNvPr id="19" name="Ink 18">
@@ -22443,7 +22451,7 @@
               </p14:xfrm>
             </p:contentPart>
           </mc:Choice>
-          <mc:Fallback>
+          <mc:Fallback xmlns="">
             <p:pic>
               <p:nvPicPr>
                 <p:cNvPr id="19" name="Ink 18">
@@ -22495,8 +22503,8 @@
             <a:chExt cx="546120" cy="359640"/>
           </a:xfrm>
         </p:grpSpPr>
-        <mc:AlternateContent xmlns:mc="http://schemas.openxmlformats.org/markup-compatibility/2006">
-          <mc:Choice xmlns:p14="http://schemas.microsoft.com/office/powerpoint/2010/main" Requires="p14">
+        <mc:AlternateContent xmlns:mc="http://schemas.openxmlformats.org/markup-compatibility/2006" xmlns:p14="http://schemas.microsoft.com/office/powerpoint/2010/main">
+          <mc:Choice Requires="p14">
             <p:contentPart p14:bwMode="auto" r:id="rId10">
               <p14:nvContentPartPr>
                 <p14:cNvPr id="21" name="Ink 20">
@@ -22515,7 +22523,7 @@
               </p14:xfrm>
             </p:contentPart>
           </mc:Choice>
-          <mc:Fallback>
+          <mc:Fallback xmlns="">
             <p:pic>
               <p:nvPicPr>
                 <p:cNvPr id="21" name="Ink 20">
@@ -22546,8 +22554,8 @@
             </p:pic>
           </mc:Fallback>
         </mc:AlternateContent>
-        <mc:AlternateContent xmlns:mc="http://schemas.openxmlformats.org/markup-compatibility/2006">
-          <mc:Choice xmlns:p14="http://schemas.microsoft.com/office/powerpoint/2010/main" Requires="p14">
+        <mc:AlternateContent xmlns:mc="http://schemas.openxmlformats.org/markup-compatibility/2006" xmlns:p14="http://schemas.microsoft.com/office/powerpoint/2010/main">
+          <mc:Choice Requires="p14">
             <p:contentPart p14:bwMode="auto" r:id="rId12">
               <p14:nvContentPartPr>
                 <p14:cNvPr id="22" name="Ink 21">
@@ -22566,7 +22574,7 @@
               </p14:xfrm>
             </p:contentPart>
           </mc:Choice>
-          <mc:Fallback>
+          <mc:Fallback xmlns="">
             <p:pic>
               <p:nvPicPr>
                 <p:cNvPr id="22" name="Ink 21">
@@ -25738,6 +25746,170 @@
           <p:cNvPr id="2" name="Title 1">
             <a:extLst>
               <a:ext uri="{FF2B5EF4-FFF2-40B4-BE49-F238E27FC236}">
+                <a16:creationId xmlns:a16="http://schemas.microsoft.com/office/drawing/2014/main" id="{8DF0E1FE-340D-3A27-2BE2-E0434FDFAB0D}"/>
+              </a:ext>
+            </a:extLst>
+          </p:cNvPr>
+          <p:cNvSpPr>
+            <a:spLocks noGrp="1"/>
+          </p:cNvSpPr>
+          <p:nvPr>
+            <p:ph type="title"/>
+          </p:nvPr>
+        </p:nvSpPr>
+        <p:spPr/>
+        <p:txBody>
+          <a:bodyPr/>
+          <a:lstStyle/>
+          <a:p>
+            <a:r>
+              <a:rPr lang="en-US"/>
+              <a:t>Arc</a:t>
+            </a:r>
+            <a:endParaRPr lang="ru-RU"/>
+          </a:p>
+        </p:txBody>
+      </p:sp>
+      <p:sp>
+        <p:nvSpPr>
+          <p:cNvPr id="3" name="Content Placeholder 2">
+            <a:extLst>
+              <a:ext uri="{FF2B5EF4-FFF2-40B4-BE49-F238E27FC236}">
+                <a16:creationId xmlns:a16="http://schemas.microsoft.com/office/drawing/2014/main" id="{72D381AF-AE1E-83CB-BC54-B5D8AF559D05}"/>
+              </a:ext>
+            </a:extLst>
+          </p:cNvPr>
+          <p:cNvSpPr>
+            <a:spLocks noGrp="1"/>
+          </p:cNvSpPr>
+          <p:nvPr>
+            <p:ph idx="1"/>
+          </p:nvPr>
+        </p:nvSpPr>
+        <p:spPr/>
+        <p:txBody>
+          <a:bodyPr/>
+          <a:lstStyle/>
+          <a:p>
+            <a:endParaRPr lang="ru-RU"/>
+          </a:p>
+        </p:txBody>
+      </p:sp>
+    </p:spTree>
+    <p:extLst>
+      <p:ext uri="{BB962C8B-B14F-4D97-AF65-F5344CB8AC3E}">
+        <p14:creationId xmlns:p14="http://schemas.microsoft.com/office/powerpoint/2010/main" val="3102880158"/>
+      </p:ext>
+    </p:extLst>
+  </p:cSld>
+  <p:clrMapOvr>
+    <a:masterClrMapping/>
+  </p:clrMapOvr>
+</p:sld>
+</file>
+
+<file path=ppt/slides/slide37.xml><?xml version="1.0" encoding="utf-8"?>
+<p:sld xmlns:a="http://schemas.openxmlformats.org/drawingml/2006/main" xmlns:r="http://schemas.openxmlformats.org/officeDocument/2006/relationships" xmlns:p="http://schemas.openxmlformats.org/presentationml/2006/main">
+  <p:cSld>
+    <p:spTree>
+      <p:nvGrpSpPr>
+        <p:cNvPr id="1" name=""/>
+        <p:cNvGrpSpPr/>
+        <p:nvPr/>
+      </p:nvGrpSpPr>
+      <p:grpSpPr>
+        <a:xfrm>
+          <a:off x="0" y="0"/>
+          <a:ext cx="0" cy="0"/>
+          <a:chOff x="0" y="0"/>
+          <a:chExt cx="0" cy="0"/>
+        </a:xfrm>
+      </p:grpSpPr>
+      <p:sp>
+        <p:nvSpPr>
+          <p:cNvPr id="2" name="Title 1">
+            <a:extLst>
+              <a:ext uri="{FF2B5EF4-FFF2-40B4-BE49-F238E27FC236}">
+                <a16:creationId xmlns:a16="http://schemas.microsoft.com/office/drawing/2014/main" id="{63F1E33E-F7DA-D4B1-0DAE-7B39290167A2}"/>
+              </a:ext>
+            </a:extLst>
+          </p:cNvPr>
+          <p:cNvSpPr>
+            <a:spLocks noGrp="1"/>
+          </p:cNvSpPr>
+          <p:nvPr>
+            <p:ph type="title"/>
+          </p:nvPr>
+        </p:nvSpPr>
+        <p:spPr/>
+        <p:txBody>
+          <a:bodyPr/>
+          <a:lstStyle/>
+          <a:p>
+            <a:endParaRPr lang="ru-RU"/>
+          </a:p>
+        </p:txBody>
+      </p:sp>
+      <p:sp>
+        <p:nvSpPr>
+          <p:cNvPr id="3" name="Content Placeholder 2">
+            <a:extLst>
+              <a:ext uri="{FF2B5EF4-FFF2-40B4-BE49-F238E27FC236}">
+                <a16:creationId xmlns:a16="http://schemas.microsoft.com/office/drawing/2014/main" id="{8E521272-853A-7DCA-4D70-C14CB5AA0DA8}"/>
+              </a:ext>
+            </a:extLst>
+          </p:cNvPr>
+          <p:cNvSpPr>
+            <a:spLocks noGrp="1"/>
+          </p:cNvSpPr>
+          <p:nvPr>
+            <p:ph idx="1"/>
+          </p:nvPr>
+        </p:nvSpPr>
+        <p:spPr/>
+        <p:txBody>
+          <a:bodyPr/>
+          <a:lstStyle/>
+          <a:p>
+            <a:endParaRPr lang="ru-RU"/>
+          </a:p>
+        </p:txBody>
+      </p:sp>
+    </p:spTree>
+    <p:extLst>
+      <p:ext uri="{BB962C8B-B14F-4D97-AF65-F5344CB8AC3E}">
+        <p14:creationId xmlns:p14="http://schemas.microsoft.com/office/powerpoint/2010/main" val="2804306813"/>
+      </p:ext>
+    </p:extLst>
+  </p:cSld>
+  <p:clrMapOvr>
+    <a:masterClrMapping/>
+  </p:clrMapOvr>
+</p:sld>
+</file>
+
+<file path=ppt/slides/slide38.xml><?xml version="1.0" encoding="utf-8"?>
+<p:sld xmlns:a="http://schemas.openxmlformats.org/drawingml/2006/main" xmlns:r="http://schemas.openxmlformats.org/officeDocument/2006/relationships" xmlns:p="http://schemas.openxmlformats.org/presentationml/2006/main">
+  <p:cSld>
+    <p:spTree>
+      <p:nvGrpSpPr>
+        <p:cNvPr id="1" name=""/>
+        <p:cNvGrpSpPr/>
+        <p:nvPr/>
+      </p:nvGrpSpPr>
+      <p:grpSpPr>
+        <a:xfrm>
+          <a:off x="0" y="0"/>
+          <a:ext cx="0" cy="0"/>
+          <a:chOff x="0" y="0"/>
+          <a:chExt cx="0" cy="0"/>
+        </a:xfrm>
+      </p:grpSpPr>
+      <p:sp>
+        <p:nvSpPr>
+          <p:cNvPr id="2" name="Title 1">
+            <a:extLst>
+              <a:ext uri="{FF2B5EF4-FFF2-40B4-BE49-F238E27FC236}">
                 <a16:creationId xmlns:a16="http://schemas.microsoft.com/office/drawing/2014/main" id="{6EAC2F57-76F8-946A-9A2F-91D6B0DFCD10}"/>
               </a:ext>
             </a:extLst>

--- a/src/11-Multithreading/11-Multithreading.pptx
+++ b/src/11-Multithreading/11-Multithreading.pptx
@@ -6,53 +6,54 @@
   </p:sldMasterIdLst>
   <p:sldIdLst>
     <p:sldId id="256" r:id="rId2"/>
-    <p:sldId id="259" r:id="rId3"/>
-    <p:sldId id="261" r:id="rId4"/>
-    <p:sldId id="260" r:id="rId5"/>
-    <p:sldId id="262" r:id="rId6"/>
-    <p:sldId id="263" r:id="rId7"/>
-    <p:sldId id="264" r:id="rId8"/>
-    <p:sldId id="265" r:id="rId9"/>
-    <p:sldId id="266" r:id="rId10"/>
-    <p:sldId id="267" r:id="rId11"/>
-    <p:sldId id="268" r:id="rId12"/>
-    <p:sldId id="269" r:id="rId13"/>
-    <p:sldId id="272" r:id="rId14"/>
-    <p:sldId id="273" r:id="rId15"/>
-    <p:sldId id="277" r:id="rId16"/>
-    <p:sldId id="278" r:id="rId17"/>
-    <p:sldId id="279" r:id="rId18"/>
-    <p:sldId id="280" r:id="rId19"/>
-    <p:sldId id="270" r:id="rId20"/>
-    <p:sldId id="271" r:id="rId21"/>
-    <p:sldId id="281" r:id="rId22"/>
-    <p:sldId id="274" r:id="rId23"/>
-    <p:sldId id="275" r:id="rId24"/>
-    <p:sldId id="282" r:id="rId25"/>
-    <p:sldId id="283" r:id="rId26"/>
-    <p:sldId id="285" r:id="rId27"/>
-    <p:sldId id="286" r:id="rId28"/>
-    <p:sldId id="287" r:id="rId29"/>
-    <p:sldId id="298" r:id="rId30"/>
-    <p:sldId id="299" r:id="rId31"/>
-    <p:sldId id="289" r:id="rId32"/>
-    <p:sldId id="291" r:id="rId33"/>
-    <p:sldId id="292" r:id="rId34"/>
-    <p:sldId id="294" r:id="rId35"/>
-    <p:sldId id="293" r:id="rId36"/>
-    <p:sldId id="295" r:id="rId37"/>
-    <p:sldId id="296" r:id="rId38"/>
-    <p:sldId id="303" r:id="rId39"/>
-    <p:sldId id="297" r:id="rId40"/>
-    <p:sldId id="300" r:id="rId41"/>
-    <p:sldId id="301" r:id="rId42"/>
-    <p:sldId id="302" r:id="rId43"/>
-    <p:sldId id="305" r:id="rId44"/>
-    <p:sldId id="307" r:id="rId45"/>
-    <p:sldId id="308" r:id="rId46"/>
-    <p:sldId id="310" r:id="rId47"/>
-    <p:sldId id="311" r:id="rId48"/>
-    <p:sldId id="258" r:id="rId49"/>
+    <p:sldId id="312" r:id="rId3"/>
+    <p:sldId id="259" r:id="rId4"/>
+    <p:sldId id="261" r:id="rId5"/>
+    <p:sldId id="260" r:id="rId6"/>
+    <p:sldId id="262" r:id="rId7"/>
+    <p:sldId id="263" r:id="rId8"/>
+    <p:sldId id="264" r:id="rId9"/>
+    <p:sldId id="265" r:id="rId10"/>
+    <p:sldId id="266" r:id="rId11"/>
+    <p:sldId id="267" r:id="rId12"/>
+    <p:sldId id="268" r:id="rId13"/>
+    <p:sldId id="269" r:id="rId14"/>
+    <p:sldId id="272" r:id="rId15"/>
+    <p:sldId id="273" r:id="rId16"/>
+    <p:sldId id="277" r:id="rId17"/>
+    <p:sldId id="278" r:id="rId18"/>
+    <p:sldId id="279" r:id="rId19"/>
+    <p:sldId id="280" r:id="rId20"/>
+    <p:sldId id="270" r:id="rId21"/>
+    <p:sldId id="271" r:id="rId22"/>
+    <p:sldId id="281" r:id="rId23"/>
+    <p:sldId id="274" r:id="rId24"/>
+    <p:sldId id="275" r:id="rId25"/>
+    <p:sldId id="282" r:id="rId26"/>
+    <p:sldId id="283" r:id="rId27"/>
+    <p:sldId id="285" r:id="rId28"/>
+    <p:sldId id="286" r:id="rId29"/>
+    <p:sldId id="287" r:id="rId30"/>
+    <p:sldId id="298" r:id="rId31"/>
+    <p:sldId id="299" r:id="rId32"/>
+    <p:sldId id="289" r:id="rId33"/>
+    <p:sldId id="291" r:id="rId34"/>
+    <p:sldId id="292" r:id="rId35"/>
+    <p:sldId id="294" r:id="rId36"/>
+    <p:sldId id="293" r:id="rId37"/>
+    <p:sldId id="295" r:id="rId38"/>
+    <p:sldId id="296" r:id="rId39"/>
+    <p:sldId id="303" r:id="rId40"/>
+    <p:sldId id="297" r:id="rId41"/>
+    <p:sldId id="300" r:id="rId42"/>
+    <p:sldId id="301" r:id="rId43"/>
+    <p:sldId id="302" r:id="rId44"/>
+    <p:sldId id="305" r:id="rId45"/>
+    <p:sldId id="307" r:id="rId46"/>
+    <p:sldId id="308" r:id="rId47"/>
+    <p:sldId id="310" r:id="rId48"/>
+    <p:sldId id="311" r:id="rId49"/>
+    <p:sldId id="258" r:id="rId50"/>
   </p:sldIdLst>
   <p:sldSz cx="12192000" cy="6858000"/>
   <p:notesSz cx="6858000" cy="9144000"/>
@@ -157,6 +158,7 @@
         <p14:section name="Default Section" id="{9350FB1C-05BD-4CC9-9543-82B9E00A83A4}">
           <p14:sldIdLst>
             <p14:sldId id="256"/>
+            <p14:sldId id="312"/>
           </p14:sldIdLst>
         </p14:section>
         <p14:section name="Thread" id="{36BDCB83-F95B-4BF1-B5DB-D7FF4F3126DE}">
@@ -1321,7 +1323,7 @@
           <a:p>
             <a:fld id="{EFAAC8F1-21AA-47EF-82D9-7929EA07D29D}" type="datetimeFigureOut">
               <a:rPr lang="ru-RU" smtClean="0"/>
-              <a:t>22.04.2023</a:t>
+              <a:t>25.04.2023</a:t>
             </a:fld>
             <a:endParaRPr lang="ru-RU"/>
           </a:p>
@@ -1521,7 +1523,7 @@
           <a:p>
             <a:fld id="{EFAAC8F1-21AA-47EF-82D9-7929EA07D29D}" type="datetimeFigureOut">
               <a:rPr lang="ru-RU" smtClean="0"/>
-              <a:t>22.04.2023</a:t>
+              <a:t>25.04.2023</a:t>
             </a:fld>
             <a:endParaRPr lang="ru-RU"/>
           </a:p>
@@ -1731,7 +1733,7 @@
           <a:p>
             <a:fld id="{EFAAC8F1-21AA-47EF-82D9-7929EA07D29D}" type="datetimeFigureOut">
               <a:rPr lang="ru-RU" smtClean="0"/>
-              <a:t>22.04.2023</a:t>
+              <a:t>25.04.2023</a:t>
             </a:fld>
             <a:endParaRPr lang="ru-RU"/>
           </a:p>
@@ -1931,7 +1933,7 @@
           <a:p>
             <a:fld id="{EFAAC8F1-21AA-47EF-82D9-7929EA07D29D}" type="datetimeFigureOut">
               <a:rPr lang="ru-RU" smtClean="0"/>
-              <a:t>22.04.2023</a:t>
+              <a:t>25.04.2023</a:t>
             </a:fld>
             <a:endParaRPr lang="ru-RU"/>
           </a:p>
@@ -2207,7 +2209,7 @@
           <a:p>
             <a:fld id="{EFAAC8F1-21AA-47EF-82D9-7929EA07D29D}" type="datetimeFigureOut">
               <a:rPr lang="ru-RU" smtClean="0"/>
-              <a:t>22.04.2023</a:t>
+              <a:t>25.04.2023</a:t>
             </a:fld>
             <a:endParaRPr lang="ru-RU"/>
           </a:p>
@@ -2475,7 +2477,7 @@
           <a:p>
             <a:fld id="{EFAAC8F1-21AA-47EF-82D9-7929EA07D29D}" type="datetimeFigureOut">
               <a:rPr lang="ru-RU" smtClean="0"/>
-              <a:t>22.04.2023</a:t>
+              <a:t>25.04.2023</a:t>
             </a:fld>
             <a:endParaRPr lang="ru-RU"/>
           </a:p>
@@ -2890,7 +2892,7 @@
           <a:p>
             <a:fld id="{EFAAC8F1-21AA-47EF-82D9-7929EA07D29D}" type="datetimeFigureOut">
               <a:rPr lang="ru-RU" smtClean="0"/>
-              <a:t>22.04.2023</a:t>
+              <a:t>25.04.2023</a:t>
             </a:fld>
             <a:endParaRPr lang="ru-RU"/>
           </a:p>
@@ -3032,7 +3034,7 @@
           <a:p>
             <a:fld id="{EFAAC8F1-21AA-47EF-82D9-7929EA07D29D}" type="datetimeFigureOut">
               <a:rPr lang="ru-RU" smtClean="0"/>
-              <a:t>22.04.2023</a:t>
+              <a:t>25.04.2023</a:t>
             </a:fld>
             <a:endParaRPr lang="ru-RU"/>
           </a:p>
@@ -3145,7 +3147,7 @@
           <a:p>
             <a:fld id="{EFAAC8F1-21AA-47EF-82D9-7929EA07D29D}" type="datetimeFigureOut">
               <a:rPr lang="ru-RU" smtClean="0"/>
-              <a:t>22.04.2023</a:t>
+              <a:t>25.04.2023</a:t>
             </a:fld>
             <a:endParaRPr lang="ru-RU"/>
           </a:p>
@@ -3458,7 +3460,7 @@
           <a:p>
             <a:fld id="{EFAAC8F1-21AA-47EF-82D9-7929EA07D29D}" type="datetimeFigureOut">
               <a:rPr lang="ru-RU" smtClean="0"/>
-              <a:t>22.04.2023</a:t>
+              <a:t>25.04.2023</a:t>
             </a:fld>
             <a:endParaRPr lang="ru-RU"/>
           </a:p>
@@ -3747,7 +3749,7 @@
           <a:p>
             <a:fld id="{EFAAC8F1-21AA-47EF-82D9-7929EA07D29D}" type="datetimeFigureOut">
               <a:rPr lang="ru-RU" smtClean="0"/>
-              <a:t>22.04.2023</a:t>
+              <a:t>25.04.2023</a:t>
             </a:fld>
             <a:endParaRPr lang="ru-RU"/>
           </a:p>
@@ -3990,7 +3992,7 @@
           <a:p>
             <a:fld id="{EFAAC8F1-21AA-47EF-82D9-7929EA07D29D}" type="datetimeFigureOut">
               <a:rPr lang="ru-RU" smtClean="0"/>
-              <a:t>22.04.2023</a:t>
+              <a:t>25.04.2023</a:t>
             </a:fld>
             <a:endParaRPr lang="ru-RU"/>
           </a:p>
@@ -4506,6 +4508,618 @@
           <p:cNvPr id="2" name="Title 1">
             <a:extLst>
               <a:ext uri="{FF2B5EF4-FFF2-40B4-BE49-F238E27FC236}">
+                <a16:creationId xmlns:a16="http://schemas.microsoft.com/office/drawing/2014/main" id="{AC774210-E467-49E6-E0CA-60E476C939DF}"/>
+              </a:ext>
+            </a:extLst>
+          </p:cNvPr>
+          <p:cNvSpPr>
+            <a:spLocks noGrp="1"/>
+          </p:cNvSpPr>
+          <p:nvPr>
+            <p:ph type="title"/>
+          </p:nvPr>
+        </p:nvSpPr>
+        <p:spPr/>
+        <p:txBody>
+          <a:bodyPr/>
+          <a:lstStyle/>
+          <a:p>
+            <a:r>
+              <a:rPr lang="en-US" dirty="0"/>
+              <a:t>Move to spawn</a:t>
+            </a:r>
+            <a:endParaRPr lang="ru-RU" dirty="0"/>
+          </a:p>
+        </p:txBody>
+      </p:sp>
+      <p:sp>
+        <p:nvSpPr>
+          <p:cNvPr id="3" name="Content Placeholder 2">
+            <a:extLst>
+              <a:ext uri="{FF2B5EF4-FFF2-40B4-BE49-F238E27FC236}">
+                <a16:creationId xmlns:a16="http://schemas.microsoft.com/office/drawing/2014/main" id="{991F3780-5245-76F5-E899-09D2F7A6F075}"/>
+              </a:ext>
+            </a:extLst>
+          </p:cNvPr>
+          <p:cNvSpPr>
+            <a:spLocks noGrp="1"/>
+          </p:cNvSpPr>
+          <p:nvPr>
+            <p:ph idx="1"/>
+          </p:nvPr>
+        </p:nvSpPr>
+        <p:spPr/>
+        <p:txBody>
+          <a:bodyPr>
+            <a:normAutofit/>
+          </a:bodyPr>
+          <a:lstStyle/>
+          <a:p>
+            <a:pPr marL="0" indent="0">
+              <a:buNone/>
+            </a:pPr>
+            <a:r>
+              <a:rPr lang="en-US" dirty="0">
+                <a:solidFill>
+                  <a:srgbClr val="0033B3"/>
+                </a:solidFill>
+                <a:effectLst/>
+                <a:latin typeface="JetBrains Mono"/>
+              </a:rPr>
+              <a:t>let </a:t>
+            </a:r>
+            <a:r>
+              <a:rPr lang="en-US" dirty="0">
+                <a:solidFill>
+                  <a:srgbClr val="000000"/>
+                </a:solidFill>
+                <a:effectLst/>
+                <a:latin typeface="JetBrains Mono"/>
+              </a:rPr>
+              <a:t>int </a:t>
+            </a:r>
+            <a:r>
+              <a:rPr lang="en-US" dirty="0">
+                <a:solidFill>
+                  <a:srgbClr val="080808"/>
+                </a:solidFill>
+                <a:effectLst/>
+                <a:latin typeface="JetBrains Mono"/>
+              </a:rPr>
+              <a:t>= </a:t>
+            </a:r>
+            <a:r>
+              <a:rPr lang="en-US" dirty="0">
+                <a:solidFill>
+                  <a:srgbClr val="1750EB"/>
+                </a:solidFill>
+                <a:effectLst/>
+                <a:latin typeface="JetBrains Mono"/>
+              </a:rPr>
+              <a:t>5</a:t>
+            </a:r>
+            <a:r>
+              <a:rPr lang="en-US" dirty="0">
+                <a:solidFill>
+                  <a:srgbClr val="080808"/>
+                </a:solidFill>
+                <a:effectLst/>
+                <a:latin typeface="JetBrains Mono"/>
+              </a:rPr>
+              <a:t>;</a:t>
+            </a:r>
+            <a:br>
+              <a:rPr lang="en-US" dirty="0">
+                <a:solidFill>
+                  <a:srgbClr val="080808"/>
+                </a:solidFill>
+                <a:effectLst/>
+                <a:latin typeface="JetBrains Mono"/>
+              </a:rPr>
+            </a:br>
+            <a:r>
+              <a:rPr lang="en-US" dirty="0">
+                <a:solidFill>
+                  <a:srgbClr val="0033B3"/>
+                </a:solidFill>
+                <a:effectLst/>
+                <a:latin typeface="JetBrains Mono"/>
+              </a:rPr>
+              <a:t>let </a:t>
+            </a:r>
+            <a:r>
+              <a:rPr lang="en-US" dirty="0">
+                <a:solidFill>
+                  <a:srgbClr val="000000"/>
+                </a:solidFill>
+                <a:effectLst/>
+                <a:latin typeface="JetBrains Mono"/>
+              </a:rPr>
+              <a:t>handle </a:t>
+            </a:r>
+            <a:r>
+              <a:rPr lang="en-US" dirty="0">
+                <a:solidFill>
+                  <a:srgbClr val="080808"/>
+                </a:solidFill>
+                <a:effectLst/>
+                <a:latin typeface="JetBrains Mono"/>
+              </a:rPr>
+              <a:t>= </a:t>
+            </a:r>
+            <a:r>
+              <a:rPr lang="en-US" dirty="0">
+                <a:solidFill>
+                  <a:srgbClr val="000000"/>
+                </a:solidFill>
+                <a:effectLst/>
+                <a:latin typeface="JetBrains Mono"/>
+              </a:rPr>
+              <a:t>thread</a:t>
+            </a:r>
+            <a:r>
+              <a:rPr lang="en-US" dirty="0">
+                <a:solidFill>
+                  <a:srgbClr val="080808"/>
+                </a:solidFill>
+                <a:effectLst/>
+                <a:latin typeface="JetBrains Mono"/>
+              </a:rPr>
+              <a:t>::spawn(</a:t>
+            </a:r>
+            <a:r>
+              <a:rPr lang="en-US" dirty="0">
+                <a:solidFill>
+                  <a:srgbClr val="0033B3"/>
+                </a:solidFill>
+                <a:effectLst/>
+                <a:latin typeface="JetBrains Mono"/>
+              </a:rPr>
+              <a:t>move </a:t>
+            </a:r>
+            <a:r>
+              <a:rPr lang="en-US" dirty="0">
+                <a:solidFill>
+                  <a:srgbClr val="080808"/>
+                </a:solidFill>
+                <a:effectLst/>
+                <a:latin typeface="JetBrains Mono"/>
+              </a:rPr>
+              <a:t>|| {</a:t>
+            </a:r>
+            <a:br>
+              <a:rPr lang="en-US" dirty="0">
+                <a:solidFill>
+                  <a:srgbClr val="080808"/>
+                </a:solidFill>
+                <a:effectLst/>
+                <a:latin typeface="JetBrains Mono"/>
+              </a:rPr>
+            </a:br>
+            <a:r>
+              <a:rPr lang="en-US" dirty="0">
+                <a:solidFill>
+                  <a:srgbClr val="080808"/>
+                </a:solidFill>
+                <a:effectLst/>
+                <a:latin typeface="JetBrains Mono"/>
+              </a:rPr>
+              <a:t>    </a:t>
+            </a:r>
+            <a:r>
+              <a:rPr lang="en-US" dirty="0" err="1">
+                <a:solidFill>
+                  <a:srgbClr val="DD6718"/>
+                </a:solidFill>
+                <a:effectLst/>
+                <a:latin typeface="JetBrains Mono"/>
+              </a:rPr>
+              <a:t>println</a:t>
+            </a:r>
+            <a:r>
+              <a:rPr lang="en-US" dirty="0">
+                <a:solidFill>
+                  <a:srgbClr val="DD6718"/>
+                </a:solidFill>
+                <a:effectLst/>
+                <a:latin typeface="JetBrains Mono"/>
+              </a:rPr>
+              <a:t>!</a:t>
+            </a:r>
+            <a:r>
+              <a:rPr lang="en-US" dirty="0">
+                <a:solidFill>
+                  <a:srgbClr val="080808"/>
+                </a:solidFill>
+                <a:effectLst/>
+                <a:latin typeface="JetBrains Mono"/>
+              </a:rPr>
+              <a:t>(</a:t>
+            </a:r>
+            <a:r>
+              <a:rPr lang="en-US" dirty="0">
+                <a:solidFill>
+                  <a:srgbClr val="067D17"/>
+                </a:solidFill>
+                <a:effectLst/>
+                <a:latin typeface="JetBrains Mono"/>
+              </a:rPr>
+              <a:t>"Int background </a:t>
+            </a:r>
+            <a:r>
+              <a:rPr lang="en-US" dirty="0">
+                <a:solidFill>
+                  <a:srgbClr val="0037A6"/>
+                </a:solidFill>
+                <a:effectLst/>
+                <a:latin typeface="JetBrains Mono"/>
+              </a:rPr>
+              <a:t>{int}</a:t>
+            </a:r>
+            <a:r>
+              <a:rPr lang="en-US" dirty="0">
+                <a:solidFill>
+                  <a:srgbClr val="067D17"/>
+                </a:solidFill>
+                <a:effectLst/>
+                <a:latin typeface="JetBrains Mono"/>
+              </a:rPr>
+              <a:t>"</a:t>
+            </a:r>
+            <a:r>
+              <a:rPr lang="en-US" dirty="0">
+                <a:solidFill>
+                  <a:srgbClr val="080808"/>
+                </a:solidFill>
+                <a:effectLst/>
+                <a:latin typeface="JetBrains Mono"/>
+              </a:rPr>
+              <a:t>);</a:t>
+            </a:r>
+            <a:br>
+              <a:rPr lang="en-US" dirty="0">
+                <a:solidFill>
+                  <a:srgbClr val="080808"/>
+                </a:solidFill>
+                <a:effectLst/>
+                <a:latin typeface="JetBrains Mono"/>
+              </a:rPr>
+            </a:br>
+            <a:r>
+              <a:rPr lang="en-US" dirty="0">
+                <a:solidFill>
+                  <a:srgbClr val="080808"/>
+                </a:solidFill>
+                <a:effectLst/>
+                <a:latin typeface="JetBrains Mono"/>
+              </a:rPr>
+              <a:t>});</a:t>
+            </a:r>
+            <a:br>
+              <a:rPr lang="en-US" dirty="0">
+                <a:solidFill>
+                  <a:srgbClr val="080808"/>
+                </a:solidFill>
+                <a:effectLst/>
+                <a:latin typeface="JetBrains Mono"/>
+              </a:rPr>
+            </a:br>
+            <a:r>
+              <a:rPr lang="en-US" dirty="0" err="1">
+                <a:solidFill>
+                  <a:srgbClr val="000000"/>
+                </a:solidFill>
+                <a:effectLst/>
+                <a:latin typeface="JetBrains Mono"/>
+              </a:rPr>
+              <a:t>handle</a:t>
+            </a:r>
+            <a:r>
+              <a:rPr lang="en-US" dirty="0" err="1">
+                <a:solidFill>
+                  <a:srgbClr val="080808"/>
+                </a:solidFill>
+                <a:effectLst/>
+                <a:latin typeface="JetBrains Mono"/>
+              </a:rPr>
+              <a:t>.join</a:t>
+            </a:r>
+            <a:r>
+              <a:rPr lang="en-US" dirty="0">
+                <a:solidFill>
+                  <a:srgbClr val="080808"/>
+                </a:solidFill>
+                <a:effectLst/>
+                <a:latin typeface="JetBrains Mono"/>
+              </a:rPr>
+              <a:t>().expect(</a:t>
+            </a:r>
+            <a:r>
+              <a:rPr lang="en-US" dirty="0">
+                <a:solidFill>
+                  <a:srgbClr val="067D17"/>
+                </a:solidFill>
+                <a:effectLst/>
+                <a:latin typeface="JetBrains Mono"/>
+              </a:rPr>
+              <a:t>"The thread shouldn't panic 0_o"</a:t>
+            </a:r>
+            <a:r>
+              <a:rPr lang="en-US" dirty="0">
+                <a:solidFill>
+                  <a:srgbClr val="080808"/>
+                </a:solidFill>
+                <a:effectLst/>
+                <a:latin typeface="JetBrains Mono"/>
+              </a:rPr>
+              <a:t>);</a:t>
+            </a:r>
+            <a:br>
+              <a:rPr lang="en-US" dirty="0">
+                <a:solidFill>
+                  <a:srgbClr val="080808"/>
+                </a:solidFill>
+                <a:effectLst/>
+                <a:latin typeface="JetBrains Mono"/>
+              </a:rPr>
+            </a:br>
+            <a:r>
+              <a:rPr lang="en-US" dirty="0" err="1">
+                <a:solidFill>
+                  <a:srgbClr val="DD6718"/>
+                </a:solidFill>
+                <a:effectLst/>
+                <a:latin typeface="JetBrains Mono"/>
+              </a:rPr>
+              <a:t>println</a:t>
+            </a:r>
+            <a:r>
+              <a:rPr lang="en-US" dirty="0">
+                <a:solidFill>
+                  <a:srgbClr val="DD6718"/>
+                </a:solidFill>
+                <a:effectLst/>
+                <a:latin typeface="JetBrains Mono"/>
+              </a:rPr>
+              <a:t>!</a:t>
+            </a:r>
+            <a:r>
+              <a:rPr lang="en-US" dirty="0">
+                <a:solidFill>
+                  <a:srgbClr val="080808"/>
+                </a:solidFill>
+                <a:effectLst/>
+                <a:latin typeface="JetBrains Mono"/>
+              </a:rPr>
+              <a:t>(</a:t>
+            </a:r>
+            <a:r>
+              <a:rPr lang="en-US" dirty="0">
+                <a:solidFill>
+                  <a:srgbClr val="067D17"/>
+                </a:solidFill>
+                <a:effectLst/>
+                <a:latin typeface="JetBrains Mono"/>
+              </a:rPr>
+              <a:t>"Int main </a:t>
+            </a:r>
+            <a:r>
+              <a:rPr lang="en-US" dirty="0">
+                <a:solidFill>
+                  <a:srgbClr val="0037A6"/>
+                </a:solidFill>
+                <a:effectLst/>
+                <a:latin typeface="JetBrains Mono"/>
+              </a:rPr>
+              <a:t>{int}</a:t>
+            </a:r>
+            <a:r>
+              <a:rPr lang="en-US" dirty="0">
+                <a:solidFill>
+                  <a:srgbClr val="067D17"/>
+                </a:solidFill>
+                <a:effectLst/>
+                <a:latin typeface="JetBrains Mono"/>
+              </a:rPr>
+              <a:t>"</a:t>
+            </a:r>
+            <a:r>
+              <a:rPr lang="en-US" dirty="0">
+                <a:solidFill>
+                  <a:srgbClr val="080808"/>
+                </a:solidFill>
+                <a:effectLst/>
+                <a:latin typeface="JetBrains Mono"/>
+              </a:rPr>
+              <a:t>);</a:t>
+            </a:r>
+          </a:p>
+        </p:txBody>
+      </p:sp>
+      <mc:AlternateContent xmlns:mc="http://schemas.openxmlformats.org/markup-compatibility/2006" xmlns:p14="http://schemas.microsoft.com/office/powerpoint/2010/main">
+        <mc:Choice Requires="p14">
+          <p:contentPart p14:bwMode="auto" r:id="rId2">
+            <p14:nvContentPartPr>
+              <p14:cNvPr id="4" name="Ink 3">
+                <a:extLst>
+                  <a:ext uri="{FF2B5EF4-FFF2-40B4-BE49-F238E27FC236}">
+                    <a16:creationId xmlns:a16="http://schemas.microsoft.com/office/drawing/2014/main" id="{B6EF475D-BA36-34FF-B388-E61B5752441B}"/>
+                  </a:ext>
+                </a:extLst>
+              </p14:cNvPr>
+              <p14:cNvContentPartPr/>
+              <p14:nvPr/>
+            </p14:nvContentPartPr>
+            <p14:xfrm>
+              <a:off x="4891811" y="2160819"/>
+              <a:ext cx="815040" cy="605160"/>
+            </p14:xfrm>
+          </p:contentPart>
+        </mc:Choice>
+        <mc:Fallback xmlns="">
+          <p:pic>
+            <p:nvPicPr>
+              <p:cNvPr id="4" name="Ink 3">
+                <a:extLst>
+                  <a:ext uri="{FF2B5EF4-FFF2-40B4-BE49-F238E27FC236}">
+                    <a16:creationId xmlns:a16="http://schemas.microsoft.com/office/drawing/2014/main" id="{B6EF475D-BA36-34FF-B388-E61B5752441B}"/>
+                  </a:ext>
+                </a:extLst>
+              </p:cNvPr>
+              <p:cNvPicPr/>
+              <p:nvPr/>
+            </p:nvPicPr>
+            <p:blipFill>
+              <a:blip r:embed="rId3"/>
+              <a:stretch>
+                <a:fillRect/>
+              </a:stretch>
+            </p:blipFill>
+            <p:spPr>
+              <a:xfrm>
+                <a:off x="4882815" y="2151819"/>
+                <a:ext cx="832672" cy="622800"/>
+              </a:xfrm>
+              <a:prstGeom prst="rect">
+                <a:avLst/>
+              </a:prstGeom>
+            </p:spPr>
+          </p:pic>
+        </mc:Fallback>
+      </mc:AlternateContent>
+    </p:spTree>
+    <p:extLst>
+      <p:ext uri="{BB962C8B-B14F-4D97-AF65-F5344CB8AC3E}">
+        <p14:creationId xmlns:p14="http://schemas.microsoft.com/office/powerpoint/2010/main" val="3506110194"/>
+      </p:ext>
+    </p:extLst>
+  </p:cSld>
+  <p:clrMapOvr>
+    <a:masterClrMapping/>
+  </p:clrMapOvr>
+  <p:timing>
+    <p:tnLst>
+      <p:par>
+        <p:cTn id="1" dur="indefinite" restart="never" nodeType="tmRoot">
+          <p:childTnLst>
+            <p:seq concurrent="1" nextAc="seek">
+              <p:cTn id="2" dur="indefinite" nodeType="mainSeq">
+                <p:childTnLst>
+                  <p:par>
+                    <p:cTn id="3" fill="hold">
+                      <p:stCondLst>
+                        <p:cond delay="indefinite"/>
+                      </p:stCondLst>
+                      <p:childTnLst>
+                        <p:par>
+                          <p:cTn id="4" fill="hold">
+                            <p:stCondLst>
+                              <p:cond delay="0"/>
+                            </p:stCondLst>
+                            <p:childTnLst>
+                              <p:par>
+                                <p:cTn id="5" presetID="63" presetClass="entr" presetSubtype="0" fill="hold" nodeType="clickEffect">
+                                  <p:stCondLst>
+                                    <p:cond delay="0"/>
+                                  </p:stCondLst>
+                                  <p:childTnLst>
+                                    <p:set>
+                                      <p:cBhvr>
+                                        <p:cTn id="6" dur="1" fill="hold">
+                                          <p:stCondLst>
+                                            <p:cond delay="0"/>
+                                          </p:stCondLst>
+                                        </p:cTn>
+                                        <p:tgtEl>
+                                          <p:spTgt spid="4"/>
+                                        </p:tgtEl>
+                                        <p:attrNameLst>
+                                          <p:attrName>style.visibility</p:attrName>
+                                        </p:attrNameLst>
+                                      </p:cBhvr>
+                                      <p:to>
+                                        <p:strVal val="visible"/>
+                                      </p:to>
+                                    </p:set>
+                                    <p:anim calcmode="lin" valueType="num">
+                                      <p:cBhvr>
+                                        <p:cTn id="7" dur="2000" fill="hold"/>
+                                        <p:tgtEl>
+                                          <p:spTgt spid="4"/>
+                                        </p:tgtEl>
+                                        <p:attrNameLst>
+                                          <p:attrName>drawProgress</p:attrName>
+                                        </p:attrNameLst>
+                                      </p:cBhvr>
+                                      <p:tavLst>
+                                        <p:tav tm="0">
+                                          <p:val>
+                                            <p:fltVal val="0"/>
+                                          </p:val>
+                                        </p:tav>
+                                        <p:tav tm="100000">
+                                          <p:val>
+                                            <p:fltVal val="1"/>
+                                          </p:val>
+                                        </p:tav>
+                                      </p:tavLst>
+                                    </p:anim>
+                                  </p:childTnLst>
+                                </p:cTn>
+                              </p:par>
+                            </p:childTnLst>
+                          </p:cTn>
+                        </p:par>
+                      </p:childTnLst>
+                    </p:cTn>
+                  </p:par>
+                </p:childTnLst>
+              </p:cTn>
+              <p:prevCondLst>
+                <p:cond evt="onPrev" delay="0">
+                  <p:tgtEl>
+                    <p:sldTgt/>
+                  </p:tgtEl>
+                </p:cond>
+              </p:prevCondLst>
+              <p:nextCondLst>
+                <p:cond evt="onNext" delay="0">
+                  <p:tgtEl>
+                    <p:sldTgt/>
+                  </p:tgtEl>
+                </p:cond>
+              </p:nextCondLst>
+            </p:seq>
+          </p:childTnLst>
+        </p:cTn>
+      </p:par>
+    </p:tnLst>
+  </p:timing>
+</p:sld>
+</file>
+
+<file path=ppt/slides/slide11.xml><?xml version="1.0" encoding="utf-8"?>
+<p:sld xmlns:a="http://schemas.openxmlformats.org/drawingml/2006/main" xmlns:r="http://schemas.openxmlformats.org/officeDocument/2006/relationships" xmlns:p="http://schemas.openxmlformats.org/presentationml/2006/main">
+  <p:cSld>
+    <p:spTree>
+      <p:nvGrpSpPr>
+        <p:cNvPr id="1" name=""/>
+        <p:cNvGrpSpPr/>
+        <p:nvPr/>
+      </p:nvGrpSpPr>
+      <p:grpSpPr>
+        <a:xfrm>
+          <a:off x="0" y="0"/>
+          <a:ext cx="0" cy="0"/>
+          <a:chOff x="0" y="0"/>
+          <a:chExt cx="0" cy="0"/>
+        </a:xfrm>
+      </p:grpSpPr>
+      <p:sp>
+        <p:nvSpPr>
+          <p:cNvPr id="2" name="Title 1">
+            <a:extLst>
+              <a:ext uri="{FF2B5EF4-FFF2-40B4-BE49-F238E27FC236}">
                 <a16:creationId xmlns:a16="http://schemas.microsoft.com/office/drawing/2014/main" id="{0C8741E9-00BF-C6FC-6689-09D4B4414819}"/>
               </a:ext>
             </a:extLst>
@@ -5401,7 +6015,7 @@
 </p:sld>
 </file>
 
-<file path=ppt/slides/slide11.xml><?xml version="1.0" encoding="utf-8"?>
+<file path=ppt/slides/slide12.xml><?xml version="1.0" encoding="utf-8"?>
 <p:sld xmlns:a="http://schemas.openxmlformats.org/drawingml/2006/main" xmlns:r="http://schemas.openxmlformats.org/officeDocument/2006/relationships" xmlns:p="http://schemas.openxmlformats.org/presentationml/2006/main">
   <p:cSld>
     <p:spTree>
@@ -6367,7 +6981,7 @@
 </p:sld>
 </file>
 
-<file path=ppt/slides/slide12.xml><?xml version="1.0" encoding="utf-8"?>
+<file path=ppt/slides/slide13.xml><?xml version="1.0" encoding="utf-8"?>
 <p:sld xmlns:a="http://schemas.openxmlformats.org/drawingml/2006/main" xmlns:r="http://schemas.openxmlformats.org/officeDocument/2006/relationships" xmlns:p="http://schemas.openxmlformats.org/presentationml/2006/main">
   <p:cSld>
     <p:spTree>
@@ -7223,7 +7837,7 @@
 </p:sld>
 </file>
 
-<file path=ppt/slides/slide13.xml><?xml version="1.0" encoding="utf-8"?>
+<file path=ppt/slides/slide14.xml><?xml version="1.0" encoding="utf-8"?>
 <p:sld xmlns:a="http://schemas.openxmlformats.org/drawingml/2006/main" xmlns:r="http://schemas.openxmlformats.org/officeDocument/2006/relationships" xmlns:p="http://schemas.openxmlformats.org/presentationml/2006/main">
   <p:cSld>
     <p:spTree>
@@ -7496,7 +8110,7 @@
 </p:sld>
 </file>
 
-<file path=ppt/slides/slide14.xml><?xml version="1.0" encoding="utf-8"?>
+<file path=ppt/slides/slide15.xml><?xml version="1.0" encoding="utf-8"?>
 <p:sld xmlns:a="http://schemas.openxmlformats.org/drawingml/2006/main" xmlns:r="http://schemas.openxmlformats.org/officeDocument/2006/relationships" xmlns:p="http://schemas.openxmlformats.org/presentationml/2006/main">
   <p:cSld>
     <p:spTree>
@@ -8155,7 +8769,7 @@
 </p:sld>
 </file>
 
-<file path=ppt/slides/slide15.xml><?xml version="1.0" encoding="utf-8"?>
+<file path=ppt/slides/slide16.xml><?xml version="1.0" encoding="utf-8"?>
 <p:sld xmlns:a="http://schemas.openxmlformats.org/drawingml/2006/main" xmlns:r="http://schemas.openxmlformats.org/officeDocument/2006/relationships" xmlns:p="http://schemas.openxmlformats.org/presentationml/2006/main">
   <p:cSld>
     <p:spTree>
@@ -9598,7 +10212,7 @@
 </p:sld>
 </file>
 
-<file path=ppt/slides/slide16.xml><?xml version="1.0" encoding="utf-8"?>
+<file path=ppt/slides/slide17.xml><?xml version="1.0" encoding="utf-8"?>
 <p:sld xmlns:a="http://schemas.openxmlformats.org/drawingml/2006/main" xmlns:r="http://schemas.openxmlformats.org/officeDocument/2006/relationships" xmlns:p="http://schemas.openxmlformats.org/presentationml/2006/main">
   <p:cSld>
     <p:spTree>
@@ -10413,669 +11027,6 @@
 </p:sld>
 </file>
 
-<file path=ppt/slides/slide17.xml><?xml version="1.0" encoding="utf-8"?>
-<p:sld xmlns:a="http://schemas.openxmlformats.org/drawingml/2006/main" xmlns:r="http://schemas.openxmlformats.org/officeDocument/2006/relationships" xmlns:p="http://schemas.openxmlformats.org/presentationml/2006/main">
-  <p:cSld>
-    <p:spTree>
-      <p:nvGrpSpPr>
-        <p:cNvPr id="1" name=""/>
-        <p:cNvGrpSpPr/>
-        <p:nvPr/>
-      </p:nvGrpSpPr>
-      <p:grpSpPr>
-        <a:xfrm>
-          <a:off x="0" y="0"/>
-          <a:ext cx="0" cy="0"/>
-          <a:chOff x="0" y="0"/>
-          <a:chExt cx="0" cy="0"/>
-        </a:xfrm>
-      </p:grpSpPr>
-      <p:sp>
-        <p:nvSpPr>
-          <p:cNvPr id="2" name="Title 1">
-            <a:extLst>
-              <a:ext uri="{FF2B5EF4-FFF2-40B4-BE49-F238E27FC236}">
-                <a16:creationId xmlns:a16="http://schemas.microsoft.com/office/drawing/2014/main" id="{1580CF39-D856-38E8-9C49-A5EE47C0F99E}"/>
-              </a:ext>
-            </a:extLst>
-          </p:cNvPr>
-          <p:cNvSpPr>
-            <a:spLocks noGrp="1"/>
-          </p:cNvSpPr>
-          <p:nvPr>
-            <p:ph type="title"/>
-          </p:nvPr>
-        </p:nvSpPr>
-        <p:spPr/>
-        <p:txBody>
-          <a:bodyPr/>
-          <a:lstStyle/>
-          <a:p>
-            <a:r>
-              <a:rPr lang="en-US" dirty="0"/>
-              <a:t>Scope::spawn</a:t>
-            </a:r>
-            <a:endParaRPr lang="ru-RU" dirty="0"/>
-          </a:p>
-        </p:txBody>
-      </p:sp>
-      <p:sp>
-        <p:nvSpPr>
-          <p:cNvPr id="3" name="Content Placeholder 2">
-            <a:extLst>
-              <a:ext uri="{FF2B5EF4-FFF2-40B4-BE49-F238E27FC236}">
-                <a16:creationId xmlns:a16="http://schemas.microsoft.com/office/drawing/2014/main" id="{65D25329-B402-CDEC-F25F-2A472A318E9A}"/>
-              </a:ext>
-            </a:extLst>
-          </p:cNvPr>
-          <p:cNvSpPr>
-            <a:spLocks noGrp="1"/>
-          </p:cNvSpPr>
-          <p:nvPr>
-            <p:ph idx="1"/>
-          </p:nvPr>
-        </p:nvSpPr>
-        <p:spPr/>
-        <p:txBody>
-          <a:bodyPr/>
-          <a:lstStyle/>
-          <a:p>
-            <a:pPr marL="0" indent="0">
-              <a:buNone/>
-            </a:pPr>
-            <a:r>
-              <a:rPr lang="en-US" dirty="0">
-                <a:solidFill>
-                  <a:srgbClr val="0033B3"/>
-                </a:solidFill>
-                <a:effectLst/>
-                <a:latin typeface="JetBrains Mono"/>
-              </a:rPr>
-              <a:t>pub </a:t>
-            </a:r>
-            <a:r>
-              <a:rPr lang="en-US" dirty="0" err="1">
-                <a:solidFill>
-                  <a:srgbClr val="0033B3"/>
-                </a:solidFill>
-                <a:effectLst/>
-                <a:latin typeface="JetBrains Mono"/>
-              </a:rPr>
-              <a:t>fn</a:t>
-            </a:r>
-            <a:r>
-              <a:rPr lang="en-US" dirty="0">
-                <a:solidFill>
-                  <a:srgbClr val="0033B3"/>
-                </a:solidFill>
-                <a:effectLst/>
-                <a:latin typeface="JetBrains Mono"/>
-              </a:rPr>
-              <a:t> </a:t>
-            </a:r>
-            <a:r>
-              <a:rPr lang="en-US" dirty="0">
-                <a:solidFill>
-                  <a:srgbClr val="00627A"/>
-                </a:solidFill>
-                <a:effectLst/>
-                <a:latin typeface="JetBrains Mono"/>
-              </a:rPr>
-              <a:t>spawn</a:t>
-            </a:r>
-            <a:r>
-              <a:rPr lang="en-US" dirty="0">
-                <a:solidFill>
-                  <a:srgbClr val="080808"/>
-                </a:solidFill>
-                <a:effectLst/>
-                <a:latin typeface="JetBrains Mono"/>
-              </a:rPr>
-              <a:t>&lt;</a:t>
-            </a:r>
-            <a:r>
-              <a:rPr lang="en-US" dirty="0">
-                <a:solidFill>
-                  <a:srgbClr val="20999D"/>
-                </a:solidFill>
-                <a:effectLst/>
-                <a:latin typeface="JetBrains Mono"/>
-              </a:rPr>
-              <a:t>F</a:t>
-            </a:r>
-            <a:r>
-              <a:rPr lang="en-US" dirty="0">
-                <a:solidFill>
-                  <a:srgbClr val="080808"/>
-                </a:solidFill>
-                <a:effectLst/>
-                <a:latin typeface="JetBrains Mono"/>
-              </a:rPr>
-              <a:t>, </a:t>
-            </a:r>
-            <a:r>
-              <a:rPr lang="en-US" dirty="0">
-                <a:solidFill>
-                  <a:srgbClr val="20999D"/>
-                </a:solidFill>
-                <a:effectLst/>
-                <a:latin typeface="JetBrains Mono"/>
-              </a:rPr>
-              <a:t>T</a:t>
-            </a:r>
-            <a:r>
-              <a:rPr lang="en-US" dirty="0">
-                <a:solidFill>
-                  <a:srgbClr val="080808"/>
-                </a:solidFill>
-                <a:effectLst/>
-                <a:latin typeface="JetBrains Mono"/>
-              </a:rPr>
-              <a:t>&gt;(&amp;</a:t>
-            </a:r>
-            <a:r>
-              <a:rPr lang="en-US" i="1" dirty="0">
-                <a:solidFill>
-                  <a:srgbClr val="20999D"/>
-                </a:solidFill>
-                <a:effectLst/>
-                <a:latin typeface="JetBrains Mono"/>
-              </a:rPr>
-              <a:t>'scope </a:t>
-            </a:r>
-            <a:r>
-              <a:rPr lang="en-US" dirty="0">
-                <a:solidFill>
-                  <a:srgbClr val="0033B3"/>
-                </a:solidFill>
-                <a:effectLst/>
-                <a:latin typeface="JetBrains Mono"/>
-              </a:rPr>
-              <a:t>self</a:t>
-            </a:r>
-            <a:r>
-              <a:rPr lang="en-US" dirty="0">
-                <a:solidFill>
-                  <a:srgbClr val="080808"/>
-                </a:solidFill>
-                <a:effectLst/>
-                <a:latin typeface="JetBrains Mono"/>
-              </a:rPr>
-              <a:t>, f: </a:t>
-            </a:r>
-            <a:r>
-              <a:rPr lang="en-US" dirty="0">
-                <a:solidFill>
-                  <a:srgbClr val="20999D"/>
-                </a:solidFill>
-                <a:effectLst/>
-                <a:latin typeface="JetBrains Mono"/>
-              </a:rPr>
-              <a:t>F</a:t>
-            </a:r>
-            <a:r>
-              <a:rPr lang="en-US" dirty="0">
-                <a:solidFill>
-                  <a:srgbClr val="080808"/>
-                </a:solidFill>
-                <a:effectLst/>
-                <a:latin typeface="JetBrains Mono"/>
-              </a:rPr>
-              <a:t>) -&gt; </a:t>
-            </a:r>
-            <a:r>
-              <a:rPr lang="en-US" dirty="0" err="1">
-                <a:solidFill>
-                  <a:srgbClr val="000000"/>
-                </a:solidFill>
-                <a:effectLst/>
-                <a:latin typeface="JetBrains Mono"/>
-              </a:rPr>
-              <a:t>ScopedJoinHandle</a:t>
-            </a:r>
-            <a:r>
-              <a:rPr lang="en-US" dirty="0">
-                <a:solidFill>
-                  <a:srgbClr val="080808"/>
-                </a:solidFill>
-                <a:effectLst/>
-                <a:latin typeface="JetBrains Mono"/>
-              </a:rPr>
-              <a:t>&lt;</a:t>
-            </a:r>
-            <a:r>
-              <a:rPr lang="en-US" i="1" dirty="0">
-                <a:solidFill>
-                  <a:srgbClr val="20999D"/>
-                </a:solidFill>
-                <a:effectLst/>
-                <a:latin typeface="JetBrains Mono"/>
-              </a:rPr>
-              <a:t>'scope</a:t>
-            </a:r>
-            <a:r>
-              <a:rPr lang="en-US" dirty="0">
-                <a:solidFill>
-                  <a:srgbClr val="080808"/>
-                </a:solidFill>
-                <a:effectLst/>
-                <a:latin typeface="JetBrains Mono"/>
-              </a:rPr>
-              <a:t>, </a:t>
-            </a:r>
-            <a:r>
-              <a:rPr lang="en-US" dirty="0">
-                <a:solidFill>
-                  <a:srgbClr val="20999D"/>
-                </a:solidFill>
-                <a:effectLst/>
-                <a:latin typeface="JetBrains Mono"/>
-              </a:rPr>
-              <a:t>T</a:t>
-            </a:r>
-            <a:r>
-              <a:rPr lang="en-US" dirty="0">
-                <a:solidFill>
-                  <a:srgbClr val="080808"/>
-                </a:solidFill>
-                <a:effectLst/>
-                <a:latin typeface="JetBrains Mono"/>
-              </a:rPr>
-              <a:t>&gt;</a:t>
-            </a:r>
-            <a:br>
-              <a:rPr lang="en-US" dirty="0">
-                <a:solidFill>
-                  <a:srgbClr val="080808"/>
-                </a:solidFill>
-                <a:effectLst/>
-                <a:latin typeface="JetBrains Mono"/>
-              </a:rPr>
-            </a:br>
-            <a:r>
-              <a:rPr lang="en-US" dirty="0">
-                <a:solidFill>
-                  <a:srgbClr val="0033B3"/>
-                </a:solidFill>
-                <a:effectLst/>
-                <a:latin typeface="JetBrains Mono"/>
-              </a:rPr>
-              <a:t>where</a:t>
-            </a:r>
-            <a:br>
-              <a:rPr lang="en-US" dirty="0">
-                <a:solidFill>
-                  <a:srgbClr val="0033B3"/>
-                </a:solidFill>
-                <a:effectLst/>
-                <a:latin typeface="JetBrains Mono"/>
-              </a:rPr>
-            </a:br>
-            <a:r>
-              <a:rPr lang="en-US" dirty="0">
-                <a:solidFill>
-                  <a:srgbClr val="0033B3"/>
-                </a:solidFill>
-                <a:effectLst/>
-                <a:latin typeface="JetBrains Mono"/>
-              </a:rPr>
-              <a:t>    </a:t>
-            </a:r>
-            <a:r>
-              <a:rPr lang="en-US" dirty="0">
-                <a:solidFill>
-                  <a:srgbClr val="20999D"/>
-                </a:solidFill>
-                <a:effectLst/>
-                <a:latin typeface="JetBrains Mono"/>
-              </a:rPr>
-              <a:t>F</a:t>
-            </a:r>
-            <a:r>
-              <a:rPr lang="en-US" dirty="0">
-                <a:solidFill>
-                  <a:srgbClr val="080808"/>
-                </a:solidFill>
-                <a:effectLst/>
-                <a:latin typeface="JetBrains Mono"/>
-              </a:rPr>
-              <a:t>: </a:t>
-            </a:r>
-            <a:r>
-              <a:rPr lang="en-US" dirty="0" err="1">
-                <a:solidFill>
-                  <a:srgbClr val="000000"/>
-                </a:solidFill>
-                <a:effectLst/>
-                <a:latin typeface="JetBrains Mono"/>
-              </a:rPr>
-              <a:t>FnOnce</a:t>
-            </a:r>
-            <a:r>
-              <a:rPr lang="en-US" dirty="0">
-                <a:solidFill>
-                  <a:srgbClr val="080808"/>
-                </a:solidFill>
-                <a:effectLst/>
-                <a:latin typeface="JetBrains Mono"/>
-              </a:rPr>
-              <a:t>() -&gt; </a:t>
-            </a:r>
-            <a:r>
-              <a:rPr lang="en-US" dirty="0">
-                <a:solidFill>
-                  <a:srgbClr val="20999D"/>
-                </a:solidFill>
-                <a:effectLst/>
-                <a:latin typeface="JetBrains Mono"/>
-              </a:rPr>
-              <a:t>T </a:t>
-            </a:r>
-            <a:r>
-              <a:rPr lang="en-US" dirty="0">
-                <a:solidFill>
-                  <a:srgbClr val="080808"/>
-                </a:solidFill>
-                <a:effectLst/>
-                <a:latin typeface="JetBrains Mono"/>
-              </a:rPr>
-              <a:t>+ </a:t>
-            </a:r>
-            <a:r>
-              <a:rPr lang="en-US" dirty="0">
-                <a:solidFill>
-                  <a:srgbClr val="000000"/>
-                </a:solidFill>
-                <a:effectLst/>
-                <a:latin typeface="JetBrains Mono"/>
-              </a:rPr>
-              <a:t>Send </a:t>
-            </a:r>
-            <a:r>
-              <a:rPr lang="en-US" dirty="0">
-                <a:solidFill>
-                  <a:srgbClr val="080808"/>
-                </a:solidFill>
-                <a:effectLst/>
-                <a:latin typeface="JetBrains Mono"/>
-              </a:rPr>
-              <a:t>+ </a:t>
-            </a:r>
-            <a:r>
-              <a:rPr lang="en-US" i="1" dirty="0">
-                <a:solidFill>
-                  <a:srgbClr val="20999D"/>
-                </a:solidFill>
-                <a:effectLst/>
-                <a:latin typeface="JetBrains Mono"/>
-              </a:rPr>
-              <a:t>'scope</a:t>
-            </a:r>
-            <a:r>
-              <a:rPr lang="en-US" dirty="0">
-                <a:solidFill>
-                  <a:srgbClr val="080808"/>
-                </a:solidFill>
-                <a:effectLst/>
-                <a:latin typeface="JetBrains Mono"/>
-              </a:rPr>
-              <a:t>,</a:t>
-            </a:r>
-            <a:br>
-              <a:rPr lang="en-US" dirty="0">
-                <a:solidFill>
-                  <a:srgbClr val="080808"/>
-                </a:solidFill>
-                <a:effectLst/>
-                <a:latin typeface="JetBrains Mono"/>
-              </a:rPr>
-            </a:br>
-            <a:r>
-              <a:rPr lang="en-US" dirty="0">
-                <a:solidFill>
-                  <a:srgbClr val="080808"/>
-                </a:solidFill>
-                <a:effectLst/>
-                <a:latin typeface="JetBrains Mono"/>
-              </a:rPr>
-              <a:t>    </a:t>
-            </a:r>
-            <a:r>
-              <a:rPr lang="en-US" dirty="0">
-                <a:solidFill>
-                  <a:srgbClr val="20999D"/>
-                </a:solidFill>
-                <a:effectLst/>
-                <a:latin typeface="JetBrains Mono"/>
-              </a:rPr>
-              <a:t>T</a:t>
-            </a:r>
-            <a:r>
-              <a:rPr lang="en-US" dirty="0">
-                <a:solidFill>
-                  <a:srgbClr val="080808"/>
-                </a:solidFill>
-                <a:effectLst/>
-                <a:latin typeface="JetBrains Mono"/>
-              </a:rPr>
-              <a:t>: </a:t>
-            </a:r>
-            <a:r>
-              <a:rPr lang="en-US" dirty="0">
-                <a:solidFill>
-                  <a:srgbClr val="000000"/>
-                </a:solidFill>
-                <a:effectLst/>
-                <a:latin typeface="JetBrains Mono"/>
-              </a:rPr>
-              <a:t>Send </a:t>
-            </a:r>
-            <a:r>
-              <a:rPr lang="en-US" dirty="0">
-                <a:solidFill>
-                  <a:srgbClr val="080808"/>
-                </a:solidFill>
-                <a:effectLst/>
-                <a:latin typeface="JetBrains Mono"/>
-              </a:rPr>
-              <a:t>+ </a:t>
-            </a:r>
-            <a:r>
-              <a:rPr lang="en-US" i="1" dirty="0">
-                <a:solidFill>
-                  <a:srgbClr val="20999D"/>
-                </a:solidFill>
-                <a:effectLst/>
-                <a:latin typeface="JetBrains Mono"/>
-              </a:rPr>
-              <a:t>'scope</a:t>
-            </a:r>
-            <a:r>
-              <a:rPr lang="en-US" dirty="0">
-                <a:solidFill>
-                  <a:srgbClr val="080808"/>
-                </a:solidFill>
-                <a:effectLst/>
-                <a:latin typeface="JetBrains Mono"/>
-              </a:rPr>
-              <a:t>,</a:t>
-            </a:r>
-            <a:br>
-              <a:rPr lang="en-US" dirty="0">
-                <a:solidFill>
-                  <a:srgbClr val="080808"/>
-                </a:solidFill>
-                <a:effectLst/>
-                <a:latin typeface="JetBrains Mono"/>
-              </a:rPr>
-            </a:br>
-            <a:r>
-              <a:rPr lang="en-US" dirty="0">
-                <a:solidFill>
-                  <a:srgbClr val="080808"/>
-                </a:solidFill>
-                <a:effectLst/>
-                <a:latin typeface="JetBrains Mono"/>
-              </a:rPr>
-              <a:t>{</a:t>
-            </a:r>
-            <a:br>
-              <a:rPr lang="en-US" dirty="0">
-                <a:solidFill>
-                  <a:srgbClr val="080808"/>
-                </a:solidFill>
-                <a:effectLst/>
-                <a:latin typeface="JetBrains Mono"/>
-              </a:rPr>
-            </a:br>
-            <a:r>
-              <a:rPr lang="en-US" dirty="0">
-                <a:solidFill>
-                  <a:srgbClr val="080808"/>
-                </a:solidFill>
-                <a:effectLst/>
-                <a:latin typeface="JetBrains Mono"/>
-              </a:rPr>
-              <a:t>    </a:t>
-            </a:r>
-            <a:r>
-              <a:rPr lang="en-US" dirty="0">
-                <a:solidFill>
-                  <a:srgbClr val="000000"/>
-                </a:solidFill>
-                <a:effectLst/>
-                <a:latin typeface="JetBrains Mono"/>
-              </a:rPr>
-              <a:t>Builder</a:t>
-            </a:r>
-            <a:r>
-              <a:rPr lang="en-US" dirty="0">
-                <a:solidFill>
-                  <a:srgbClr val="080808"/>
-                </a:solidFill>
-                <a:effectLst/>
-                <a:latin typeface="JetBrains Mono"/>
-              </a:rPr>
-              <a:t>::</a:t>
-            </a:r>
-            <a:r>
-              <a:rPr lang="en-US" i="1" dirty="0">
-                <a:solidFill>
-                  <a:srgbClr val="00627A"/>
-                </a:solidFill>
-                <a:effectLst/>
-                <a:latin typeface="JetBrains Mono"/>
-              </a:rPr>
-              <a:t>new</a:t>
-            </a:r>
-            <a:r>
-              <a:rPr lang="en-US" dirty="0">
-                <a:solidFill>
-                  <a:srgbClr val="080808"/>
-                </a:solidFill>
-                <a:effectLst/>
-                <a:latin typeface="JetBrains Mono"/>
-              </a:rPr>
-              <a:t>().</a:t>
-            </a:r>
-            <a:r>
-              <a:rPr lang="en-US" dirty="0" err="1">
-                <a:solidFill>
-                  <a:srgbClr val="080808"/>
-                </a:solidFill>
-                <a:effectLst/>
-                <a:latin typeface="JetBrains Mono"/>
-              </a:rPr>
-              <a:t>spawn_scoped</a:t>
-            </a:r>
-            <a:r>
-              <a:rPr lang="en-US" dirty="0">
-                <a:solidFill>
-                  <a:srgbClr val="080808"/>
-                </a:solidFill>
-                <a:effectLst/>
-                <a:latin typeface="JetBrains Mono"/>
-              </a:rPr>
-              <a:t>(</a:t>
-            </a:r>
-            <a:r>
-              <a:rPr lang="en-US" dirty="0">
-                <a:solidFill>
-                  <a:srgbClr val="0033B3"/>
-                </a:solidFill>
-                <a:effectLst/>
-                <a:latin typeface="JetBrains Mono"/>
-              </a:rPr>
-              <a:t>self</a:t>
-            </a:r>
-            <a:r>
-              <a:rPr lang="en-US" dirty="0">
-                <a:solidFill>
-                  <a:srgbClr val="080808"/>
-                </a:solidFill>
-                <a:effectLst/>
-                <a:latin typeface="JetBrains Mono"/>
-              </a:rPr>
-              <a:t>, f).expect(</a:t>
-            </a:r>
-            <a:r>
-              <a:rPr lang="en-US" dirty="0">
-                <a:solidFill>
-                  <a:srgbClr val="067D17"/>
-                </a:solidFill>
-                <a:effectLst/>
-                <a:latin typeface="JetBrains Mono"/>
-              </a:rPr>
-              <a:t>"failed to spawn thread"</a:t>
-            </a:r>
-            <a:r>
-              <a:rPr lang="en-US" dirty="0">
-                <a:solidFill>
-                  <a:srgbClr val="080808"/>
-                </a:solidFill>
-                <a:effectLst/>
-                <a:latin typeface="JetBrains Mono"/>
-              </a:rPr>
-              <a:t>)</a:t>
-            </a:r>
-            <a:br>
-              <a:rPr lang="en-US" dirty="0">
-                <a:solidFill>
-                  <a:srgbClr val="080808"/>
-                </a:solidFill>
-                <a:effectLst/>
-                <a:latin typeface="JetBrains Mono"/>
-              </a:rPr>
-            </a:br>
-            <a:r>
-              <a:rPr lang="en-US" dirty="0">
-                <a:solidFill>
-                  <a:srgbClr val="080808"/>
-                </a:solidFill>
-                <a:effectLst/>
-                <a:latin typeface="JetBrains Mono"/>
-              </a:rPr>
-              <a:t>}</a:t>
-            </a:r>
-          </a:p>
-          <a:p>
-            <a:endParaRPr lang="ru-RU" dirty="0"/>
-          </a:p>
-        </p:txBody>
-      </p:sp>
-    </p:spTree>
-    <p:extLst>
-      <p:ext uri="{BB962C8B-B14F-4D97-AF65-F5344CB8AC3E}">
-        <p14:creationId xmlns:p14="http://schemas.microsoft.com/office/powerpoint/2010/main" val="3191841129"/>
-      </p:ext>
-    </p:extLst>
-  </p:cSld>
-  <p:clrMapOvr>
-    <a:masterClrMapping/>
-  </p:clrMapOvr>
-</p:sld>
-</file>
-
 <file path=ppt/slides/slide18.xml><?xml version="1.0" encoding="utf-8"?>
 <p:sld xmlns:a="http://schemas.openxmlformats.org/drawingml/2006/main" xmlns:r="http://schemas.openxmlformats.org/officeDocument/2006/relationships" xmlns:p="http://schemas.openxmlformats.org/presentationml/2006/main">
   <p:cSld>
@@ -11149,6 +11100,669 @@
             <a:r>
               <a:rPr lang="en-US" dirty="0">
                 <a:solidFill>
+                  <a:srgbClr val="0033B3"/>
+                </a:solidFill>
+                <a:effectLst/>
+                <a:latin typeface="JetBrains Mono"/>
+              </a:rPr>
+              <a:t>pub </a:t>
+            </a:r>
+            <a:r>
+              <a:rPr lang="en-US" dirty="0" err="1">
+                <a:solidFill>
+                  <a:srgbClr val="0033B3"/>
+                </a:solidFill>
+                <a:effectLst/>
+                <a:latin typeface="JetBrains Mono"/>
+              </a:rPr>
+              <a:t>fn</a:t>
+            </a:r>
+            <a:r>
+              <a:rPr lang="en-US" dirty="0">
+                <a:solidFill>
+                  <a:srgbClr val="0033B3"/>
+                </a:solidFill>
+                <a:effectLst/>
+                <a:latin typeface="JetBrains Mono"/>
+              </a:rPr>
+              <a:t> </a:t>
+            </a:r>
+            <a:r>
+              <a:rPr lang="en-US" dirty="0">
+                <a:solidFill>
+                  <a:srgbClr val="00627A"/>
+                </a:solidFill>
+                <a:effectLst/>
+                <a:latin typeface="JetBrains Mono"/>
+              </a:rPr>
+              <a:t>spawn</a:t>
+            </a:r>
+            <a:r>
+              <a:rPr lang="en-US" dirty="0">
+                <a:solidFill>
+                  <a:srgbClr val="080808"/>
+                </a:solidFill>
+                <a:effectLst/>
+                <a:latin typeface="JetBrains Mono"/>
+              </a:rPr>
+              <a:t>&lt;</a:t>
+            </a:r>
+            <a:r>
+              <a:rPr lang="en-US" dirty="0">
+                <a:solidFill>
+                  <a:srgbClr val="20999D"/>
+                </a:solidFill>
+                <a:effectLst/>
+                <a:latin typeface="JetBrains Mono"/>
+              </a:rPr>
+              <a:t>F</a:t>
+            </a:r>
+            <a:r>
+              <a:rPr lang="en-US" dirty="0">
+                <a:solidFill>
+                  <a:srgbClr val="080808"/>
+                </a:solidFill>
+                <a:effectLst/>
+                <a:latin typeface="JetBrains Mono"/>
+              </a:rPr>
+              <a:t>, </a:t>
+            </a:r>
+            <a:r>
+              <a:rPr lang="en-US" dirty="0">
+                <a:solidFill>
+                  <a:srgbClr val="20999D"/>
+                </a:solidFill>
+                <a:effectLst/>
+                <a:latin typeface="JetBrains Mono"/>
+              </a:rPr>
+              <a:t>T</a:t>
+            </a:r>
+            <a:r>
+              <a:rPr lang="en-US" dirty="0">
+                <a:solidFill>
+                  <a:srgbClr val="080808"/>
+                </a:solidFill>
+                <a:effectLst/>
+                <a:latin typeface="JetBrains Mono"/>
+              </a:rPr>
+              <a:t>&gt;(&amp;</a:t>
+            </a:r>
+            <a:r>
+              <a:rPr lang="en-US" i="1" dirty="0">
+                <a:solidFill>
+                  <a:srgbClr val="20999D"/>
+                </a:solidFill>
+                <a:effectLst/>
+                <a:latin typeface="JetBrains Mono"/>
+              </a:rPr>
+              <a:t>'scope </a:t>
+            </a:r>
+            <a:r>
+              <a:rPr lang="en-US" dirty="0">
+                <a:solidFill>
+                  <a:srgbClr val="0033B3"/>
+                </a:solidFill>
+                <a:effectLst/>
+                <a:latin typeface="JetBrains Mono"/>
+              </a:rPr>
+              <a:t>self</a:t>
+            </a:r>
+            <a:r>
+              <a:rPr lang="en-US" dirty="0">
+                <a:solidFill>
+                  <a:srgbClr val="080808"/>
+                </a:solidFill>
+                <a:effectLst/>
+                <a:latin typeface="JetBrains Mono"/>
+              </a:rPr>
+              <a:t>, f: </a:t>
+            </a:r>
+            <a:r>
+              <a:rPr lang="en-US" dirty="0">
+                <a:solidFill>
+                  <a:srgbClr val="20999D"/>
+                </a:solidFill>
+                <a:effectLst/>
+                <a:latin typeface="JetBrains Mono"/>
+              </a:rPr>
+              <a:t>F</a:t>
+            </a:r>
+            <a:r>
+              <a:rPr lang="en-US" dirty="0">
+                <a:solidFill>
+                  <a:srgbClr val="080808"/>
+                </a:solidFill>
+                <a:effectLst/>
+                <a:latin typeface="JetBrains Mono"/>
+              </a:rPr>
+              <a:t>) -&gt; </a:t>
+            </a:r>
+            <a:r>
+              <a:rPr lang="en-US" dirty="0" err="1">
+                <a:solidFill>
+                  <a:srgbClr val="000000"/>
+                </a:solidFill>
+                <a:effectLst/>
+                <a:latin typeface="JetBrains Mono"/>
+              </a:rPr>
+              <a:t>ScopedJoinHandle</a:t>
+            </a:r>
+            <a:r>
+              <a:rPr lang="en-US" dirty="0">
+                <a:solidFill>
+                  <a:srgbClr val="080808"/>
+                </a:solidFill>
+                <a:effectLst/>
+                <a:latin typeface="JetBrains Mono"/>
+              </a:rPr>
+              <a:t>&lt;</a:t>
+            </a:r>
+            <a:r>
+              <a:rPr lang="en-US" i="1" dirty="0">
+                <a:solidFill>
+                  <a:srgbClr val="20999D"/>
+                </a:solidFill>
+                <a:effectLst/>
+                <a:latin typeface="JetBrains Mono"/>
+              </a:rPr>
+              <a:t>'scope</a:t>
+            </a:r>
+            <a:r>
+              <a:rPr lang="en-US" dirty="0">
+                <a:solidFill>
+                  <a:srgbClr val="080808"/>
+                </a:solidFill>
+                <a:effectLst/>
+                <a:latin typeface="JetBrains Mono"/>
+              </a:rPr>
+              <a:t>, </a:t>
+            </a:r>
+            <a:r>
+              <a:rPr lang="en-US" dirty="0">
+                <a:solidFill>
+                  <a:srgbClr val="20999D"/>
+                </a:solidFill>
+                <a:effectLst/>
+                <a:latin typeface="JetBrains Mono"/>
+              </a:rPr>
+              <a:t>T</a:t>
+            </a:r>
+            <a:r>
+              <a:rPr lang="en-US" dirty="0">
+                <a:solidFill>
+                  <a:srgbClr val="080808"/>
+                </a:solidFill>
+                <a:effectLst/>
+                <a:latin typeface="JetBrains Mono"/>
+              </a:rPr>
+              <a:t>&gt;</a:t>
+            </a:r>
+            <a:br>
+              <a:rPr lang="en-US" dirty="0">
+                <a:solidFill>
+                  <a:srgbClr val="080808"/>
+                </a:solidFill>
+                <a:effectLst/>
+                <a:latin typeface="JetBrains Mono"/>
+              </a:rPr>
+            </a:br>
+            <a:r>
+              <a:rPr lang="en-US" dirty="0">
+                <a:solidFill>
+                  <a:srgbClr val="0033B3"/>
+                </a:solidFill>
+                <a:effectLst/>
+                <a:latin typeface="JetBrains Mono"/>
+              </a:rPr>
+              <a:t>where</a:t>
+            </a:r>
+            <a:br>
+              <a:rPr lang="en-US" dirty="0">
+                <a:solidFill>
+                  <a:srgbClr val="0033B3"/>
+                </a:solidFill>
+                <a:effectLst/>
+                <a:latin typeface="JetBrains Mono"/>
+              </a:rPr>
+            </a:br>
+            <a:r>
+              <a:rPr lang="en-US" dirty="0">
+                <a:solidFill>
+                  <a:srgbClr val="0033B3"/>
+                </a:solidFill>
+                <a:effectLst/>
+                <a:latin typeface="JetBrains Mono"/>
+              </a:rPr>
+              <a:t>    </a:t>
+            </a:r>
+            <a:r>
+              <a:rPr lang="en-US" dirty="0">
+                <a:solidFill>
+                  <a:srgbClr val="20999D"/>
+                </a:solidFill>
+                <a:effectLst/>
+                <a:latin typeface="JetBrains Mono"/>
+              </a:rPr>
+              <a:t>F</a:t>
+            </a:r>
+            <a:r>
+              <a:rPr lang="en-US" dirty="0">
+                <a:solidFill>
+                  <a:srgbClr val="080808"/>
+                </a:solidFill>
+                <a:effectLst/>
+                <a:latin typeface="JetBrains Mono"/>
+              </a:rPr>
+              <a:t>: </a:t>
+            </a:r>
+            <a:r>
+              <a:rPr lang="en-US" dirty="0" err="1">
+                <a:solidFill>
+                  <a:srgbClr val="000000"/>
+                </a:solidFill>
+                <a:effectLst/>
+                <a:latin typeface="JetBrains Mono"/>
+              </a:rPr>
+              <a:t>FnOnce</a:t>
+            </a:r>
+            <a:r>
+              <a:rPr lang="en-US" dirty="0">
+                <a:solidFill>
+                  <a:srgbClr val="080808"/>
+                </a:solidFill>
+                <a:effectLst/>
+                <a:latin typeface="JetBrains Mono"/>
+              </a:rPr>
+              <a:t>() -&gt; </a:t>
+            </a:r>
+            <a:r>
+              <a:rPr lang="en-US" dirty="0">
+                <a:solidFill>
+                  <a:srgbClr val="20999D"/>
+                </a:solidFill>
+                <a:effectLst/>
+                <a:latin typeface="JetBrains Mono"/>
+              </a:rPr>
+              <a:t>T </a:t>
+            </a:r>
+            <a:r>
+              <a:rPr lang="en-US" dirty="0">
+                <a:solidFill>
+                  <a:srgbClr val="080808"/>
+                </a:solidFill>
+                <a:effectLst/>
+                <a:latin typeface="JetBrains Mono"/>
+              </a:rPr>
+              <a:t>+ </a:t>
+            </a:r>
+            <a:r>
+              <a:rPr lang="en-US" dirty="0">
+                <a:solidFill>
+                  <a:srgbClr val="000000"/>
+                </a:solidFill>
+                <a:effectLst/>
+                <a:latin typeface="JetBrains Mono"/>
+              </a:rPr>
+              <a:t>Send </a:t>
+            </a:r>
+            <a:r>
+              <a:rPr lang="en-US" dirty="0">
+                <a:solidFill>
+                  <a:srgbClr val="080808"/>
+                </a:solidFill>
+                <a:effectLst/>
+                <a:latin typeface="JetBrains Mono"/>
+              </a:rPr>
+              <a:t>+ </a:t>
+            </a:r>
+            <a:r>
+              <a:rPr lang="en-US" i="1" dirty="0">
+                <a:solidFill>
+                  <a:srgbClr val="20999D"/>
+                </a:solidFill>
+                <a:effectLst/>
+                <a:latin typeface="JetBrains Mono"/>
+              </a:rPr>
+              <a:t>'scope</a:t>
+            </a:r>
+            <a:r>
+              <a:rPr lang="en-US" dirty="0">
+                <a:solidFill>
+                  <a:srgbClr val="080808"/>
+                </a:solidFill>
+                <a:effectLst/>
+                <a:latin typeface="JetBrains Mono"/>
+              </a:rPr>
+              <a:t>,</a:t>
+            </a:r>
+            <a:br>
+              <a:rPr lang="en-US" dirty="0">
+                <a:solidFill>
+                  <a:srgbClr val="080808"/>
+                </a:solidFill>
+                <a:effectLst/>
+                <a:latin typeface="JetBrains Mono"/>
+              </a:rPr>
+            </a:br>
+            <a:r>
+              <a:rPr lang="en-US" dirty="0">
+                <a:solidFill>
+                  <a:srgbClr val="080808"/>
+                </a:solidFill>
+                <a:effectLst/>
+                <a:latin typeface="JetBrains Mono"/>
+              </a:rPr>
+              <a:t>    </a:t>
+            </a:r>
+            <a:r>
+              <a:rPr lang="en-US" dirty="0">
+                <a:solidFill>
+                  <a:srgbClr val="20999D"/>
+                </a:solidFill>
+                <a:effectLst/>
+                <a:latin typeface="JetBrains Mono"/>
+              </a:rPr>
+              <a:t>T</a:t>
+            </a:r>
+            <a:r>
+              <a:rPr lang="en-US" dirty="0">
+                <a:solidFill>
+                  <a:srgbClr val="080808"/>
+                </a:solidFill>
+                <a:effectLst/>
+                <a:latin typeface="JetBrains Mono"/>
+              </a:rPr>
+              <a:t>: </a:t>
+            </a:r>
+            <a:r>
+              <a:rPr lang="en-US" dirty="0">
+                <a:solidFill>
+                  <a:srgbClr val="000000"/>
+                </a:solidFill>
+                <a:effectLst/>
+                <a:latin typeface="JetBrains Mono"/>
+              </a:rPr>
+              <a:t>Send </a:t>
+            </a:r>
+            <a:r>
+              <a:rPr lang="en-US" dirty="0">
+                <a:solidFill>
+                  <a:srgbClr val="080808"/>
+                </a:solidFill>
+                <a:effectLst/>
+                <a:latin typeface="JetBrains Mono"/>
+              </a:rPr>
+              <a:t>+ </a:t>
+            </a:r>
+            <a:r>
+              <a:rPr lang="en-US" i="1" dirty="0">
+                <a:solidFill>
+                  <a:srgbClr val="20999D"/>
+                </a:solidFill>
+                <a:effectLst/>
+                <a:latin typeface="JetBrains Mono"/>
+              </a:rPr>
+              <a:t>'scope</a:t>
+            </a:r>
+            <a:r>
+              <a:rPr lang="en-US" dirty="0">
+                <a:solidFill>
+                  <a:srgbClr val="080808"/>
+                </a:solidFill>
+                <a:effectLst/>
+                <a:latin typeface="JetBrains Mono"/>
+              </a:rPr>
+              <a:t>,</a:t>
+            </a:r>
+            <a:br>
+              <a:rPr lang="en-US" dirty="0">
+                <a:solidFill>
+                  <a:srgbClr val="080808"/>
+                </a:solidFill>
+                <a:effectLst/>
+                <a:latin typeface="JetBrains Mono"/>
+              </a:rPr>
+            </a:br>
+            <a:r>
+              <a:rPr lang="en-US" dirty="0">
+                <a:solidFill>
+                  <a:srgbClr val="080808"/>
+                </a:solidFill>
+                <a:effectLst/>
+                <a:latin typeface="JetBrains Mono"/>
+              </a:rPr>
+              <a:t>{</a:t>
+            </a:r>
+            <a:br>
+              <a:rPr lang="en-US" dirty="0">
+                <a:solidFill>
+                  <a:srgbClr val="080808"/>
+                </a:solidFill>
+                <a:effectLst/>
+                <a:latin typeface="JetBrains Mono"/>
+              </a:rPr>
+            </a:br>
+            <a:r>
+              <a:rPr lang="en-US" dirty="0">
+                <a:solidFill>
+                  <a:srgbClr val="080808"/>
+                </a:solidFill>
+                <a:effectLst/>
+                <a:latin typeface="JetBrains Mono"/>
+              </a:rPr>
+              <a:t>    </a:t>
+            </a:r>
+            <a:r>
+              <a:rPr lang="en-US" dirty="0">
+                <a:solidFill>
+                  <a:srgbClr val="000000"/>
+                </a:solidFill>
+                <a:effectLst/>
+                <a:latin typeface="JetBrains Mono"/>
+              </a:rPr>
+              <a:t>Builder</a:t>
+            </a:r>
+            <a:r>
+              <a:rPr lang="en-US" dirty="0">
+                <a:solidFill>
+                  <a:srgbClr val="080808"/>
+                </a:solidFill>
+                <a:effectLst/>
+                <a:latin typeface="JetBrains Mono"/>
+              </a:rPr>
+              <a:t>::</a:t>
+            </a:r>
+            <a:r>
+              <a:rPr lang="en-US" i="1" dirty="0">
+                <a:solidFill>
+                  <a:srgbClr val="00627A"/>
+                </a:solidFill>
+                <a:effectLst/>
+                <a:latin typeface="JetBrains Mono"/>
+              </a:rPr>
+              <a:t>new</a:t>
+            </a:r>
+            <a:r>
+              <a:rPr lang="en-US" dirty="0">
+                <a:solidFill>
+                  <a:srgbClr val="080808"/>
+                </a:solidFill>
+                <a:effectLst/>
+                <a:latin typeface="JetBrains Mono"/>
+              </a:rPr>
+              <a:t>().</a:t>
+            </a:r>
+            <a:r>
+              <a:rPr lang="en-US" dirty="0" err="1">
+                <a:solidFill>
+                  <a:srgbClr val="080808"/>
+                </a:solidFill>
+                <a:effectLst/>
+                <a:latin typeface="JetBrains Mono"/>
+              </a:rPr>
+              <a:t>spawn_scoped</a:t>
+            </a:r>
+            <a:r>
+              <a:rPr lang="en-US" dirty="0">
+                <a:solidFill>
+                  <a:srgbClr val="080808"/>
+                </a:solidFill>
+                <a:effectLst/>
+                <a:latin typeface="JetBrains Mono"/>
+              </a:rPr>
+              <a:t>(</a:t>
+            </a:r>
+            <a:r>
+              <a:rPr lang="en-US" dirty="0">
+                <a:solidFill>
+                  <a:srgbClr val="0033B3"/>
+                </a:solidFill>
+                <a:effectLst/>
+                <a:latin typeface="JetBrains Mono"/>
+              </a:rPr>
+              <a:t>self</a:t>
+            </a:r>
+            <a:r>
+              <a:rPr lang="en-US" dirty="0">
+                <a:solidFill>
+                  <a:srgbClr val="080808"/>
+                </a:solidFill>
+                <a:effectLst/>
+                <a:latin typeface="JetBrains Mono"/>
+              </a:rPr>
+              <a:t>, f).expect(</a:t>
+            </a:r>
+            <a:r>
+              <a:rPr lang="en-US" dirty="0">
+                <a:solidFill>
+                  <a:srgbClr val="067D17"/>
+                </a:solidFill>
+                <a:effectLst/>
+                <a:latin typeface="JetBrains Mono"/>
+              </a:rPr>
+              <a:t>"failed to spawn thread"</a:t>
+            </a:r>
+            <a:r>
+              <a:rPr lang="en-US" dirty="0">
+                <a:solidFill>
+                  <a:srgbClr val="080808"/>
+                </a:solidFill>
+                <a:effectLst/>
+                <a:latin typeface="JetBrains Mono"/>
+              </a:rPr>
+              <a:t>)</a:t>
+            </a:r>
+            <a:br>
+              <a:rPr lang="en-US" dirty="0">
+                <a:solidFill>
+                  <a:srgbClr val="080808"/>
+                </a:solidFill>
+                <a:effectLst/>
+                <a:latin typeface="JetBrains Mono"/>
+              </a:rPr>
+            </a:br>
+            <a:r>
+              <a:rPr lang="en-US" dirty="0">
+                <a:solidFill>
+                  <a:srgbClr val="080808"/>
+                </a:solidFill>
+                <a:effectLst/>
+                <a:latin typeface="JetBrains Mono"/>
+              </a:rPr>
+              <a:t>}</a:t>
+            </a:r>
+          </a:p>
+          <a:p>
+            <a:endParaRPr lang="ru-RU" dirty="0"/>
+          </a:p>
+        </p:txBody>
+      </p:sp>
+    </p:spTree>
+    <p:extLst>
+      <p:ext uri="{BB962C8B-B14F-4D97-AF65-F5344CB8AC3E}">
+        <p14:creationId xmlns:p14="http://schemas.microsoft.com/office/powerpoint/2010/main" val="3191841129"/>
+      </p:ext>
+    </p:extLst>
+  </p:cSld>
+  <p:clrMapOvr>
+    <a:masterClrMapping/>
+  </p:clrMapOvr>
+</p:sld>
+</file>
+
+<file path=ppt/slides/slide19.xml><?xml version="1.0" encoding="utf-8"?>
+<p:sld xmlns:a="http://schemas.openxmlformats.org/drawingml/2006/main" xmlns:r="http://schemas.openxmlformats.org/officeDocument/2006/relationships" xmlns:p="http://schemas.openxmlformats.org/presentationml/2006/main">
+  <p:cSld>
+    <p:spTree>
+      <p:nvGrpSpPr>
+        <p:cNvPr id="1" name=""/>
+        <p:cNvGrpSpPr/>
+        <p:nvPr/>
+      </p:nvGrpSpPr>
+      <p:grpSpPr>
+        <a:xfrm>
+          <a:off x="0" y="0"/>
+          <a:ext cx="0" cy="0"/>
+          <a:chOff x="0" y="0"/>
+          <a:chExt cx="0" cy="0"/>
+        </a:xfrm>
+      </p:grpSpPr>
+      <p:sp>
+        <p:nvSpPr>
+          <p:cNvPr id="2" name="Title 1">
+            <a:extLst>
+              <a:ext uri="{FF2B5EF4-FFF2-40B4-BE49-F238E27FC236}">
+                <a16:creationId xmlns:a16="http://schemas.microsoft.com/office/drawing/2014/main" id="{1580CF39-D856-38E8-9C49-A5EE47C0F99E}"/>
+              </a:ext>
+            </a:extLst>
+          </p:cNvPr>
+          <p:cNvSpPr>
+            <a:spLocks noGrp="1"/>
+          </p:cNvSpPr>
+          <p:nvPr>
+            <p:ph type="title"/>
+          </p:nvPr>
+        </p:nvSpPr>
+        <p:spPr/>
+        <p:txBody>
+          <a:bodyPr/>
+          <a:lstStyle/>
+          <a:p>
+            <a:r>
+              <a:rPr lang="en-US" dirty="0"/>
+              <a:t>Scope::spawn</a:t>
+            </a:r>
+            <a:endParaRPr lang="ru-RU" dirty="0"/>
+          </a:p>
+        </p:txBody>
+      </p:sp>
+      <p:sp>
+        <p:nvSpPr>
+          <p:cNvPr id="3" name="Content Placeholder 2">
+            <a:extLst>
+              <a:ext uri="{FF2B5EF4-FFF2-40B4-BE49-F238E27FC236}">
+                <a16:creationId xmlns:a16="http://schemas.microsoft.com/office/drawing/2014/main" id="{65D25329-B402-CDEC-F25F-2A472A318E9A}"/>
+              </a:ext>
+            </a:extLst>
+          </p:cNvPr>
+          <p:cNvSpPr>
+            <a:spLocks noGrp="1"/>
+          </p:cNvSpPr>
+          <p:nvPr>
+            <p:ph idx="1"/>
+          </p:nvPr>
+        </p:nvSpPr>
+        <p:spPr/>
+        <p:txBody>
+          <a:bodyPr/>
+          <a:lstStyle/>
+          <a:p>
+            <a:pPr marL="0" indent="0">
+              <a:buNone/>
+            </a:pPr>
+            <a:r>
+              <a:rPr lang="en-US" dirty="0">
+                <a:solidFill>
                   <a:schemeClr val="bg1">
                     <a:lumMod val="75000"/>
                   </a:schemeClr>
@@ -11603,7 +12217,500 @@
 </p:sld>
 </file>
 
-<file path=ppt/slides/slide19.xml><?xml version="1.0" encoding="utf-8"?>
+<file path=ppt/slides/slide2.xml><?xml version="1.0" encoding="utf-8"?>
+<p:sld xmlns:a="http://schemas.openxmlformats.org/drawingml/2006/main" xmlns:r="http://schemas.openxmlformats.org/officeDocument/2006/relationships" xmlns:p="http://schemas.openxmlformats.org/presentationml/2006/main">
+  <p:cSld>
+    <p:spTree>
+      <p:nvGrpSpPr>
+        <p:cNvPr id="1" name=""/>
+        <p:cNvGrpSpPr/>
+        <p:nvPr/>
+      </p:nvGrpSpPr>
+      <p:grpSpPr>
+        <a:xfrm>
+          <a:off x="0" y="0"/>
+          <a:ext cx="0" cy="0"/>
+          <a:chOff x="0" y="0"/>
+          <a:chExt cx="0" cy="0"/>
+        </a:xfrm>
+      </p:grpSpPr>
+      <p:sp>
+        <p:nvSpPr>
+          <p:cNvPr id="2" name="Title 1">
+            <a:extLst>
+              <a:ext uri="{FF2B5EF4-FFF2-40B4-BE49-F238E27FC236}">
+                <a16:creationId xmlns:a16="http://schemas.microsoft.com/office/drawing/2014/main" id="{61CDA4DE-4D41-43DE-10E7-C36E17971AA2}"/>
+              </a:ext>
+            </a:extLst>
+          </p:cNvPr>
+          <p:cNvSpPr>
+            <a:spLocks noGrp="1"/>
+          </p:cNvSpPr>
+          <p:nvPr>
+            <p:ph type="title"/>
+          </p:nvPr>
+        </p:nvSpPr>
+        <p:spPr/>
+        <p:txBody>
+          <a:bodyPr/>
+          <a:lstStyle/>
+          <a:p>
+            <a:r>
+              <a:rPr lang="en-US" dirty="0"/>
+              <a:t>Homework</a:t>
+            </a:r>
+            <a:endParaRPr lang="ru-RU" dirty="0"/>
+          </a:p>
+        </p:txBody>
+      </p:sp>
+      <p:sp>
+        <p:nvSpPr>
+          <p:cNvPr id="3" name="Content Placeholder 2">
+            <a:extLst>
+              <a:ext uri="{FF2B5EF4-FFF2-40B4-BE49-F238E27FC236}">
+                <a16:creationId xmlns:a16="http://schemas.microsoft.com/office/drawing/2014/main" id="{DAE9A62F-A4E2-4FD7-DE63-07AB6C59BBED}"/>
+              </a:ext>
+            </a:extLst>
+          </p:cNvPr>
+          <p:cNvSpPr>
+            <a:spLocks noGrp="1"/>
+          </p:cNvSpPr>
+          <p:nvPr>
+            <p:ph idx="1"/>
+          </p:nvPr>
+        </p:nvSpPr>
+        <p:spPr/>
+        <p:txBody>
+          <a:bodyPr/>
+          <a:lstStyle/>
+          <a:p>
+            <a:r>
+              <a:rPr lang="en-US" dirty="0"/>
+              <a:t>Err(</a:t>
+            </a:r>
+            <a:r>
+              <a:rPr lang="en-US" dirty="0" err="1"/>
+              <a:t>CustomError</a:t>
+            </a:r>
+            <a:r>
+              <a:rPr lang="en-US" dirty="0"/>
+              <a:t>(str)) – you SHOULD use ?;</a:t>
+            </a:r>
+            <a:endParaRPr lang="ru-RU" dirty="0"/>
+          </a:p>
+          <a:p>
+            <a:r>
+              <a:rPr lang="en-US" strike="sngStrike" dirty="0"/>
+              <a:t>Panic -&gt; Err</a:t>
+            </a:r>
+          </a:p>
+          <a:p>
+            <a:r>
+              <a:rPr lang="en-US" dirty="0"/>
+              <a:t>[</a:t>
+            </a:r>
+            <a:r>
+              <a:rPr lang="en-US" dirty="0" err="1"/>
+              <a:t>profile.dev</a:t>
+            </a:r>
+            <a:r>
+              <a:rPr lang="en-US" dirty="0"/>
+              <a:t>]</a:t>
+            </a:r>
+          </a:p>
+          <a:p>
+            <a:pPr lvl="1"/>
+            <a:r>
+              <a:rPr lang="en-US" dirty="0"/>
+              <a:t>panic = 'unwind’</a:t>
+            </a:r>
+          </a:p>
+          <a:p>
+            <a:r>
+              <a:rPr lang="en-US" dirty="0"/>
+              <a:t>struct </a:t>
+            </a:r>
+            <a:r>
+              <a:rPr lang="en-US" dirty="0" err="1"/>
+              <a:t>CustomError</a:t>
+            </a:r>
+            <a:r>
+              <a:rPr lang="en-US" dirty="0"/>
+              <a:t>(&amp;</a:t>
+            </a:r>
+            <a:r>
+              <a:rPr lang="en-US" dirty="0">
+                <a:solidFill>
+                  <a:srgbClr val="FF0000"/>
+                </a:solidFill>
+              </a:rPr>
+              <a:t>'static</a:t>
+            </a:r>
+            <a:r>
+              <a:rPr lang="en-US" dirty="0"/>
+              <a:t> str);</a:t>
+            </a:r>
+            <a:endParaRPr lang="ru-RU" dirty="0"/>
+          </a:p>
+          <a:p>
+            <a:r>
+              <a:rPr lang="en-US" dirty="0" err="1"/>
+              <a:t>fn</a:t>
+            </a:r>
+            <a:r>
+              <a:rPr lang="en-US" dirty="0"/>
+              <a:t> divide(left: i32, right: i32) -&gt; Result&lt;i32, </a:t>
+            </a:r>
+            <a:r>
+              <a:rPr lang="en-US" dirty="0" err="1"/>
+              <a:t>CustomError</a:t>
+            </a:r>
+            <a:r>
+              <a:rPr lang="en-US" dirty="0"/>
+              <a:t>&lt;</a:t>
+            </a:r>
+            <a:r>
+              <a:rPr lang="en-US" dirty="0">
+                <a:solidFill>
+                  <a:srgbClr val="FF0000"/>
+                </a:solidFill>
+              </a:rPr>
+              <a:t>'static</a:t>
+            </a:r>
+            <a:r>
+              <a:rPr lang="en-US" dirty="0"/>
+              <a:t>&gt;&gt;</a:t>
+            </a:r>
+            <a:endParaRPr lang="ru-RU" dirty="0"/>
+          </a:p>
+          <a:p>
+            <a:endParaRPr lang="ru-RU" dirty="0"/>
+          </a:p>
+        </p:txBody>
+      </p:sp>
+    </p:spTree>
+    <p:extLst>
+      <p:ext uri="{BB962C8B-B14F-4D97-AF65-F5344CB8AC3E}">
+        <p14:creationId xmlns:p14="http://schemas.microsoft.com/office/powerpoint/2010/main" val="1880978535"/>
+      </p:ext>
+    </p:extLst>
+  </p:cSld>
+  <p:clrMapOvr>
+    <a:masterClrMapping/>
+  </p:clrMapOvr>
+  <p:timing>
+    <p:tnLst>
+      <p:par>
+        <p:cTn id="1" dur="indefinite" restart="never" nodeType="tmRoot">
+          <p:childTnLst>
+            <p:seq concurrent="1" nextAc="seek">
+              <p:cTn id="2" dur="indefinite" nodeType="mainSeq">
+                <p:childTnLst>
+                  <p:par>
+                    <p:cTn id="3" fill="hold">
+                      <p:stCondLst>
+                        <p:cond delay="indefinite"/>
+                      </p:stCondLst>
+                      <p:childTnLst>
+                        <p:par>
+                          <p:cTn id="4" fill="hold">
+                            <p:stCondLst>
+                              <p:cond delay="0"/>
+                            </p:stCondLst>
+                            <p:childTnLst>
+                              <p:par>
+                                <p:cTn id="5" presetID="1" presetClass="entr" presetSubtype="0" fill="hold" grpId="0" nodeType="clickEffect">
+                                  <p:stCondLst>
+                                    <p:cond delay="0"/>
+                                  </p:stCondLst>
+                                  <p:childTnLst>
+                                    <p:set>
+                                      <p:cBhvr>
+                                        <p:cTn id="6" dur="1" fill="hold">
+                                          <p:stCondLst>
+                                            <p:cond delay="0"/>
+                                          </p:stCondLst>
+                                        </p:cTn>
+                                        <p:tgtEl>
+                                          <p:spTgt spid="3">
+                                            <p:txEl>
+                                              <p:pRg st="0" end="0"/>
+                                            </p:txEl>
+                                          </p:spTgt>
+                                        </p:tgtEl>
+                                        <p:attrNameLst>
+                                          <p:attrName>style.visibility</p:attrName>
+                                        </p:attrNameLst>
+                                      </p:cBhvr>
+                                      <p:to>
+                                        <p:strVal val="visible"/>
+                                      </p:to>
+                                    </p:set>
+                                  </p:childTnLst>
+                                </p:cTn>
+                              </p:par>
+                            </p:childTnLst>
+                          </p:cTn>
+                        </p:par>
+                      </p:childTnLst>
+                    </p:cTn>
+                  </p:par>
+                  <p:par>
+                    <p:cTn id="7" fill="hold">
+                      <p:stCondLst>
+                        <p:cond delay="indefinite"/>
+                      </p:stCondLst>
+                      <p:childTnLst>
+                        <p:par>
+                          <p:cTn id="8" fill="hold">
+                            <p:stCondLst>
+                              <p:cond delay="0"/>
+                            </p:stCondLst>
+                            <p:childTnLst>
+                              <p:par>
+                                <p:cTn id="9" presetID="1" presetClass="entr" presetSubtype="0" fill="hold" grpId="0" nodeType="clickEffect">
+                                  <p:stCondLst>
+                                    <p:cond delay="0"/>
+                                  </p:stCondLst>
+                                  <p:childTnLst>
+                                    <p:set>
+                                      <p:cBhvr>
+                                        <p:cTn id="10" dur="1" fill="hold">
+                                          <p:stCondLst>
+                                            <p:cond delay="0"/>
+                                          </p:stCondLst>
+                                        </p:cTn>
+                                        <p:tgtEl>
+                                          <p:spTgt spid="3">
+                                            <p:txEl>
+                                              <p:pRg st="1" end="1"/>
+                                            </p:txEl>
+                                          </p:spTgt>
+                                        </p:tgtEl>
+                                        <p:attrNameLst>
+                                          <p:attrName>style.visibility</p:attrName>
+                                        </p:attrNameLst>
+                                      </p:cBhvr>
+                                      <p:to>
+                                        <p:strVal val="visible"/>
+                                      </p:to>
+                                    </p:set>
+                                  </p:childTnLst>
+                                </p:cTn>
+                              </p:par>
+                            </p:childTnLst>
+                          </p:cTn>
+                        </p:par>
+                      </p:childTnLst>
+                    </p:cTn>
+                  </p:par>
+                  <p:par>
+                    <p:cTn id="11" fill="hold">
+                      <p:stCondLst>
+                        <p:cond delay="indefinite"/>
+                      </p:stCondLst>
+                      <p:childTnLst>
+                        <p:par>
+                          <p:cTn id="12" fill="hold">
+                            <p:stCondLst>
+                              <p:cond delay="0"/>
+                            </p:stCondLst>
+                            <p:childTnLst>
+                              <p:par>
+                                <p:cTn id="13" presetID="1" presetClass="entr" presetSubtype="0" fill="hold" grpId="0" nodeType="clickEffect">
+                                  <p:stCondLst>
+                                    <p:cond delay="0"/>
+                                  </p:stCondLst>
+                                  <p:childTnLst>
+                                    <p:set>
+                                      <p:cBhvr>
+                                        <p:cTn id="14" dur="1" fill="hold">
+                                          <p:stCondLst>
+                                            <p:cond delay="0"/>
+                                          </p:stCondLst>
+                                        </p:cTn>
+                                        <p:tgtEl>
+                                          <p:spTgt spid="3">
+                                            <p:txEl>
+                                              <p:pRg st="2" end="2"/>
+                                            </p:txEl>
+                                          </p:spTgt>
+                                        </p:tgtEl>
+                                        <p:attrNameLst>
+                                          <p:attrName>style.visibility</p:attrName>
+                                        </p:attrNameLst>
+                                      </p:cBhvr>
+                                      <p:to>
+                                        <p:strVal val="visible"/>
+                                      </p:to>
+                                    </p:set>
+                                  </p:childTnLst>
+                                </p:cTn>
+                              </p:par>
+                              <p:par>
+                                <p:cTn id="15" presetID="1" presetClass="entr" presetSubtype="0" fill="hold" grpId="0" nodeType="withEffect">
+                                  <p:stCondLst>
+                                    <p:cond delay="0"/>
+                                  </p:stCondLst>
+                                  <p:childTnLst>
+                                    <p:set>
+                                      <p:cBhvr>
+                                        <p:cTn id="16" dur="1" fill="hold">
+                                          <p:stCondLst>
+                                            <p:cond delay="0"/>
+                                          </p:stCondLst>
+                                        </p:cTn>
+                                        <p:tgtEl>
+                                          <p:spTgt spid="3">
+                                            <p:txEl>
+                                              <p:pRg st="3" end="3"/>
+                                            </p:txEl>
+                                          </p:spTgt>
+                                        </p:tgtEl>
+                                        <p:attrNameLst>
+                                          <p:attrName>style.visibility</p:attrName>
+                                        </p:attrNameLst>
+                                      </p:cBhvr>
+                                      <p:to>
+                                        <p:strVal val="visible"/>
+                                      </p:to>
+                                    </p:set>
+                                  </p:childTnLst>
+                                </p:cTn>
+                              </p:par>
+                            </p:childTnLst>
+                          </p:cTn>
+                        </p:par>
+                      </p:childTnLst>
+                    </p:cTn>
+                  </p:par>
+                  <p:par>
+                    <p:cTn id="17" fill="hold">
+                      <p:stCondLst>
+                        <p:cond delay="indefinite"/>
+                      </p:stCondLst>
+                      <p:childTnLst>
+                        <p:par>
+                          <p:cTn id="18" fill="hold">
+                            <p:stCondLst>
+                              <p:cond delay="0"/>
+                            </p:stCondLst>
+                            <p:childTnLst>
+                              <p:par>
+                                <p:cTn id="19" presetID="1" presetClass="entr" presetSubtype="0" fill="hold" grpId="0" nodeType="clickEffect">
+                                  <p:stCondLst>
+                                    <p:cond delay="0"/>
+                                  </p:stCondLst>
+                                  <p:childTnLst>
+                                    <p:set>
+                                      <p:cBhvr>
+                                        <p:cTn id="20" dur="1" fill="hold">
+                                          <p:stCondLst>
+                                            <p:cond delay="0"/>
+                                          </p:stCondLst>
+                                        </p:cTn>
+                                        <p:tgtEl>
+                                          <p:spTgt spid="3">
+                                            <p:txEl>
+                                              <p:pRg st="4" end="4"/>
+                                            </p:txEl>
+                                          </p:spTgt>
+                                        </p:tgtEl>
+                                        <p:attrNameLst>
+                                          <p:attrName>style.visibility</p:attrName>
+                                        </p:attrNameLst>
+                                      </p:cBhvr>
+                                      <p:to>
+                                        <p:strVal val="visible"/>
+                                      </p:to>
+                                    </p:set>
+                                  </p:childTnLst>
+                                </p:cTn>
+                              </p:par>
+                            </p:childTnLst>
+                          </p:cTn>
+                        </p:par>
+                      </p:childTnLst>
+                    </p:cTn>
+                  </p:par>
+                  <p:par>
+                    <p:cTn id="21" fill="hold">
+                      <p:stCondLst>
+                        <p:cond delay="indefinite"/>
+                      </p:stCondLst>
+                      <p:childTnLst>
+                        <p:par>
+                          <p:cTn id="22" fill="hold">
+                            <p:stCondLst>
+                              <p:cond delay="0"/>
+                            </p:stCondLst>
+                            <p:childTnLst>
+                              <p:par>
+                                <p:cTn id="23" presetID="1" presetClass="entr" presetSubtype="0" fill="hold" grpId="0" nodeType="clickEffect">
+                                  <p:stCondLst>
+                                    <p:cond delay="0"/>
+                                  </p:stCondLst>
+                                  <p:childTnLst>
+                                    <p:set>
+                                      <p:cBhvr>
+                                        <p:cTn id="24" dur="1" fill="hold">
+                                          <p:stCondLst>
+                                            <p:cond delay="0"/>
+                                          </p:stCondLst>
+                                        </p:cTn>
+                                        <p:tgtEl>
+                                          <p:spTgt spid="3">
+                                            <p:txEl>
+                                              <p:pRg st="5" end="5"/>
+                                            </p:txEl>
+                                          </p:spTgt>
+                                        </p:tgtEl>
+                                        <p:attrNameLst>
+                                          <p:attrName>style.visibility</p:attrName>
+                                        </p:attrNameLst>
+                                      </p:cBhvr>
+                                      <p:to>
+                                        <p:strVal val="visible"/>
+                                      </p:to>
+                                    </p:set>
+                                  </p:childTnLst>
+                                </p:cTn>
+                              </p:par>
+                            </p:childTnLst>
+                          </p:cTn>
+                        </p:par>
+                      </p:childTnLst>
+                    </p:cTn>
+                  </p:par>
+                </p:childTnLst>
+              </p:cTn>
+              <p:prevCondLst>
+                <p:cond evt="onPrev" delay="0">
+                  <p:tgtEl>
+                    <p:sldTgt/>
+                  </p:tgtEl>
+                </p:cond>
+              </p:prevCondLst>
+              <p:nextCondLst>
+                <p:cond evt="onNext" delay="0">
+                  <p:tgtEl>
+                    <p:sldTgt/>
+                  </p:tgtEl>
+                </p:cond>
+              </p:nextCondLst>
+            </p:seq>
+          </p:childTnLst>
+        </p:cTn>
+      </p:par>
+    </p:tnLst>
+    <p:bldLst>
+      <p:bldP spid="3" grpId="0" build="p"/>
+    </p:bldLst>
+  </p:timing>
+</p:sld>
+</file>
+
+<file path=ppt/slides/slide20.xml><?xml version="1.0" encoding="utf-8"?>
 <p:sld xmlns:a="http://schemas.openxmlformats.org/drawingml/2006/main" xmlns:r="http://schemas.openxmlformats.org/officeDocument/2006/relationships" xmlns:p="http://schemas.openxmlformats.org/presentationml/2006/main">
   <p:cSld>
     <p:spTree>
@@ -12946,1321 +14053,7 @@
 </p:sld>
 </file>
 
-<file path=ppt/slides/slide2.xml><?xml version="1.0" encoding="utf-8"?>
-<p:sld xmlns:a="http://schemas.openxmlformats.org/drawingml/2006/main" xmlns:r="http://schemas.openxmlformats.org/officeDocument/2006/relationships" xmlns:p="http://schemas.openxmlformats.org/presentationml/2006/main">
-  <p:cSld>
-    <p:spTree>
-      <p:nvGrpSpPr>
-        <p:cNvPr id="1" name=""/>
-        <p:cNvGrpSpPr/>
-        <p:nvPr/>
-      </p:nvGrpSpPr>
-      <p:grpSpPr>
-        <a:xfrm>
-          <a:off x="0" y="0"/>
-          <a:ext cx="0" cy="0"/>
-          <a:chOff x="0" y="0"/>
-          <a:chExt cx="0" cy="0"/>
-        </a:xfrm>
-      </p:grpSpPr>
-      <p:sp>
-        <p:nvSpPr>
-          <p:cNvPr id="2" name="Title 1">
-            <a:extLst>
-              <a:ext uri="{FF2B5EF4-FFF2-40B4-BE49-F238E27FC236}">
-                <a16:creationId xmlns:a16="http://schemas.microsoft.com/office/drawing/2014/main" id="{FBE64971-61B5-5731-F208-8191D42C0E7F}"/>
-              </a:ext>
-            </a:extLst>
-          </p:cNvPr>
-          <p:cNvSpPr>
-            <a:spLocks noGrp="1"/>
-          </p:cNvSpPr>
-          <p:nvPr>
-            <p:ph type="title"/>
-          </p:nvPr>
-        </p:nvSpPr>
-        <p:spPr/>
-        <p:txBody>
-          <a:bodyPr/>
-          <a:lstStyle/>
-          <a:p>
-            <a:r>
-              <a:rPr lang="en-US" dirty="0"/>
-              <a:t>Thread</a:t>
-            </a:r>
-            <a:endParaRPr lang="ru-RU" dirty="0"/>
-          </a:p>
-        </p:txBody>
-      </p:sp>
-      <p:sp>
-        <p:nvSpPr>
-          <p:cNvPr id="3" name="Content Placeholder 2">
-            <a:extLst>
-              <a:ext uri="{FF2B5EF4-FFF2-40B4-BE49-F238E27FC236}">
-                <a16:creationId xmlns:a16="http://schemas.microsoft.com/office/drawing/2014/main" id="{90F9EEFB-5A8D-22D3-4139-A29CAB83447C}"/>
-              </a:ext>
-            </a:extLst>
-          </p:cNvPr>
-          <p:cNvSpPr>
-            <a:spLocks noGrp="1"/>
-          </p:cNvSpPr>
-          <p:nvPr>
-            <p:ph sz="half" idx="1"/>
-          </p:nvPr>
-        </p:nvSpPr>
-        <p:spPr>
-          <a:xfrm>
-            <a:off x="838199" y="1825625"/>
-            <a:ext cx="6010275" cy="4351338"/>
-          </a:xfrm>
-        </p:spPr>
-        <p:txBody>
-          <a:bodyPr>
-            <a:normAutofit fontScale="92500" lnSpcReduction="20000"/>
-          </a:bodyPr>
-          <a:lstStyle/>
-          <a:p>
-            <a:pPr marL="0" indent="0">
-              <a:buNone/>
-            </a:pPr>
-            <a:r>
-              <a:rPr lang="en-US" dirty="0">
-                <a:solidFill>
-                  <a:srgbClr val="000000"/>
-                </a:solidFill>
-                <a:effectLst/>
-                <a:latin typeface="JetBrains Mono"/>
-              </a:rPr>
-              <a:t>thread</a:t>
-            </a:r>
-            <a:r>
-              <a:rPr lang="en-US" dirty="0">
-                <a:solidFill>
-                  <a:srgbClr val="080808"/>
-                </a:solidFill>
-                <a:effectLst/>
-                <a:latin typeface="JetBrains Mono"/>
-              </a:rPr>
-              <a:t>::spawn(|| {</a:t>
-            </a:r>
-          </a:p>
-          <a:p>
-            <a:pPr marL="0" indent="0">
-              <a:buNone/>
-            </a:pPr>
-            <a:r>
-              <a:rPr lang="en-US" dirty="0">
-                <a:solidFill>
-                  <a:srgbClr val="080808"/>
-                </a:solidFill>
-                <a:effectLst/>
-                <a:latin typeface="JetBrains Mono"/>
-              </a:rPr>
-              <a:t>    </a:t>
-            </a:r>
-            <a:r>
-              <a:rPr lang="en-US" dirty="0">
-                <a:solidFill>
-                  <a:srgbClr val="0033B3"/>
-                </a:solidFill>
-                <a:effectLst/>
-                <a:latin typeface="JetBrains Mono"/>
-              </a:rPr>
-              <a:t>for </a:t>
-            </a:r>
-            <a:r>
-              <a:rPr lang="en-US" dirty="0">
-                <a:solidFill>
-                  <a:srgbClr val="080808"/>
-                </a:solidFill>
-                <a:effectLst/>
-                <a:latin typeface="JetBrains Mono"/>
-              </a:rPr>
-              <a:t>_ </a:t>
-            </a:r>
-            <a:r>
-              <a:rPr lang="en-US" dirty="0">
-                <a:solidFill>
-                  <a:srgbClr val="0033B3"/>
-                </a:solidFill>
-                <a:effectLst/>
-                <a:latin typeface="JetBrains Mono"/>
-              </a:rPr>
-              <a:t>in </a:t>
-            </a:r>
-            <a:r>
-              <a:rPr lang="en-US" dirty="0">
-                <a:solidFill>
-                  <a:srgbClr val="1750EB"/>
-                </a:solidFill>
-                <a:effectLst/>
-                <a:latin typeface="JetBrains Mono"/>
-              </a:rPr>
-              <a:t>0</a:t>
-            </a:r>
-            <a:r>
-              <a:rPr lang="en-US" dirty="0">
-                <a:solidFill>
-                  <a:srgbClr val="080808"/>
-                </a:solidFill>
-                <a:effectLst/>
-                <a:latin typeface="JetBrains Mono"/>
-              </a:rPr>
-              <a:t>..</a:t>
-            </a:r>
-            <a:r>
-              <a:rPr lang="en-US" dirty="0">
-                <a:solidFill>
-                  <a:srgbClr val="1750EB"/>
-                </a:solidFill>
-                <a:effectLst/>
-                <a:latin typeface="JetBrains Mono"/>
-              </a:rPr>
-              <a:t>5 </a:t>
-            </a:r>
-            <a:r>
-              <a:rPr lang="en-US" dirty="0">
-                <a:solidFill>
-                  <a:srgbClr val="080808"/>
-                </a:solidFill>
-                <a:effectLst/>
-                <a:latin typeface="JetBrains Mono"/>
-              </a:rPr>
-              <a:t>{</a:t>
-            </a:r>
-            <a:br>
-              <a:rPr lang="en-US" dirty="0">
-                <a:solidFill>
-                  <a:srgbClr val="080808"/>
-                </a:solidFill>
-                <a:effectLst/>
-                <a:latin typeface="JetBrains Mono"/>
-              </a:rPr>
-            </a:br>
-            <a:r>
-              <a:rPr lang="en-US" dirty="0">
-                <a:solidFill>
-                  <a:srgbClr val="080808"/>
-                </a:solidFill>
-                <a:effectLst/>
-                <a:latin typeface="JetBrains Mono"/>
-              </a:rPr>
-              <a:t>        </a:t>
-            </a:r>
-            <a:r>
-              <a:rPr lang="en-US" dirty="0" err="1">
-                <a:solidFill>
-                  <a:srgbClr val="DD6718"/>
-                </a:solidFill>
-                <a:effectLst/>
-                <a:latin typeface="JetBrains Mono"/>
-              </a:rPr>
-              <a:t>println</a:t>
-            </a:r>
-            <a:r>
-              <a:rPr lang="en-US" dirty="0">
-                <a:solidFill>
-                  <a:srgbClr val="DD6718"/>
-                </a:solidFill>
-                <a:effectLst/>
-                <a:latin typeface="JetBrains Mono"/>
-              </a:rPr>
-              <a:t>!</a:t>
-            </a:r>
-            <a:r>
-              <a:rPr lang="en-US" dirty="0">
-                <a:solidFill>
-                  <a:srgbClr val="080808"/>
-                </a:solidFill>
-                <a:effectLst/>
-                <a:latin typeface="JetBrains Mono"/>
-              </a:rPr>
-              <a:t>(</a:t>
-            </a:r>
-            <a:r>
-              <a:rPr lang="en-US" dirty="0">
-                <a:solidFill>
-                  <a:srgbClr val="067D17"/>
-                </a:solidFill>
-                <a:effectLst/>
-                <a:latin typeface="JetBrains Mono"/>
-              </a:rPr>
-              <a:t>"Hello"</a:t>
-            </a:r>
-            <a:r>
-              <a:rPr lang="en-US" dirty="0">
-                <a:solidFill>
-                  <a:srgbClr val="080808"/>
-                </a:solidFill>
-                <a:effectLst/>
-                <a:latin typeface="JetBrains Mono"/>
-              </a:rPr>
-              <a:t>);</a:t>
-            </a:r>
-            <a:br>
-              <a:rPr lang="en-US" dirty="0">
-                <a:solidFill>
-                  <a:srgbClr val="080808"/>
-                </a:solidFill>
-                <a:effectLst/>
-                <a:latin typeface="JetBrains Mono"/>
-              </a:rPr>
-            </a:br>
-            <a:r>
-              <a:rPr lang="en-US" dirty="0">
-                <a:solidFill>
-                  <a:srgbClr val="080808"/>
-                </a:solidFill>
-                <a:effectLst/>
-                <a:latin typeface="JetBrains Mono"/>
-              </a:rPr>
-              <a:t>        </a:t>
-            </a:r>
-            <a:r>
-              <a:rPr lang="en-US" dirty="0">
-                <a:solidFill>
-                  <a:srgbClr val="000000"/>
-                </a:solidFill>
-                <a:effectLst/>
-                <a:latin typeface="JetBrains Mono"/>
-              </a:rPr>
-              <a:t>thread</a:t>
-            </a:r>
-            <a:r>
-              <a:rPr lang="en-US" dirty="0">
-                <a:solidFill>
-                  <a:srgbClr val="080808"/>
-                </a:solidFill>
-                <a:effectLst/>
-                <a:latin typeface="JetBrains Mono"/>
-              </a:rPr>
-              <a:t>::sleep(</a:t>
-            </a:r>
-            <a:r>
-              <a:rPr lang="en-US" dirty="0">
-                <a:solidFill>
-                  <a:srgbClr val="000000"/>
-                </a:solidFill>
-                <a:effectLst/>
-                <a:latin typeface="JetBrains Mono"/>
-              </a:rPr>
-              <a:t>Duration</a:t>
-            </a:r>
-            <a:r>
-              <a:rPr lang="en-US" dirty="0">
-                <a:solidFill>
-                  <a:srgbClr val="080808"/>
-                </a:solidFill>
-                <a:effectLst/>
-                <a:latin typeface="JetBrains Mono"/>
-              </a:rPr>
-              <a:t>::</a:t>
-            </a:r>
-            <a:r>
-              <a:rPr lang="en-US" i="1" dirty="0" err="1">
-                <a:solidFill>
-                  <a:srgbClr val="00627A"/>
-                </a:solidFill>
-                <a:effectLst/>
-                <a:latin typeface="JetBrains Mono"/>
-              </a:rPr>
-              <a:t>from_millis</a:t>
-            </a:r>
-            <a:r>
-              <a:rPr lang="en-US" dirty="0">
-                <a:solidFill>
-                  <a:srgbClr val="080808"/>
-                </a:solidFill>
-                <a:effectLst/>
-                <a:latin typeface="JetBrains Mono"/>
-              </a:rPr>
-              <a:t>(</a:t>
-            </a:r>
-            <a:r>
-              <a:rPr lang="en-US" dirty="0">
-                <a:solidFill>
-                  <a:srgbClr val="1750EB"/>
-                </a:solidFill>
-                <a:effectLst/>
-                <a:latin typeface="JetBrains Mono"/>
-              </a:rPr>
-              <a:t>1</a:t>
-            </a:r>
-            <a:r>
-              <a:rPr lang="en-US" dirty="0">
-                <a:solidFill>
-                  <a:srgbClr val="080808"/>
-                </a:solidFill>
-                <a:effectLst/>
-                <a:latin typeface="JetBrains Mono"/>
-              </a:rPr>
-              <a:t>))</a:t>
-            </a:r>
-            <a:br>
-              <a:rPr lang="en-US" dirty="0">
-                <a:solidFill>
-                  <a:srgbClr val="080808"/>
-                </a:solidFill>
-                <a:effectLst/>
-                <a:latin typeface="JetBrains Mono"/>
-              </a:rPr>
-            </a:br>
-            <a:r>
-              <a:rPr lang="en-US" dirty="0">
-                <a:solidFill>
-                  <a:srgbClr val="080808"/>
-                </a:solidFill>
-                <a:effectLst/>
-                <a:latin typeface="JetBrains Mono"/>
-              </a:rPr>
-              <a:t>    }</a:t>
-            </a:r>
-            <a:br>
-              <a:rPr lang="en-US" dirty="0">
-                <a:solidFill>
-                  <a:srgbClr val="080808"/>
-                </a:solidFill>
-                <a:effectLst/>
-                <a:latin typeface="JetBrains Mono"/>
-              </a:rPr>
-            </a:br>
-            <a:r>
-              <a:rPr lang="en-US" dirty="0">
-                <a:solidFill>
-                  <a:srgbClr val="080808"/>
-                </a:solidFill>
-                <a:effectLst/>
-                <a:latin typeface="JetBrains Mono"/>
-              </a:rPr>
-              <a:t>});</a:t>
-            </a:r>
-          </a:p>
-          <a:p>
-            <a:pPr marL="0" indent="0">
-              <a:buNone/>
-            </a:pPr>
-            <a:endParaRPr lang="en-US" dirty="0">
-              <a:solidFill>
-                <a:srgbClr val="080808"/>
-              </a:solidFill>
-              <a:effectLst/>
-              <a:latin typeface="JetBrains Mono"/>
-            </a:endParaRPr>
-          </a:p>
-          <a:p>
-            <a:pPr marL="0" indent="0">
-              <a:buNone/>
-            </a:pPr>
-            <a:r>
-              <a:rPr lang="en-US" dirty="0">
-                <a:solidFill>
-                  <a:srgbClr val="0033B3"/>
-                </a:solidFill>
-                <a:effectLst/>
-                <a:latin typeface="JetBrains Mono"/>
-              </a:rPr>
-              <a:t>for </a:t>
-            </a:r>
-            <a:r>
-              <a:rPr lang="en-US" dirty="0">
-                <a:solidFill>
-                  <a:srgbClr val="080808"/>
-                </a:solidFill>
-                <a:effectLst/>
-                <a:latin typeface="JetBrains Mono"/>
-              </a:rPr>
-              <a:t>_ </a:t>
-            </a:r>
-            <a:r>
-              <a:rPr lang="en-US" dirty="0">
-                <a:solidFill>
-                  <a:srgbClr val="0033B3"/>
-                </a:solidFill>
-                <a:effectLst/>
-                <a:latin typeface="JetBrains Mono"/>
-              </a:rPr>
-              <a:t>in </a:t>
-            </a:r>
-            <a:r>
-              <a:rPr lang="en-US" dirty="0">
-                <a:solidFill>
-                  <a:srgbClr val="1750EB"/>
-                </a:solidFill>
-                <a:effectLst/>
-                <a:latin typeface="JetBrains Mono"/>
-              </a:rPr>
-              <a:t>0</a:t>
-            </a:r>
-            <a:r>
-              <a:rPr lang="en-US" dirty="0">
-                <a:solidFill>
-                  <a:srgbClr val="080808"/>
-                </a:solidFill>
-                <a:effectLst/>
-                <a:latin typeface="JetBrains Mono"/>
-              </a:rPr>
-              <a:t>..</a:t>
-            </a:r>
-            <a:r>
-              <a:rPr lang="en-US" dirty="0">
-                <a:solidFill>
-                  <a:srgbClr val="1750EB"/>
-                </a:solidFill>
-                <a:effectLst/>
-                <a:latin typeface="JetBrains Mono"/>
-              </a:rPr>
-              <a:t>5 </a:t>
-            </a:r>
-            <a:r>
-              <a:rPr lang="en-US" dirty="0">
-                <a:solidFill>
-                  <a:srgbClr val="080808"/>
-                </a:solidFill>
-                <a:effectLst/>
-                <a:latin typeface="JetBrains Mono"/>
-              </a:rPr>
-              <a:t>{</a:t>
-            </a:r>
-            <a:br>
-              <a:rPr lang="en-US" dirty="0">
-                <a:solidFill>
-                  <a:srgbClr val="080808"/>
-                </a:solidFill>
-                <a:effectLst/>
-                <a:latin typeface="JetBrains Mono"/>
-              </a:rPr>
-            </a:br>
-            <a:r>
-              <a:rPr lang="en-US" dirty="0">
-                <a:solidFill>
-                  <a:srgbClr val="080808"/>
-                </a:solidFill>
-                <a:effectLst/>
-                <a:latin typeface="JetBrains Mono"/>
-              </a:rPr>
-              <a:t>    </a:t>
-            </a:r>
-            <a:r>
-              <a:rPr lang="en-US" dirty="0" err="1">
-                <a:solidFill>
-                  <a:srgbClr val="DD6718"/>
-                </a:solidFill>
-                <a:effectLst/>
-                <a:latin typeface="JetBrains Mono"/>
-              </a:rPr>
-              <a:t>println</a:t>
-            </a:r>
-            <a:r>
-              <a:rPr lang="en-US" dirty="0">
-                <a:solidFill>
-                  <a:srgbClr val="DD6718"/>
-                </a:solidFill>
-                <a:effectLst/>
-                <a:latin typeface="JetBrains Mono"/>
-              </a:rPr>
-              <a:t>!</a:t>
-            </a:r>
-            <a:r>
-              <a:rPr lang="en-US" dirty="0">
-                <a:solidFill>
-                  <a:srgbClr val="080808"/>
-                </a:solidFill>
-                <a:effectLst/>
-                <a:latin typeface="JetBrains Mono"/>
-              </a:rPr>
-              <a:t>(</a:t>
-            </a:r>
-            <a:r>
-              <a:rPr lang="en-US" dirty="0">
-                <a:solidFill>
-                  <a:srgbClr val="067D17"/>
-                </a:solidFill>
-                <a:effectLst/>
-                <a:latin typeface="JetBrains Mono"/>
-              </a:rPr>
-              <a:t>"World"</a:t>
-            </a:r>
-            <a:r>
-              <a:rPr lang="en-US" dirty="0">
-                <a:solidFill>
-                  <a:srgbClr val="080808"/>
-                </a:solidFill>
-                <a:effectLst/>
-                <a:latin typeface="JetBrains Mono"/>
-              </a:rPr>
-              <a:t>);</a:t>
-            </a:r>
-            <a:br>
-              <a:rPr lang="en-US" dirty="0">
-                <a:solidFill>
-                  <a:srgbClr val="080808"/>
-                </a:solidFill>
-                <a:effectLst/>
-                <a:latin typeface="JetBrains Mono"/>
-              </a:rPr>
-            </a:br>
-            <a:r>
-              <a:rPr lang="en-US" dirty="0">
-                <a:solidFill>
-                  <a:srgbClr val="080808"/>
-                </a:solidFill>
-                <a:effectLst/>
-                <a:latin typeface="JetBrains Mono"/>
-              </a:rPr>
-              <a:t>    </a:t>
-            </a:r>
-            <a:r>
-              <a:rPr lang="en-US" dirty="0">
-                <a:solidFill>
-                  <a:srgbClr val="000000"/>
-                </a:solidFill>
-                <a:effectLst/>
-                <a:latin typeface="JetBrains Mono"/>
-              </a:rPr>
-              <a:t>thread</a:t>
-            </a:r>
-            <a:r>
-              <a:rPr lang="en-US" dirty="0">
-                <a:solidFill>
-                  <a:srgbClr val="080808"/>
-                </a:solidFill>
-                <a:effectLst/>
-                <a:latin typeface="JetBrains Mono"/>
-              </a:rPr>
-              <a:t>::sleep(</a:t>
-            </a:r>
-            <a:r>
-              <a:rPr lang="en-US" dirty="0">
-                <a:solidFill>
-                  <a:srgbClr val="000000"/>
-                </a:solidFill>
-                <a:effectLst/>
-                <a:latin typeface="JetBrains Mono"/>
-              </a:rPr>
-              <a:t>Duration</a:t>
-            </a:r>
-            <a:r>
-              <a:rPr lang="en-US" dirty="0">
-                <a:solidFill>
-                  <a:srgbClr val="080808"/>
-                </a:solidFill>
-                <a:effectLst/>
-                <a:latin typeface="JetBrains Mono"/>
-              </a:rPr>
-              <a:t>::</a:t>
-            </a:r>
-            <a:r>
-              <a:rPr lang="en-US" i="1" dirty="0" err="1">
-                <a:solidFill>
-                  <a:srgbClr val="00627A"/>
-                </a:solidFill>
-                <a:effectLst/>
-                <a:latin typeface="JetBrains Mono"/>
-              </a:rPr>
-              <a:t>from_millis</a:t>
-            </a:r>
-            <a:r>
-              <a:rPr lang="en-US" dirty="0">
-                <a:solidFill>
-                  <a:srgbClr val="080808"/>
-                </a:solidFill>
-                <a:effectLst/>
-                <a:latin typeface="JetBrains Mono"/>
-              </a:rPr>
-              <a:t>(</a:t>
-            </a:r>
-            <a:r>
-              <a:rPr lang="en-US" dirty="0">
-                <a:solidFill>
-                  <a:srgbClr val="1750EB"/>
-                </a:solidFill>
-                <a:effectLst/>
-                <a:latin typeface="JetBrains Mono"/>
-              </a:rPr>
-              <a:t>1</a:t>
-            </a:r>
-            <a:r>
-              <a:rPr lang="en-US" dirty="0">
-                <a:solidFill>
-                  <a:srgbClr val="080808"/>
-                </a:solidFill>
-                <a:effectLst/>
-                <a:latin typeface="JetBrains Mono"/>
-              </a:rPr>
-              <a:t>))</a:t>
-            </a:r>
-            <a:br>
-              <a:rPr lang="en-US" dirty="0">
-                <a:solidFill>
-                  <a:srgbClr val="080808"/>
-                </a:solidFill>
-                <a:effectLst/>
-                <a:latin typeface="JetBrains Mono"/>
-              </a:rPr>
-            </a:br>
-            <a:r>
-              <a:rPr lang="en-US" dirty="0">
-                <a:solidFill>
-                  <a:srgbClr val="080808"/>
-                </a:solidFill>
-                <a:effectLst/>
-                <a:latin typeface="JetBrains Mono"/>
-              </a:rPr>
-              <a:t>}</a:t>
-            </a:r>
-          </a:p>
-          <a:p>
-            <a:endParaRPr lang="ru-RU" dirty="0"/>
-          </a:p>
-        </p:txBody>
-      </p:sp>
-      <p:sp>
-        <p:nvSpPr>
-          <p:cNvPr id="4" name="Content Placeholder 3">
-            <a:extLst>
-              <a:ext uri="{FF2B5EF4-FFF2-40B4-BE49-F238E27FC236}">
-                <a16:creationId xmlns:a16="http://schemas.microsoft.com/office/drawing/2014/main" id="{A4402672-0C65-2897-068A-51F292755272}"/>
-              </a:ext>
-            </a:extLst>
-          </p:cNvPr>
-          <p:cNvSpPr>
-            <a:spLocks noGrp="1"/>
-          </p:cNvSpPr>
-          <p:nvPr>
-            <p:ph sz="half" idx="2"/>
-          </p:nvPr>
-        </p:nvSpPr>
-        <p:spPr>
-          <a:xfrm>
-            <a:off x="7281862" y="1825625"/>
-            <a:ext cx="4071937" cy="4351338"/>
-          </a:xfrm>
-        </p:spPr>
-        <p:txBody>
-          <a:bodyPr>
-            <a:normAutofit fontScale="92500" lnSpcReduction="20000"/>
-          </a:bodyPr>
-          <a:lstStyle/>
-          <a:p>
-            <a:pPr marL="0" indent="0">
-              <a:buNone/>
-            </a:pPr>
-            <a:r>
-              <a:rPr lang="en-US" dirty="0"/>
-              <a:t>World</a:t>
-            </a:r>
-          </a:p>
-          <a:p>
-            <a:pPr marL="0" indent="0">
-              <a:buNone/>
-            </a:pPr>
-            <a:r>
-              <a:rPr lang="en-US" dirty="0"/>
-              <a:t>Hello</a:t>
-            </a:r>
-          </a:p>
-          <a:p>
-            <a:pPr marL="0" indent="0">
-              <a:buNone/>
-            </a:pPr>
-            <a:r>
-              <a:rPr lang="en-US" dirty="0"/>
-              <a:t>Hello</a:t>
-            </a:r>
-          </a:p>
-          <a:p>
-            <a:pPr marL="0" indent="0">
-              <a:buNone/>
-            </a:pPr>
-            <a:r>
-              <a:rPr lang="en-US" dirty="0"/>
-              <a:t>World</a:t>
-            </a:r>
-          </a:p>
-          <a:p>
-            <a:pPr marL="0" indent="0">
-              <a:buNone/>
-            </a:pPr>
-            <a:r>
-              <a:rPr lang="en-US" dirty="0"/>
-              <a:t>Hello</a:t>
-            </a:r>
-          </a:p>
-          <a:p>
-            <a:pPr marL="0" indent="0">
-              <a:buNone/>
-            </a:pPr>
-            <a:r>
-              <a:rPr lang="en-US" dirty="0"/>
-              <a:t>World</a:t>
-            </a:r>
-          </a:p>
-          <a:p>
-            <a:pPr marL="0" indent="0">
-              <a:buNone/>
-            </a:pPr>
-            <a:r>
-              <a:rPr lang="en-US" dirty="0"/>
-              <a:t>Hello</a:t>
-            </a:r>
-          </a:p>
-          <a:p>
-            <a:pPr marL="0" indent="0">
-              <a:buNone/>
-            </a:pPr>
-            <a:r>
-              <a:rPr lang="en-US" dirty="0"/>
-              <a:t>World</a:t>
-            </a:r>
-          </a:p>
-          <a:p>
-            <a:pPr marL="0" indent="0">
-              <a:buNone/>
-            </a:pPr>
-            <a:r>
-              <a:rPr lang="en-US" dirty="0"/>
-              <a:t>World</a:t>
-            </a:r>
-          </a:p>
-          <a:p>
-            <a:pPr marL="0" indent="0">
-              <a:buNone/>
-            </a:pPr>
-            <a:r>
-              <a:rPr lang="en-US" dirty="0"/>
-              <a:t>Hello</a:t>
-            </a:r>
-          </a:p>
-          <a:p>
-            <a:pPr marL="0" indent="0">
-              <a:buNone/>
-            </a:pPr>
-            <a:endParaRPr lang="ru-RU" dirty="0"/>
-          </a:p>
-        </p:txBody>
-      </p:sp>
-    </p:spTree>
-    <p:extLst>
-      <p:ext uri="{BB962C8B-B14F-4D97-AF65-F5344CB8AC3E}">
-        <p14:creationId xmlns:p14="http://schemas.microsoft.com/office/powerpoint/2010/main" val="3311924599"/>
-      </p:ext>
-    </p:extLst>
-  </p:cSld>
-  <p:clrMapOvr>
-    <a:masterClrMapping/>
-  </p:clrMapOvr>
-  <p:timing>
-    <p:tnLst>
-      <p:par>
-        <p:cTn id="1" dur="indefinite" restart="never" nodeType="tmRoot">
-          <p:childTnLst>
-            <p:seq concurrent="1" nextAc="seek">
-              <p:cTn id="2" dur="indefinite" nodeType="mainSeq">
-                <p:childTnLst>
-                  <p:par>
-                    <p:cTn id="3" fill="hold">
-                      <p:stCondLst>
-                        <p:cond delay="indefinite"/>
-                      </p:stCondLst>
-                      <p:childTnLst>
-                        <p:par>
-                          <p:cTn id="4" fill="hold">
-                            <p:stCondLst>
-                              <p:cond delay="0"/>
-                            </p:stCondLst>
-                            <p:childTnLst>
-                              <p:par>
-                                <p:cTn id="5" presetID="1" presetClass="entr" presetSubtype="0" fill="hold" grpId="0" nodeType="clickEffect">
-                                  <p:stCondLst>
-                                    <p:cond delay="0"/>
-                                  </p:stCondLst>
-                                  <p:childTnLst>
-                                    <p:set>
-                                      <p:cBhvr>
-                                        <p:cTn id="6" dur="1" fill="hold">
-                                          <p:stCondLst>
-                                            <p:cond delay="0"/>
-                                          </p:stCondLst>
-                                        </p:cTn>
-                                        <p:tgtEl>
-                                          <p:spTgt spid="3">
-                                            <p:txEl>
-                                              <p:pRg st="0" end="0"/>
-                                            </p:txEl>
-                                          </p:spTgt>
-                                        </p:tgtEl>
-                                        <p:attrNameLst>
-                                          <p:attrName>style.visibility</p:attrName>
-                                        </p:attrNameLst>
-                                      </p:cBhvr>
-                                      <p:to>
-                                        <p:strVal val="visible"/>
-                                      </p:to>
-                                    </p:set>
-                                  </p:childTnLst>
-                                </p:cTn>
-                              </p:par>
-                            </p:childTnLst>
-                          </p:cTn>
-                        </p:par>
-                      </p:childTnLst>
-                    </p:cTn>
-                  </p:par>
-                  <p:par>
-                    <p:cTn id="7" fill="hold">
-                      <p:stCondLst>
-                        <p:cond delay="indefinite"/>
-                      </p:stCondLst>
-                      <p:childTnLst>
-                        <p:par>
-                          <p:cTn id="8" fill="hold">
-                            <p:stCondLst>
-                              <p:cond delay="0"/>
-                            </p:stCondLst>
-                            <p:childTnLst>
-                              <p:par>
-                                <p:cTn id="9" presetID="1" presetClass="entr" presetSubtype="0" fill="hold" grpId="0" nodeType="clickEffect">
-                                  <p:stCondLst>
-                                    <p:cond delay="0"/>
-                                  </p:stCondLst>
-                                  <p:childTnLst>
-                                    <p:set>
-                                      <p:cBhvr>
-                                        <p:cTn id="10" dur="1" fill="hold">
-                                          <p:stCondLst>
-                                            <p:cond delay="0"/>
-                                          </p:stCondLst>
-                                        </p:cTn>
-                                        <p:tgtEl>
-                                          <p:spTgt spid="3">
-                                            <p:txEl>
-                                              <p:pRg st="1" end="1"/>
-                                            </p:txEl>
-                                          </p:spTgt>
-                                        </p:tgtEl>
-                                        <p:attrNameLst>
-                                          <p:attrName>style.visibility</p:attrName>
-                                        </p:attrNameLst>
-                                      </p:cBhvr>
-                                      <p:to>
-                                        <p:strVal val="visible"/>
-                                      </p:to>
-                                    </p:set>
-                                  </p:childTnLst>
-                                </p:cTn>
-                              </p:par>
-                            </p:childTnLst>
-                          </p:cTn>
-                        </p:par>
-                      </p:childTnLst>
-                    </p:cTn>
-                  </p:par>
-                  <p:par>
-                    <p:cTn id="11" fill="hold">
-                      <p:stCondLst>
-                        <p:cond delay="indefinite"/>
-                      </p:stCondLst>
-                      <p:childTnLst>
-                        <p:par>
-                          <p:cTn id="12" fill="hold">
-                            <p:stCondLst>
-                              <p:cond delay="0"/>
-                            </p:stCondLst>
-                            <p:childTnLst>
-                              <p:par>
-                                <p:cTn id="13" presetID="1" presetClass="entr" presetSubtype="0" fill="hold" grpId="0" nodeType="clickEffect">
-                                  <p:stCondLst>
-                                    <p:cond delay="0"/>
-                                  </p:stCondLst>
-                                  <p:childTnLst>
-                                    <p:set>
-                                      <p:cBhvr>
-                                        <p:cTn id="14" dur="1" fill="hold">
-                                          <p:stCondLst>
-                                            <p:cond delay="0"/>
-                                          </p:stCondLst>
-                                        </p:cTn>
-                                        <p:tgtEl>
-                                          <p:spTgt spid="3">
-                                            <p:txEl>
-                                              <p:pRg st="3" end="3"/>
-                                            </p:txEl>
-                                          </p:spTgt>
-                                        </p:tgtEl>
-                                        <p:attrNameLst>
-                                          <p:attrName>style.visibility</p:attrName>
-                                        </p:attrNameLst>
-                                      </p:cBhvr>
-                                      <p:to>
-                                        <p:strVal val="visible"/>
-                                      </p:to>
-                                    </p:set>
-                                  </p:childTnLst>
-                                </p:cTn>
-                              </p:par>
-                            </p:childTnLst>
-                          </p:cTn>
-                        </p:par>
-                      </p:childTnLst>
-                    </p:cTn>
-                  </p:par>
-                  <p:par>
-                    <p:cTn id="15" fill="hold">
-                      <p:stCondLst>
-                        <p:cond delay="indefinite"/>
-                      </p:stCondLst>
-                      <p:childTnLst>
-                        <p:par>
-                          <p:cTn id="16" fill="hold">
-                            <p:stCondLst>
-                              <p:cond delay="0"/>
-                            </p:stCondLst>
-                            <p:childTnLst>
-                              <p:par>
-                                <p:cTn id="17" presetID="1" presetClass="entr" presetSubtype="0" fill="hold" nodeType="clickEffect">
-                                  <p:stCondLst>
-                                    <p:cond delay="0"/>
-                                  </p:stCondLst>
-                                  <p:childTnLst>
-                                    <p:set>
-                                      <p:cBhvr>
-                                        <p:cTn id="18" dur="1" fill="hold">
-                                          <p:stCondLst>
-                                            <p:cond delay="0"/>
-                                          </p:stCondLst>
-                                        </p:cTn>
-                                        <p:tgtEl>
-                                          <p:spTgt spid="4">
-                                            <p:txEl>
-                                              <p:pRg st="0" end="0"/>
-                                            </p:txEl>
-                                          </p:spTgt>
-                                        </p:tgtEl>
-                                        <p:attrNameLst>
-                                          <p:attrName>style.visibility</p:attrName>
-                                        </p:attrNameLst>
-                                      </p:cBhvr>
-                                      <p:to>
-                                        <p:strVal val="visible"/>
-                                      </p:to>
-                                    </p:set>
-                                  </p:childTnLst>
-                                </p:cTn>
-                              </p:par>
-                              <p:par>
-                                <p:cTn id="19" presetID="1" presetClass="entr" presetSubtype="0" fill="hold" nodeType="withEffect">
-                                  <p:stCondLst>
-                                    <p:cond delay="0"/>
-                                  </p:stCondLst>
-                                  <p:childTnLst>
-                                    <p:set>
-                                      <p:cBhvr>
-                                        <p:cTn id="20" dur="1" fill="hold">
-                                          <p:stCondLst>
-                                            <p:cond delay="0"/>
-                                          </p:stCondLst>
-                                        </p:cTn>
-                                        <p:tgtEl>
-                                          <p:spTgt spid="4">
-                                            <p:txEl>
-                                              <p:pRg st="1" end="1"/>
-                                            </p:txEl>
-                                          </p:spTgt>
-                                        </p:tgtEl>
-                                        <p:attrNameLst>
-                                          <p:attrName>style.visibility</p:attrName>
-                                        </p:attrNameLst>
-                                      </p:cBhvr>
-                                      <p:to>
-                                        <p:strVal val="visible"/>
-                                      </p:to>
-                                    </p:set>
-                                  </p:childTnLst>
-                                </p:cTn>
-                              </p:par>
-                              <p:par>
-                                <p:cTn id="21" presetID="1" presetClass="entr" presetSubtype="0" fill="hold" nodeType="withEffect">
-                                  <p:stCondLst>
-                                    <p:cond delay="0"/>
-                                  </p:stCondLst>
-                                  <p:childTnLst>
-                                    <p:set>
-                                      <p:cBhvr>
-                                        <p:cTn id="22" dur="1" fill="hold">
-                                          <p:stCondLst>
-                                            <p:cond delay="0"/>
-                                          </p:stCondLst>
-                                        </p:cTn>
-                                        <p:tgtEl>
-                                          <p:spTgt spid="4">
-                                            <p:txEl>
-                                              <p:pRg st="2" end="2"/>
-                                            </p:txEl>
-                                          </p:spTgt>
-                                        </p:tgtEl>
-                                        <p:attrNameLst>
-                                          <p:attrName>style.visibility</p:attrName>
-                                        </p:attrNameLst>
-                                      </p:cBhvr>
-                                      <p:to>
-                                        <p:strVal val="visible"/>
-                                      </p:to>
-                                    </p:set>
-                                  </p:childTnLst>
-                                </p:cTn>
-                              </p:par>
-                              <p:par>
-                                <p:cTn id="23" presetID="1" presetClass="entr" presetSubtype="0" fill="hold" nodeType="withEffect">
-                                  <p:stCondLst>
-                                    <p:cond delay="0"/>
-                                  </p:stCondLst>
-                                  <p:childTnLst>
-                                    <p:set>
-                                      <p:cBhvr>
-                                        <p:cTn id="24" dur="1" fill="hold">
-                                          <p:stCondLst>
-                                            <p:cond delay="0"/>
-                                          </p:stCondLst>
-                                        </p:cTn>
-                                        <p:tgtEl>
-                                          <p:spTgt spid="4">
-                                            <p:txEl>
-                                              <p:pRg st="3" end="3"/>
-                                            </p:txEl>
-                                          </p:spTgt>
-                                        </p:tgtEl>
-                                        <p:attrNameLst>
-                                          <p:attrName>style.visibility</p:attrName>
-                                        </p:attrNameLst>
-                                      </p:cBhvr>
-                                      <p:to>
-                                        <p:strVal val="visible"/>
-                                      </p:to>
-                                    </p:set>
-                                  </p:childTnLst>
-                                </p:cTn>
-                              </p:par>
-                              <p:par>
-                                <p:cTn id="25" presetID="1" presetClass="entr" presetSubtype="0" fill="hold" nodeType="withEffect">
-                                  <p:stCondLst>
-                                    <p:cond delay="0"/>
-                                  </p:stCondLst>
-                                  <p:childTnLst>
-                                    <p:set>
-                                      <p:cBhvr>
-                                        <p:cTn id="26" dur="1" fill="hold">
-                                          <p:stCondLst>
-                                            <p:cond delay="0"/>
-                                          </p:stCondLst>
-                                        </p:cTn>
-                                        <p:tgtEl>
-                                          <p:spTgt spid="4">
-                                            <p:txEl>
-                                              <p:pRg st="4" end="4"/>
-                                            </p:txEl>
-                                          </p:spTgt>
-                                        </p:tgtEl>
-                                        <p:attrNameLst>
-                                          <p:attrName>style.visibility</p:attrName>
-                                        </p:attrNameLst>
-                                      </p:cBhvr>
-                                      <p:to>
-                                        <p:strVal val="visible"/>
-                                      </p:to>
-                                    </p:set>
-                                  </p:childTnLst>
-                                </p:cTn>
-                              </p:par>
-                              <p:par>
-                                <p:cTn id="27" presetID="1" presetClass="entr" presetSubtype="0" fill="hold" nodeType="withEffect">
-                                  <p:stCondLst>
-                                    <p:cond delay="0"/>
-                                  </p:stCondLst>
-                                  <p:childTnLst>
-                                    <p:set>
-                                      <p:cBhvr>
-                                        <p:cTn id="28" dur="1" fill="hold">
-                                          <p:stCondLst>
-                                            <p:cond delay="0"/>
-                                          </p:stCondLst>
-                                        </p:cTn>
-                                        <p:tgtEl>
-                                          <p:spTgt spid="4">
-                                            <p:txEl>
-                                              <p:pRg st="5" end="5"/>
-                                            </p:txEl>
-                                          </p:spTgt>
-                                        </p:tgtEl>
-                                        <p:attrNameLst>
-                                          <p:attrName>style.visibility</p:attrName>
-                                        </p:attrNameLst>
-                                      </p:cBhvr>
-                                      <p:to>
-                                        <p:strVal val="visible"/>
-                                      </p:to>
-                                    </p:set>
-                                  </p:childTnLst>
-                                </p:cTn>
-                              </p:par>
-                              <p:par>
-                                <p:cTn id="29" presetID="1" presetClass="entr" presetSubtype="0" fill="hold" nodeType="withEffect">
-                                  <p:stCondLst>
-                                    <p:cond delay="0"/>
-                                  </p:stCondLst>
-                                  <p:childTnLst>
-                                    <p:set>
-                                      <p:cBhvr>
-                                        <p:cTn id="30" dur="1" fill="hold">
-                                          <p:stCondLst>
-                                            <p:cond delay="0"/>
-                                          </p:stCondLst>
-                                        </p:cTn>
-                                        <p:tgtEl>
-                                          <p:spTgt spid="4">
-                                            <p:txEl>
-                                              <p:pRg st="6" end="6"/>
-                                            </p:txEl>
-                                          </p:spTgt>
-                                        </p:tgtEl>
-                                        <p:attrNameLst>
-                                          <p:attrName>style.visibility</p:attrName>
-                                        </p:attrNameLst>
-                                      </p:cBhvr>
-                                      <p:to>
-                                        <p:strVal val="visible"/>
-                                      </p:to>
-                                    </p:set>
-                                  </p:childTnLst>
-                                </p:cTn>
-                              </p:par>
-                              <p:par>
-                                <p:cTn id="31" presetID="1" presetClass="entr" presetSubtype="0" fill="hold" nodeType="withEffect">
-                                  <p:stCondLst>
-                                    <p:cond delay="0"/>
-                                  </p:stCondLst>
-                                  <p:childTnLst>
-                                    <p:set>
-                                      <p:cBhvr>
-                                        <p:cTn id="32" dur="1" fill="hold">
-                                          <p:stCondLst>
-                                            <p:cond delay="0"/>
-                                          </p:stCondLst>
-                                        </p:cTn>
-                                        <p:tgtEl>
-                                          <p:spTgt spid="4">
-                                            <p:txEl>
-                                              <p:pRg st="7" end="7"/>
-                                            </p:txEl>
-                                          </p:spTgt>
-                                        </p:tgtEl>
-                                        <p:attrNameLst>
-                                          <p:attrName>style.visibility</p:attrName>
-                                        </p:attrNameLst>
-                                      </p:cBhvr>
-                                      <p:to>
-                                        <p:strVal val="visible"/>
-                                      </p:to>
-                                    </p:set>
-                                  </p:childTnLst>
-                                </p:cTn>
-                              </p:par>
-                              <p:par>
-                                <p:cTn id="33" presetID="1" presetClass="entr" presetSubtype="0" fill="hold" nodeType="withEffect">
-                                  <p:stCondLst>
-                                    <p:cond delay="0"/>
-                                  </p:stCondLst>
-                                  <p:childTnLst>
-                                    <p:set>
-                                      <p:cBhvr>
-                                        <p:cTn id="34" dur="1" fill="hold">
-                                          <p:stCondLst>
-                                            <p:cond delay="0"/>
-                                          </p:stCondLst>
-                                        </p:cTn>
-                                        <p:tgtEl>
-                                          <p:spTgt spid="4">
-                                            <p:txEl>
-                                              <p:pRg st="8" end="8"/>
-                                            </p:txEl>
-                                          </p:spTgt>
-                                        </p:tgtEl>
-                                        <p:attrNameLst>
-                                          <p:attrName>style.visibility</p:attrName>
-                                        </p:attrNameLst>
-                                      </p:cBhvr>
-                                      <p:to>
-                                        <p:strVal val="visible"/>
-                                      </p:to>
-                                    </p:set>
-                                  </p:childTnLst>
-                                </p:cTn>
-                              </p:par>
-                              <p:par>
-                                <p:cTn id="35" presetID="1" presetClass="entr" presetSubtype="0" fill="hold" nodeType="withEffect">
-                                  <p:stCondLst>
-                                    <p:cond delay="0"/>
-                                  </p:stCondLst>
-                                  <p:childTnLst>
-                                    <p:set>
-                                      <p:cBhvr>
-                                        <p:cTn id="36" dur="1" fill="hold">
-                                          <p:stCondLst>
-                                            <p:cond delay="0"/>
-                                          </p:stCondLst>
-                                        </p:cTn>
-                                        <p:tgtEl>
-                                          <p:spTgt spid="4">
-                                            <p:txEl>
-                                              <p:pRg st="9" end="9"/>
-                                            </p:txEl>
-                                          </p:spTgt>
-                                        </p:tgtEl>
-                                        <p:attrNameLst>
-                                          <p:attrName>style.visibility</p:attrName>
-                                        </p:attrNameLst>
-                                      </p:cBhvr>
-                                      <p:to>
-                                        <p:strVal val="visible"/>
-                                      </p:to>
-                                    </p:set>
-                                  </p:childTnLst>
-                                </p:cTn>
-                              </p:par>
-                            </p:childTnLst>
-                          </p:cTn>
-                        </p:par>
-                      </p:childTnLst>
-                    </p:cTn>
-                  </p:par>
-                </p:childTnLst>
-              </p:cTn>
-              <p:prevCondLst>
-                <p:cond evt="onPrev" delay="0">
-                  <p:tgtEl>
-                    <p:sldTgt/>
-                  </p:tgtEl>
-                </p:cond>
-              </p:prevCondLst>
-              <p:nextCondLst>
-                <p:cond evt="onNext" delay="0">
-                  <p:tgtEl>
-                    <p:sldTgt/>
-                  </p:tgtEl>
-                </p:cond>
-              </p:nextCondLst>
-            </p:seq>
-          </p:childTnLst>
-        </p:cTn>
-      </p:par>
-    </p:tnLst>
-    <p:bldLst>
-      <p:bldP spid="3" grpId="0" build="p"/>
-    </p:bldLst>
-  </p:timing>
-</p:sld>
-</file>
-
-<file path=ppt/slides/slide20.xml><?xml version="1.0" encoding="utf-8"?>
+<file path=ppt/slides/slide21.xml><?xml version="1.0" encoding="utf-8"?>
 <p:sld xmlns:a="http://schemas.openxmlformats.org/drawingml/2006/main" xmlns:r="http://schemas.openxmlformats.org/officeDocument/2006/relationships" xmlns:p="http://schemas.openxmlformats.org/presentationml/2006/main">
   <p:cSld>
     <p:spTree>
@@ -15444,7 +15237,7 @@
 </p:sld>
 </file>
 
-<file path=ppt/slides/slide21.xml><?xml version="1.0" encoding="utf-8"?>
+<file path=ppt/slides/slide22.xml><?xml version="1.0" encoding="utf-8"?>
 <p:sld xmlns:a="http://schemas.openxmlformats.org/drawingml/2006/main" xmlns:r="http://schemas.openxmlformats.org/officeDocument/2006/relationships" xmlns:p="http://schemas.openxmlformats.org/presentationml/2006/main">
   <p:cSld>
     <p:spTree>
@@ -16817,7 +16610,7 @@
 </p:sld>
 </file>
 
-<file path=ppt/slides/slide22.xml><?xml version="1.0" encoding="utf-8"?>
+<file path=ppt/slides/slide23.xml><?xml version="1.0" encoding="utf-8"?>
 <p:sld xmlns:a="http://schemas.openxmlformats.org/drawingml/2006/main" xmlns:r="http://schemas.openxmlformats.org/officeDocument/2006/relationships" xmlns:p="http://schemas.openxmlformats.org/presentationml/2006/main">
   <p:cSld>
     <p:spTree>
@@ -17285,7 +17078,7 @@
 </p:sld>
 </file>
 
-<file path=ppt/slides/slide23.xml><?xml version="1.0" encoding="utf-8"?>
+<file path=ppt/slides/slide24.xml><?xml version="1.0" encoding="utf-8"?>
 <p:sld xmlns:a="http://schemas.openxmlformats.org/drawingml/2006/main" xmlns:r="http://schemas.openxmlformats.org/officeDocument/2006/relationships" xmlns:p="http://schemas.openxmlformats.org/presentationml/2006/main">
   <p:cSld>
     <p:spTree>
@@ -17537,7 +17330,7 @@
 </p:sld>
 </file>
 
-<file path=ppt/slides/slide24.xml><?xml version="1.0" encoding="utf-8"?>
+<file path=ppt/slides/slide25.xml><?xml version="1.0" encoding="utf-8"?>
 <p:sld xmlns:a="http://schemas.openxmlformats.org/drawingml/2006/main" xmlns:r="http://schemas.openxmlformats.org/officeDocument/2006/relationships" xmlns:p="http://schemas.openxmlformats.org/presentationml/2006/main">
   <p:cSld>
     <p:spTree>
@@ -17978,7 +17771,7 @@
 </p:sld>
 </file>
 
-<file path=ppt/slides/slide25.xml><?xml version="1.0" encoding="utf-8"?>
+<file path=ppt/slides/slide26.xml><?xml version="1.0" encoding="utf-8"?>
 <p:sld xmlns:a="http://schemas.openxmlformats.org/drawingml/2006/main" xmlns:r="http://schemas.openxmlformats.org/officeDocument/2006/relationships" xmlns:p="http://schemas.openxmlformats.org/presentationml/2006/main">
   <p:cSld>
     <p:spTree>
@@ -18285,7 +18078,7 @@
 </p:sld>
 </file>
 
-<file path=ppt/slides/slide26.xml><?xml version="1.0" encoding="utf-8"?>
+<file path=ppt/slides/slide27.xml><?xml version="1.0" encoding="utf-8"?>
 <p:sld xmlns:a="http://schemas.openxmlformats.org/drawingml/2006/main" xmlns:r="http://schemas.openxmlformats.org/officeDocument/2006/relationships" xmlns:p="http://schemas.openxmlformats.org/presentationml/2006/main">
   <p:cSld>
     <p:spTree>
@@ -19026,7 +18819,7 @@
 </p:sld>
 </file>
 
-<file path=ppt/slides/slide27.xml><?xml version="1.0" encoding="utf-8"?>
+<file path=ppt/slides/slide28.xml><?xml version="1.0" encoding="utf-8"?>
 <p:sld xmlns:a="http://schemas.openxmlformats.org/drawingml/2006/main" xmlns:r="http://schemas.openxmlformats.org/officeDocument/2006/relationships" xmlns:p="http://schemas.openxmlformats.org/presentationml/2006/main">
   <p:cSld>
     <p:spTree>
@@ -19261,7 +19054,7 @@
 </p:sld>
 </file>
 
-<file path=ppt/slides/slide28.xml><?xml version="1.0" encoding="utf-8"?>
+<file path=ppt/slides/slide29.xml><?xml version="1.0" encoding="utf-8"?>
 <p:sld xmlns:a="http://schemas.openxmlformats.org/drawingml/2006/main" xmlns:r="http://schemas.openxmlformats.org/officeDocument/2006/relationships" xmlns:p="http://schemas.openxmlformats.org/presentationml/2006/main">
   <p:cSld>
     <p:spTree>
@@ -19486,7 +19279,1321 @@
 </p:sld>
 </file>
 
-<file path=ppt/slides/slide29.xml><?xml version="1.0" encoding="utf-8"?>
+<file path=ppt/slides/slide3.xml><?xml version="1.0" encoding="utf-8"?>
+<p:sld xmlns:a="http://schemas.openxmlformats.org/drawingml/2006/main" xmlns:r="http://schemas.openxmlformats.org/officeDocument/2006/relationships" xmlns:p="http://schemas.openxmlformats.org/presentationml/2006/main">
+  <p:cSld>
+    <p:spTree>
+      <p:nvGrpSpPr>
+        <p:cNvPr id="1" name=""/>
+        <p:cNvGrpSpPr/>
+        <p:nvPr/>
+      </p:nvGrpSpPr>
+      <p:grpSpPr>
+        <a:xfrm>
+          <a:off x="0" y="0"/>
+          <a:ext cx="0" cy="0"/>
+          <a:chOff x="0" y="0"/>
+          <a:chExt cx="0" cy="0"/>
+        </a:xfrm>
+      </p:grpSpPr>
+      <p:sp>
+        <p:nvSpPr>
+          <p:cNvPr id="2" name="Title 1">
+            <a:extLst>
+              <a:ext uri="{FF2B5EF4-FFF2-40B4-BE49-F238E27FC236}">
+                <a16:creationId xmlns:a16="http://schemas.microsoft.com/office/drawing/2014/main" id="{FBE64971-61B5-5731-F208-8191D42C0E7F}"/>
+              </a:ext>
+            </a:extLst>
+          </p:cNvPr>
+          <p:cNvSpPr>
+            <a:spLocks noGrp="1"/>
+          </p:cNvSpPr>
+          <p:nvPr>
+            <p:ph type="title"/>
+          </p:nvPr>
+        </p:nvSpPr>
+        <p:spPr/>
+        <p:txBody>
+          <a:bodyPr/>
+          <a:lstStyle/>
+          <a:p>
+            <a:r>
+              <a:rPr lang="en-US" dirty="0"/>
+              <a:t>Thread</a:t>
+            </a:r>
+            <a:endParaRPr lang="ru-RU" dirty="0"/>
+          </a:p>
+        </p:txBody>
+      </p:sp>
+      <p:sp>
+        <p:nvSpPr>
+          <p:cNvPr id="3" name="Content Placeholder 2">
+            <a:extLst>
+              <a:ext uri="{FF2B5EF4-FFF2-40B4-BE49-F238E27FC236}">
+                <a16:creationId xmlns:a16="http://schemas.microsoft.com/office/drawing/2014/main" id="{90F9EEFB-5A8D-22D3-4139-A29CAB83447C}"/>
+              </a:ext>
+            </a:extLst>
+          </p:cNvPr>
+          <p:cNvSpPr>
+            <a:spLocks noGrp="1"/>
+          </p:cNvSpPr>
+          <p:nvPr>
+            <p:ph sz="half" idx="1"/>
+          </p:nvPr>
+        </p:nvSpPr>
+        <p:spPr>
+          <a:xfrm>
+            <a:off x="838199" y="1825625"/>
+            <a:ext cx="6010275" cy="4351338"/>
+          </a:xfrm>
+        </p:spPr>
+        <p:txBody>
+          <a:bodyPr>
+            <a:normAutofit fontScale="92500" lnSpcReduction="20000"/>
+          </a:bodyPr>
+          <a:lstStyle/>
+          <a:p>
+            <a:pPr marL="0" indent="0">
+              <a:buNone/>
+            </a:pPr>
+            <a:r>
+              <a:rPr lang="en-US" dirty="0">
+                <a:solidFill>
+                  <a:srgbClr val="000000"/>
+                </a:solidFill>
+                <a:effectLst/>
+                <a:latin typeface="JetBrains Mono"/>
+              </a:rPr>
+              <a:t>thread</a:t>
+            </a:r>
+            <a:r>
+              <a:rPr lang="en-US" dirty="0">
+                <a:solidFill>
+                  <a:srgbClr val="080808"/>
+                </a:solidFill>
+                <a:effectLst/>
+                <a:latin typeface="JetBrains Mono"/>
+              </a:rPr>
+              <a:t>::spawn(|| {</a:t>
+            </a:r>
+          </a:p>
+          <a:p>
+            <a:pPr marL="0" indent="0">
+              <a:buNone/>
+            </a:pPr>
+            <a:r>
+              <a:rPr lang="en-US" dirty="0">
+                <a:solidFill>
+                  <a:srgbClr val="080808"/>
+                </a:solidFill>
+                <a:effectLst/>
+                <a:latin typeface="JetBrains Mono"/>
+              </a:rPr>
+              <a:t>    </a:t>
+            </a:r>
+            <a:r>
+              <a:rPr lang="en-US" dirty="0">
+                <a:solidFill>
+                  <a:srgbClr val="0033B3"/>
+                </a:solidFill>
+                <a:effectLst/>
+                <a:latin typeface="JetBrains Mono"/>
+              </a:rPr>
+              <a:t>for </a:t>
+            </a:r>
+            <a:r>
+              <a:rPr lang="en-US" dirty="0">
+                <a:solidFill>
+                  <a:srgbClr val="080808"/>
+                </a:solidFill>
+                <a:effectLst/>
+                <a:latin typeface="JetBrains Mono"/>
+              </a:rPr>
+              <a:t>_ </a:t>
+            </a:r>
+            <a:r>
+              <a:rPr lang="en-US" dirty="0">
+                <a:solidFill>
+                  <a:srgbClr val="0033B3"/>
+                </a:solidFill>
+                <a:effectLst/>
+                <a:latin typeface="JetBrains Mono"/>
+              </a:rPr>
+              <a:t>in </a:t>
+            </a:r>
+            <a:r>
+              <a:rPr lang="en-US" dirty="0">
+                <a:solidFill>
+                  <a:srgbClr val="1750EB"/>
+                </a:solidFill>
+                <a:effectLst/>
+                <a:latin typeface="JetBrains Mono"/>
+              </a:rPr>
+              <a:t>0</a:t>
+            </a:r>
+            <a:r>
+              <a:rPr lang="en-US" dirty="0">
+                <a:solidFill>
+                  <a:srgbClr val="080808"/>
+                </a:solidFill>
+                <a:effectLst/>
+                <a:latin typeface="JetBrains Mono"/>
+              </a:rPr>
+              <a:t>..</a:t>
+            </a:r>
+            <a:r>
+              <a:rPr lang="en-US" dirty="0">
+                <a:solidFill>
+                  <a:srgbClr val="1750EB"/>
+                </a:solidFill>
+                <a:effectLst/>
+                <a:latin typeface="JetBrains Mono"/>
+              </a:rPr>
+              <a:t>5 </a:t>
+            </a:r>
+            <a:r>
+              <a:rPr lang="en-US" dirty="0">
+                <a:solidFill>
+                  <a:srgbClr val="080808"/>
+                </a:solidFill>
+                <a:effectLst/>
+                <a:latin typeface="JetBrains Mono"/>
+              </a:rPr>
+              <a:t>{</a:t>
+            </a:r>
+            <a:br>
+              <a:rPr lang="en-US" dirty="0">
+                <a:solidFill>
+                  <a:srgbClr val="080808"/>
+                </a:solidFill>
+                <a:effectLst/>
+                <a:latin typeface="JetBrains Mono"/>
+              </a:rPr>
+            </a:br>
+            <a:r>
+              <a:rPr lang="en-US" dirty="0">
+                <a:solidFill>
+                  <a:srgbClr val="080808"/>
+                </a:solidFill>
+                <a:effectLst/>
+                <a:latin typeface="JetBrains Mono"/>
+              </a:rPr>
+              <a:t>        </a:t>
+            </a:r>
+            <a:r>
+              <a:rPr lang="en-US" dirty="0" err="1">
+                <a:solidFill>
+                  <a:srgbClr val="DD6718"/>
+                </a:solidFill>
+                <a:effectLst/>
+                <a:latin typeface="JetBrains Mono"/>
+              </a:rPr>
+              <a:t>println</a:t>
+            </a:r>
+            <a:r>
+              <a:rPr lang="en-US" dirty="0">
+                <a:solidFill>
+                  <a:srgbClr val="DD6718"/>
+                </a:solidFill>
+                <a:effectLst/>
+                <a:latin typeface="JetBrains Mono"/>
+              </a:rPr>
+              <a:t>!</a:t>
+            </a:r>
+            <a:r>
+              <a:rPr lang="en-US" dirty="0">
+                <a:solidFill>
+                  <a:srgbClr val="080808"/>
+                </a:solidFill>
+                <a:effectLst/>
+                <a:latin typeface="JetBrains Mono"/>
+              </a:rPr>
+              <a:t>(</a:t>
+            </a:r>
+            <a:r>
+              <a:rPr lang="en-US" dirty="0">
+                <a:solidFill>
+                  <a:srgbClr val="067D17"/>
+                </a:solidFill>
+                <a:effectLst/>
+                <a:latin typeface="JetBrains Mono"/>
+              </a:rPr>
+              <a:t>"Hello"</a:t>
+            </a:r>
+            <a:r>
+              <a:rPr lang="en-US" dirty="0">
+                <a:solidFill>
+                  <a:srgbClr val="080808"/>
+                </a:solidFill>
+                <a:effectLst/>
+                <a:latin typeface="JetBrains Mono"/>
+              </a:rPr>
+              <a:t>);</a:t>
+            </a:r>
+            <a:br>
+              <a:rPr lang="en-US" dirty="0">
+                <a:solidFill>
+                  <a:srgbClr val="080808"/>
+                </a:solidFill>
+                <a:effectLst/>
+                <a:latin typeface="JetBrains Mono"/>
+              </a:rPr>
+            </a:br>
+            <a:r>
+              <a:rPr lang="en-US" dirty="0">
+                <a:solidFill>
+                  <a:srgbClr val="080808"/>
+                </a:solidFill>
+                <a:effectLst/>
+                <a:latin typeface="JetBrains Mono"/>
+              </a:rPr>
+              <a:t>        </a:t>
+            </a:r>
+            <a:r>
+              <a:rPr lang="en-US" dirty="0">
+                <a:solidFill>
+                  <a:srgbClr val="000000"/>
+                </a:solidFill>
+                <a:effectLst/>
+                <a:latin typeface="JetBrains Mono"/>
+              </a:rPr>
+              <a:t>thread</a:t>
+            </a:r>
+            <a:r>
+              <a:rPr lang="en-US" dirty="0">
+                <a:solidFill>
+                  <a:srgbClr val="080808"/>
+                </a:solidFill>
+                <a:effectLst/>
+                <a:latin typeface="JetBrains Mono"/>
+              </a:rPr>
+              <a:t>::sleep(</a:t>
+            </a:r>
+            <a:r>
+              <a:rPr lang="en-US" dirty="0">
+                <a:solidFill>
+                  <a:srgbClr val="000000"/>
+                </a:solidFill>
+                <a:effectLst/>
+                <a:latin typeface="JetBrains Mono"/>
+              </a:rPr>
+              <a:t>Duration</a:t>
+            </a:r>
+            <a:r>
+              <a:rPr lang="en-US" dirty="0">
+                <a:solidFill>
+                  <a:srgbClr val="080808"/>
+                </a:solidFill>
+                <a:effectLst/>
+                <a:latin typeface="JetBrains Mono"/>
+              </a:rPr>
+              <a:t>::</a:t>
+            </a:r>
+            <a:r>
+              <a:rPr lang="en-US" i="1" dirty="0" err="1">
+                <a:solidFill>
+                  <a:srgbClr val="00627A"/>
+                </a:solidFill>
+                <a:effectLst/>
+                <a:latin typeface="JetBrains Mono"/>
+              </a:rPr>
+              <a:t>from_millis</a:t>
+            </a:r>
+            <a:r>
+              <a:rPr lang="en-US" dirty="0">
+                <a:solidFill>
+                  <a:srgbClr val="080808"/>
+                </a:solidFill>
+                <a:effectLst/>
+                <a:latin typeface="JetBrains Mono"/>
+              </a:rPr>
+              <a:t>(</a:t>
+            </a:r>
+            <a:r>
+              <a:rPr lang="en-US" dirty="0">
+                <a:solidFill>
+                  <a:srgbClr val="1750EB"/>
+                </a:solidFill>
+                <a:effectLst/>
+                <a:latin typeface="JetBrains Mono"/>
+              </a:rPr>
+              <a:t>1</a:t>
+            </a:r>
+            <a:r>
+              <a:rPr lang="en-US" dirty="0">
+                <a:solidFill>
+                  <a:srgbClr val="080808"/>
+                </a:solidFill>
+                <a:effectLst/>
+                <a:latin typeface="JetBrains Mono"/>
+              </a:rPr>
+              <a:t>))</a:t>
+            </a:r>
+            <a:br>
+              <a:rPr lang="en-US" dirty="0">
+                <a:solidFill>
+                  <a:srgbClr val="080808"/>
+                </a:solidFill>
+                <a:effectLst/>
+                <a:latin typeface="JetBrains Mono"/>
+              </a:rPr>
+            </a:br>
+            <a:r>
+              <a:rPr lang="en-US" dirty="0">
+                <a:solidFill>
+                  <a:srgbClr val="080808"/>
+                </a:solidFill>
+                <a:effectLst/>
+                <a:latin typeface="JetBrains Mono"/>
+              </a:rPr>
+              <a:t>    }</a:t>
+            </a:r>
+            <a:br>
+              <a:rPr lang="en-US" dirty="0">
+                <a:solidFill>
+                  <a:srgbClr val="080808"/>
+                </a:solidFill>
+                <a:effectLst/>
+                <a:latin typeface="JetBrains Mono"/>
+              </a:rPr>
+            </a:br>
+            <a:r>
+              <a:rPr lang="en-US" dirty="0">
+                <a:solidFill>
+                  <a:srgbClr val="080808"/>
+                </a:solidFill>
+                <a:effectLst/>
+                <a:latin typeface="JetBrains Mono"/>
+              </a:rPr>
+              <a:t>});</a:t>
+            </a:r>
+          </a:p>
+          <a:p>
+            <a:pPr marL="0" indent="0">
+              <a:buNone/>
+            </a:pPr>
+            <a:endParaRPr lang="en-US" dirty="0">
+              <a:solidFill>
+                <a:srgbClr val="080808"/>
+              </a:solidFill>
+              <a:effectLst/>
+              <a:latin typeface="JetBrains Mono"/>
+            </a:endParaRPr>
+          </a:p>
+          <a:p>
+            <a:pPr marL="0" indent="0">
+              <a:buNone/>
+            </a:pPr>
+            <a:r>
+              <a:rPr lang="en-US" dirty="0">
+                <a:solidFill>
+                  <a:srgbClr val="0033B3"/>
+                </a:solidFill>
+                <a:effectLst/>
+                <a:latin typeface="JetBrains Mono"/>
+              </a:rPr>
+              <a:t>for </a:t>
+            </a:r>
+            <a:r>
+              <a:rPr lang="en-US" dirty="0">
+                <a:solidFill>
+                  <a:srgbClr val="080808"/>
+                </a:solidFill>
+                <a:effectLst/>
+                <a:latin typeface="JetBrains Mono"/>
+              </a:rPr>
+              <a:t>_ </a:t>
+            </a:r>
+            <a:r>
+              <a:rPr lang="en-US" dirty="0">
+                <a:solidFill>
+                  <a:srgbClr val="0033B3"/>
+                </a:solidFill>
+                <a:effectLst/>
+                <a:latin typeface="JetBrains Mono"/>
+              </a:rPr>
+              <a:t>in </a:t>
+            </a:r>
+            <a:r>
+              <a:rPr lang="en-US" dirty="0">
+                <a:solidFill>
+                  <a:srgbClr val="1750EB"/>
+                </a:solidFill>
+                <a:effectLst/>
+                <a:latin typeface="JetBrains Mono"/>
+              </a:rPr>
+              <a:t>0</a:t>
+            </a:r>
+            <a:r>
+              <a:rPr lang="en-US" dirty="0">
+                <a:solidFill>
+                  <a:srgbClr val="080808"/>
+                </a:solidFill>
+                <a:effectLst/>
+                <a:latin typeface="JetBrains Mono"/>
+              </a:rPr>
+              <a:t>..</a:t>
+            </a:r>
+            <a:r>
+              <a:rPr lang="en-US" dirty="0">
+                <a:solidFill>
+                  <a:srgbClr val="1750EB"/>
+                </a:solidFill>
+                <a:effectLst/>
+                <a:latin typeface="JetBrains Mono"/>
+              </a:rPr>
+              <a:t>5 </a:t>
+            </a:r>
+            <a:r>
+              <a:rPr lang="en-US" dirty="0">
+                <a:solidFill>
+                  <a:srgbClr val="080808"/>
+                </a:solidFill>
+                <a:effectLst/>
+                <a:latin typeface="JetBrains Mono"/>
+              </a:rPr>
+              <a:t>{</a:t>
+            </a:r>
+            <a:br>
+              <a:rPr lang="en-US" dirty="0">
+                <a:solidFill>
+                  <a:srgbClr val="080808"/>
+                </a:solidFill>
+                <a:effectLst/>
+                <a:latin typeface="JetBrains Mono"/>
+              </a:rPr>
+            </a:br>
+            <a:r>
+              <a:rPr lang="en-US" dirty="0">
+                <a:solidFill>
+                  <a:srgbClr val="080808"/>
+                </a:solidFill>
+                <a:effectLst/>
+                <a:latin typeface="JetBrains Mono"/>
+              </a:rPr>
+              <a:t>    </a:t>
+            </a:r>
+            <a:r>
+              <a:rPr lang="en-US" dirty="0" err="1">
+                <a:solidFill>
+                  <a:srgbClr val="DD6718"/>
+                </a:solidFill>
+                <a:effectLst/>
+                <a:latin typeface="JetBrains Mono"/>
+              </a:rPr>
+              <a:t>println</a:t>
+            </a:r>
+            <a:r>
+              <a:rPr lang="en-US" dirty="0">
+                <a:solidFill>
+                  <a:srgbClr val="DD6718"/>
+                </a:solidFill>
+                <a:effectLst/>
+                <a:latin typeface="JetBrains Mono"/>
+              </a:rPr>
+              <a:t>!</a:t>
+            </a:r>
+            <a:r>
+              <a:rPr lang="en-US" dirty="0">
+                <a:solidFill>
+                  <a:srgbClr val="080808"/>
+                </a:solidFill>
+                <a:effectLst/>
+                <a:latin typeface="JetBrains Mono"/>
+              </a:rPr>
+              <a:t>(</a:t>
+            </a:r>
+            <a:r>
+              <a:rPr lang="en-US" dirty="0">
+                <a:solidFill>
+                  <a:srgbClr val="067D17"/>
+                </a:solidFill>
+                <a:effectLst/>
+                <a:latin typeface="JetBrains Mono"/>
+              </a:rPr>
+              <a:t>"World"</a:t>
+            </a:r>
+            <a:r>
+              <a:rPr lang="en-US" dirty="0">
+                <a:solidFill>
+                  <a:srgbClr val="080808"/>
+                </a:solidFill>
+                <a:effectLst/>
+                <a:latin typeface="JetBrains Mono"/>
+              </a:rPr>
+              <a:t>);</a:t>
+            </a:r>
+            <a:br>
+              <a:rPr lang="en-US" dirty="0">
+                <a:solidFill>
+                  <a:srgbClr val="080808"/>
+                </a:solidFill>
+                <a:effectLst/>
+                <a:latin typeface="JetBrains Mono"/>
+              </a:rPr>
+            </a:br>
+            <a:r>
+              <a:rPr lang="en-US" dirty="0">
+                <a:solidFill>
+                  <a:srgbClr val="080808"/>
+                </a:solidFill>
+                <a:effectLst/>
+                <a:latin typeface="JetBrains Mono"/>
+              </a:rPr>
+              <a:t>    </a:t>
+            </a:r>
+            <a:r>
+              <a:rPr lang="en-US" dirty="0">
+                <a:solidFill>
+                  <a:srgbClr val="000000"/>
+                </a:solidFill>
+                <a:effectLst/>
+                <a:latin typeface="JetBrains Mono"/>
+              </a:rPr>
+              <a:t>thread</a:t>
+            </a:r>
+            <a:r>
+              <a:rPr lang="en-US" dirty="0">
+                <a:solidFill>
+                  <a:srgbClr val="080808"/>
+                </a:solidFill>
+                <a:effectLst/>
+                <a:latin typeface="JetBrains Mono"/>
+              </a:rPr>
+              <a:t>::sleep(</a:t>
+            </a:r>
+            <a:r>
+              <a:rPr lang="en-US" dirty="0">
+                <a:solidFill>
+                  <a:srgbClr val="000000"/>
+                </a:solidFill>
+                <a:effectLst/>
+                <a:latin typeface="JetBrains Mono"/>
+              </a:rPr>
+              <a:t>Duration</a:t>
+            </a:r>
+            <a:r>
+              <a:rPr lang="en-US" dirty="0">
+                <a:solidFill>
+                  <a:srgbClr val="080808"/>
+                </a:solidFill>
+                <a:effectLst/>
+                <a:latin typeface="JetBrains Mono"/>
+              </a:rPr>
+              <a:t>::</a:t>
+            </a:r>
+            <a:r>
+              <a:rPr lang="en-US" i="1" dirty="0" err="1">
+                <a:solidFill>
+                  <a:srgbClr val="00627A"/>
+                </a:solidFill>
+                <a:effectLst/>
+                <a:latin typeface="JetBrains Mono"/>
+              </a:rPr>
+              <a:t>from_millis</a:t>
+            </a:r>
+            <a:r>
+              <a:rPr lang="en-US" dirty="0">
+                <a:solidFill>
+                  <a:srgbClr val="080808"/>
+                </a:solidFill>
+                <a:effectLst/>
+                <a:latin typeface="JetBrains Mono"/>
+              </a:rPr>
+              <a:t>(</a:t>
+            </a:r>
+            <a:r>
+              <a:rPr lang="en-US" dirty="0">
+                <a:solidFill>
+                  <a:srgbClr val="1750EB"/>
+                </a:solidFill>
+                <a:effectLst/>
+                <a:latin typeface="JetBrains Mono"/>
+              </a:rPr>
+              <a:t>1</a:t>
+            </a:r>
+            <a:r>
+              <a:rPr lang="en-US" dirty="0">
+                <a:solidFill>
+                  <a:srgbClr val="080808"/>
+                </a:solidFill>
+                <a:effectLst/>
+                <a:latin typeface="JetBrains Mono"/>
+              </a:rPr>
+              <a:t>))</a:t>
+            </a:r>
+            <a:br>
+              <a:rPr lang="en-US" dirty="0">
+                <a:solidFill>
+                  <a:srgbClr val="080808"/>
+                </a:solidFill>
+                <a:effectLst/>
+                <a:latin typeface="JetBrains Mono"/>
+              </a:rPr>
+            </a:br>
+            <a:r>
+              <a:rPr lang="en-US" dirty="0">
+                <a:solidFill>
+                  <a:srgbClr val="080808"/>
+                </a:solidFill>
+                <a:effectLst/>
+                <a:latin typeface="JetBrains Mono"/>
+              </a:rPr>
+              <a:t>}</a:t>
+            </a:r>
+          </a:p>
+          <a:p>
+            <a:endParaRPr lang="ru-RU" dirty="0"/>
+          </a:p>
+        </p:txBody>
+      </p:sp>
+      <p:sp>
+        <p:nvSpPr>
+          <p:cNvPr id="4" name="Content Placeholder 3">
+            <a:extLst>
+              <a:ext uri="{FF2B5EF4-FFF2-40B4-BE49-F238E27FC236}">
+                <a16:creationId xmlns:a16="http://schemas.microsoft.com/office/drawing/2014/main" id="{A4402672-0C65-2897-068A-51F292755272}"/>
+              </a:ext>
+            </a:extLst>
+          </p:cNvPr>
+          <p:cNvSpPr>
+            <a:spLocks noGrp="1"/>
+          </p:cNvSpPr>
+          <p:nvPr>
+            <p:ph sz="half" idx="2"/>
+          </p:nvPr>
+        </p:nvSpPr>
+        <p:spPr>
+          <a:xfrm>
+            <a:off x="7281862" y="1825625"/>
+            <a:ext cx="4071937" cy="4351338"/>
+          </a:xfrm>
+        </p:spPr>
+        <p:txBody>
+          <a:bodyPr>
+            <a:normAutofit fontScale="92500" lnSpcReduction="20000"/>
+          </a:bodyPr>
+          <a:lstStyle/>
+          <a:p>
+            <a:pPr marL="0" indent="0">
+              <a:buNone/>
+            </a:pPr>
+            <a:r>
+              <a:rPr lang="en-US" dirty="0"/>
+              <a:t>World</a:t>
+            </a:r>
+          </a:p>
+          <a:p>
+            <a:pPr marL="0" indent="0">
+              <a:buNone/>
+            </a:pPr>
+            <a:r>
+              <a:rPr lang="en-US" dirty="0"/>
+              <a:t>Hello</a:t>
+            </a:r>
+          </a:p>
+          <a:p>
+            <a:pPr marL="0" indent="0">
+              <a:buNone/>
+            </a:pPr>
+            <a:r>
+              <a:rPr lang="en-US" dirty="0"/>
+              <a:t>Hello</a:t>
+            </a:r>
+          </a:p>
+          <a:p>
+            <a:pPr marL="0" indent="0">
+              <a:buNone/>
+            </a:pPr>
+            <a:r>
+              <a:rPr lang="en-US" dirty="0"/>
+              <a:t>World</a:t>
+            </a:r>
+          </a:p>
+          <a:p>
+            <a:pPr marL="0" indent="0">
+              <a:buNone/>
+            </a:pPr>
+            <a:r>
+              <a:rPr lang="en-US" dirty="0"/>
+              <a:t>Hello</a:t>
+            </a:r>
+          </a:p>
+          <a:p>
+            <a:pPr marL="0" indent="0">
+              <a:buNone/>
+            </a:pPr>
+            <a:r>
+              <a:rPr lang="en-US" dirty="0"/>
+              <a:t>World</a:t>
+            </a:r>
+          </a:p>
+          <a:p>
+            <a:pPr marL="0" indent="0">
+              <a:buNone/>
+            </a:pPr>
+            <a:r>
+              <a:rPr lang="en-US" dirty="0"/>
+              <a:t>Hello</a:t>
+            </a:r>
+          </a:p>
+          <a:p>
+            <a:pPr marL="0" indent="0">
+              <a:buNone/>
+            </a:pPr>
+            <a:r>
+              <a:rPr lang="en-US" dirty="0"/>
+              <a:t>World</a:t>
+            </a:r>
+          </a:p>
+          <a:p>
+            <a:pPr marL="0" indent="0">
+              <a:buNone/>
+            </a:pPr>
+            <a:r>
+              <a:rPr lang="en-US" dirty="0"/>
+              <a:t>World</a:t>
+            </a:r>
+          </a:p>
+          <a:p>
+            <a:pPr marL="0" indent="0">
+              <a:buNone/>
+            </a:pPr>
+            <a:r>
+              <a:rPr lang="en-US" dirty="0"/>
+              <a:t>Hello</a:t>
+            </a:r>
+          </a:p>
+          <a:p>
+            <a:pPr marL="0" indent="0">
+              <a:buNone/>
+            </a:pPr>
+            <a:endParaRPr lang="ru-RU" dirty="0"/>
+          </a:p>
+        </p:txBody>
+      </p:sp>
+    </p:spTree>
+    <p:extLst>
+      <p:ext uri="{BB962C8B-B14F-4D97-AF65-F5344CB8AC3E}">
+        <p14:creationId xmlns:p14="http://schemas.microsoft.com/office/powerpoint/2010/main" val="3311924599"/>
+      </p:ext>
+    </p:extLst>
+  </p:cSld>
+  <p:clrMapOvr>
+    <a:masterClrMapping/>
+  </p:clrMapOvr>
+  <p:timing>
+    <p:tnLst>
+      <p:par>
+        <p:cTn id="1" dur="indefinite" restart="never" nodeType="tmRoot">
+          <p:childTnLst>
+            <p:seq concurrent="1" nextAc="seek">
+              <p:cTn id="2" dur="indefinite" nodeType="mainSeq">
+                <p:childTnLst>
+                  <p:par>
+                    <p:cTn id="3" fill="hold">
+                      <p:stCondLst>
+                        <p:cond delay="indefinite"/>
+                      </p:stCondLst>
+                      <p:childTnLst>
+                        <p:par>
+                          <p:cTn id="4" fill="hold">
+                            <p:stCondLst>
+                              <p:cond delay="0"/>
+                            </p:stCondLst>
+                            <p:childTnLst>
+                              <p:par>
+                                <p:cTn id="5" presetID="1" presetClass="entr" presetSubtype="0" fill="hold" grpId="0" nodeType="clickEffect">
+                                  <p:stCondLst>
+                                    <p:cond delay="0"/>
+                                  </p:stCondLst>
+                                  <p:childTnLst>
+                                    <p:set>
+                                      <p:cBhvr>
+                                        <p:cTn id="6" dur="1" fill="hold">
+                                          <p:stCondLst>
+                                            <p:cond delay="0"/>
+                                          </p:stCondLst>
+                                        </p:cTn>
+                                        <p:tgtEl>
+                                          <p:spTgt spid="3">
+                                            <p:txEl>
+                                              <p:pRg st="0" end="0"/>
+                                            </p:txEl>
+                                          </p:spTgt>
+                                        </p:tgtEl>
+                                        <p:attrNameLst>
+                                          <p:attrName>style.visibility</p:attrName>
+                                        </p:attrNameLst>
+                                      </p:cBhvr>
+                                      <p:to>
+                                        <p:strVal val="visible"/>
+                                      </p:to>
+                                    </p:set>
+                                  </p:childTnLst>
+                                </p:cTn>
+                              </p:par>
+                            </p:childTnLst>
+                          </p:cTn>
+                        </p:par>
+                      </p:childTnLst>
+                    </p:cTn>
+                  </p:par>
+                  <p:par>
+                    <p:cTn id="7" fill="hold">
+                      <p:stCondLst>
+                        <p:cond delay="indefinite"/>
+                      </p:stCondLst>
+                      <p:childTnLst>
+                        <p:par>
+                          <p:cTn id="8" fill="hold">
+                            <p:stCondLst>
+                              <p:cond delay="0"/>
+                            </p:stCondLst>
+                            <p:childTnLst>
+                              <p:par>
+                                <p:cTn id="9" presetID="1" presetClass="entr" presetSubtype="0" fill="hold" grpId="0" nodeType="clickEffect">
+                                  <p:stCondLst>
+                                    <p:cond delay="0"/>
+                                  </p:stCondLst>
+                                  <p:childTnLst>
+                                    <p:set>
+                                      <p:cBhvr>
+                                        <p:cTn id="10" dur="1" fill="hold">
+                                          <p:stCondLst>
+                                            <p:cond delay="0"/>
+                                          </p:stCondLst>
+                                        </p:cTn>
+                                        <p:tgtEl>
+                                          <p:spTgt spid="3">
+                                            <p:txEl>
+                                              <p:pRg st="1" end="1"/>
+                                            </p:txEl>
+                                          </p:spTgt>
+                                        </p:tgtEl>
+                                        <p:attrNameLst>
+                                          <p:attrName>style.visibility</p:attrName>
+                                        </p:attrNameLst>
+                                      </p:cBhvr>
+                                      <p:to>
+                                        <p:strVal val="visible"/>
+                                      </p:to>
+                                    </p:set>
+                                  </p:childTnLst>
+                                </p:cTn>
+                              </p:par>
+                            </p:childTnLst>
+                          </p:cTn>
+                        </p:par>
+                      </p:childTnLst>
+                    </p:cTn>
+                  </p:par>
+                  <p:par>
+                    <p:cTn id="11" fill="hold">
+                      <p:stCondLst>
+                        <p:cond delay="indefinite"/>
+                      </p:stCondLst>
+                      <p:childTnLst>
+                        <p:par>
+                          <p:cTn id="12" fill="hold">
+                            <p:stCondLst>
+                              <p:cond delay="0"/>
+                            </p:stCondLst>
+                            <p:childTnLst>
+                              <p:par>
+                                <p:cTn id="13" presetID="1" presetClass="entr" presetSubtype="0" fill="hold" grpId="0" nodeType="clickEffect">
+                                  <p:stCondLst>
+                                    <p:cond delay="0"/>
+                                  </p:stCondLst>
+                                  <p:childTnLst>
+                                    <p:set>
+                                      <p:cBhvr>
+                                        <p:cTn id="14" dur="1" fill="hold">
+                                          <p:stCondLst>
+                                            <p:cond delay="0"/>
+                                          </p:stCondLst>
+                                        </p:cTn>
+                                        <p:tgtEl>
+                                          <p:spTgt spid="3">
+                                            <p:txEl>
+                                              <p:pRg st="3" end="3"/>
+                                            </p:txEl>
+                                          </p:spTgt>
+                                        </p:tgtEl>
+                                        <p:attrNameLst>
+                                          <p:attrName>style.visibility</p:attrName>
+                                        </p:attrNameLst>
+                                      </p:cBhvr>
+                                      <p:to>
+                                        <p:strVal val="visible"/>
+                                      </p:to>
+                                    </p:set>
+                                  </p:childTnLst>
+                                </p:cTn>
+                              </p:par>
+                            </p:childTnLst>
+                          </p:cTn>
+                        </p:par>
+                      </p:childTnLst>
+                    </p:cTn>
+                  </p:par>
+                  <p:par>
+                    <p:cTn id="15" fill="hold">
+                      <p:stCondLst>
+                        <p:cond delay="indefinite"/>
+                      </p:stCondLst>
+                      <p:childTnLst>
+                        <p:par>
+                          <p:cTn id="16" fill="hold">
+                            <p:stCondLst>
+                              <p:cond delay="0"/>
+                            </p:stCondLst>
+                            <p:childTnLst>
+                              <p:par>
+                                <p:cTn id="17" presetID="1" presetClass="entr" presetSubtype="0" fill="hold" nodeType="clickEffect">
+                                  <p:stCondLst>
+                                    <p:cond delay="0"/>
+                                  </p:stCondLst>
+                                  <p:childTnLst>
+                                    <p:set>
+                                      <p:cBhvr>
+                                        <p:cTn id="18" dur="1" fill="hold">
+                                          <p:stCondLst>
+                                            <p:cond delay="0"/>
+                                          </p:stCondLst>
+                                        </p:cTn>
+                                        <p:tgtEl>
+                                          <p:spTgt spid="4">
+                                            <p:txEl>
+                                              <p:pRg st="0" end="0"/>
+                                            </p:txEl>
+                                          </p:spTgt>
+                                        </p:tgtEl>
+                                        <p:attrNameLst>
+                                          <p:attrName>style.visibility</p:attrName>
+                                        </p:attrNameLst>
+                                      </p:cBhvr>
+                                      <p:to>
+                                        <p:strVal val="visible"/>
+                                      </p:to>
+                                    </p:set>
+                                  </p:childTnLst>
+                                </p:cTn>
+                              </p:par>
+                              <p:par>
+                                <p:cTn id="19" presetID="1" presetClass="entr" presetSubtype="0" fill="hold" nodeType="withEffect">
+                                  <p:stCondLst>
+                                    <p:cond delay="0"/>
+                                  </p:stCondLst>
+                                  <p:childTnLst>
+                                    <p:set>
+                                      <p:cBhvr>
+                                        <p:cTn id="20" dur="1" fill="hold">
+                                          <p:stCondLst>
+                                            <p:cond delay="0"/>
+                                          </p:stCondLst>
+                                        </p:cTn>
+                                        <p:tgtEl>
+                                          <p:spTgt spid="4">
+                                            <p:txEl>
+                                              <p:pRg st="1" end="1"/>
+                                            </p:txEl>
+                                          </p:spTgt>
+                                        </p:tgtEl>
+                                        <p:attrNameLst>
+                                          <p:attrName>style.visibility</p:attrName>
+                                        </p:attrNameLst>
+                                      </p:cBhvr>
+                                      <p:to>
+                                        <p:strVal val="visible"/>
+                                      </p:to>
+                                    </p:set>
+                                  </p:childTnLst>
+                                </p:cTn>
+                              </p:par>
+                              <p:par>
+                                <p:cTn id="21" presetID="1" presetClass="entr" presetSubtype="0" fill="hold" nodeType="withEffect">
+                                  <p:stCondLst>
+                                    <p:cond delay="0"/>
+                                  </p:stCondLst>
+                                  <p:childTnLst>
+                                    <p:set>
+                                      <p:cBhvr>
+                                        <p:cTn id="22" dur="1" fill="hold">
+                                          <p:stCondLst>
+                                            <p:cond delay="0"/>
+                                          </p:stCondLst>
+                                        </p:cTn>
+                                        <p:tgtEl>
+                                          <p:spTgt spid="4">
+                                            <p:txEl>
+                                              <p:pRg st="2" end="2"/>
+                                            </p:txEl>
+                                          </p:spTgt>
+                                        </p:tgtEl>
+                                        <p:attrNameLst>
+                                          <p:attrName>style.visibility</p:attrName>
+                                        </p:attrNameLst>
+                                      </p:cBhvr>
+                                      <p:to>
+                                        <p:strVal val="visible"/>
+                                      </p:to>
+                                    </p:set>
+                                  </p:childTnLst>
+                                </p:cTn>
+                              </p:par>
+                              <p:par>
+                                <p:cTn id="23" presetID="1" presetClass="entr" presetSubtype="0" fill="hold" nodeType="withEffect">
+                                  <p:stCondLst>
+                                    <p:cond delay="0"/>
+                                  </p:stCondLst>
+                                  <p:childTnLst>
+                                    <p:set>
+                                      <p:cBhvr>
+                                        <p:cTn id="24" dur="1" fill="hold">
+                                          <p:stCondLst>
+                                            <p:cond delay="0"/>
+                                          </p:stCondLst>
+                                        </p:cTn>
+                                        <p:tgtEl>
+                                          <p:spTgt spid="4">
+                                            <p:txEl>
+                                              <p:pRg st="3" end="3"/>
+                                            </p:txEl>
+                                          </p:spTgt>
+                                        </p:tgtEl>
+                                        <p:attrNameLst>
+                                          <p:attrName>style.visibility</p:attrName>
+                                        </p:attrNameLst>
+                                      </p:cBhvr>
+                                      <p:to>
+                                        <p:strVal val="visible"/>
+                                      </p:to>
+                                    </p:set>
+                                  </p:childTnLst>
+                                </p:cTn>
+                              </p:par>
+                              <p:par>
+                                <p:cTn id="25" presetID="1" presetClass="entr" presetSubtype="0" fill="hold" nodeType="withEffect">
+                                  <p:stCondLst>
+                                    <p:cond delay="0"/>
+                                  </p:stCondLst>
+                                  <p:childTnLst>
+                                    <p:set>
+                                      <p:cBhvr>
+                                        <p:cTn id="26" dur="1" fill="hold">
+                                          <p:stCondLst>
+                                            <p:cond delay="0"/>
+                                          </p:stCondLst>
+                                        </p:cTn>
+                                        <p:tgtEl>
+                                          <p:spTgt spid="4">
+                                            <p:txEl>
+                                              <p:pRg st="4" end="4"/>
+                                            </p:txEl>
+                                          </p:spTgt>
+                                        </p:tgtEl>
+                                        <p:attrNameLst>
+                                          <p:attrName>style.visibility</p:attrName>
+                                        </p:attrNameLst>
+                                      </p:cBhvr>
+                                      <p:to>
+                                        <p:strVal val="visible"/>
+                                      </p:to>
+                                    </p:set>
+                                  </p:childTnLst>
+                                </p:cTn>
+                              </p:par>
+                              <p:par>
+                                <p:cTn id="27" presetID="1" presetClass="entr" presetSubtype="0" fill="hold" nodeType="withEffect">
+                                  <p:stCondLst>
+                                    <p:cond delay="0"/>
+                                  </p:stCondLst>
+                                  <p:childTnLst>
+                                    <p:set>
+                                      <p:cBhvr>
+                                        <p:cTn id="28" dur="1" fill="hold">
+                                          <p:stCondLst>
+                                            <p:cond delay="0"/>
+                                          </p:stCondLst>
+                                        </p:cTn>
+                                        <p:tgtEl>
+                                          <p:spTgt spid="4">
+                                            <p:txEl>
+                                              <p:pRg st="5" end="5"/>
+                                            </p:txEl>
+                                          </p:spTgt>
+                                        </p:tgtEl>
+                                        <p:attrNameLst>
+                                          <p:attrName>style.visibility</p:attrName>
+                                        </p:attrNameLst>
+                                      </p:cBhvr>
+                                      <p:to>
+                                        <p:strVal val="visible"/>
+                                      </p:to>
+                                    </p:set>
+                                  </p:childTnLst>
+                                </p:cTn>
+                              </p:par>
+                              <p:par>
+                                <p:cTn id="29" presetID="1" presetClass="entr" presetSubtype="0" fill="hold" nodeType="withEffect">
+                                  <p:stCondLst>
+                                    <p:cond delay="0"/>
+                                  </p:stCondLst>
+                                  <p:childTnLst>
+                                    <p:set>
+                                      <p:cBhvr>
+                                        <p:cTn id="30" dur="1" fill="hold">
+                                          <p:stCondLst>
+                                            <p:cond delay="0"/>
+                                          </p:stCondLst>
+                                        </p:cTn>
+                                        <p:tgtEl>
+                                          <p:spTgt spid="4">
+                                            <p:txEl>
+                                              <p:pRg st="6" end="6"/>
+                                            </p:txEl>
+                                          </p:spTgt>
+                                        </p:tgtEl>
+                                        <p:attrNameLst>
+                                          <p:attrName>style.visibility</p:attrName>
+                                        </p:attrNameLst>
+                                      </p:cBhvr>
+                                      <p:to>
+                                        <p:strVal val="visible"/>
+                                      </p:to>
+                                    </p:set>
+                                  </p:childTnLst>
+                                </p:cTn>
+                              </p:par>
+                              <p:par>
+                                <p:cTn id="31" presetID="1" presetClass="entr" presetSubtype="0" fill="hold" nodeType="withEffect">
+                                  <p:stCondLst>
+                                    <p:cond delay="0"/>
+                                  </p:stCondLst>
+                                  <p:childTnLst>
+                                    <p:set>
+                                      <p:cBhvr>
+                                        <p:cTn id="32" dur="1" fill="hold">
+                                          <p:stCondLst>
+                                            <p:cond delay="0"/>
+                                          </p:stCondLst>
+                                        </p:cTn>
+                                        <p:tgtEl>
+                                          <p:spTgt spid="4">
+                                            <p:txEl>
+                                              <p:pRg st="7" end="7"/>
+                                            </p:txEl>
+                                          </p:spTgt>
+                                        </p:tgtEl>
+                                        <p:attrNameLst>
+                                          <p:attrName>style.visibility</p:attrName>
+                                        </p:attrNameLst>
+                                      </p:cBhvr>
+                                      <p:to>
+                                        <p:strVal val="visible"/>
+                                      </p:to>
+                                    </p:set>
+                                  </p:childTnLst>
+                                </p:cTn>
+                              </p:par>
+                              <p:par>
+                                <p:cTn id="33" presetID="1" presetClass="entr" presetSubtype="0" fill="hold" nodeType="withEffect">
+                                  <p:stCondLst>
+                                    <p:cond delay="0"/>
+                                  </p:stCondLst>
+                                  <p:childTnLst>
+                                    <p:set>
+                                      <p:cBhvr>
+                                        <p:cTn id="34" dur="1" fill="hold">
+                                          <p:stCondLst>
+                                            <p:cond delay="0"/>
+                                          </p:stCondLst>
+                                        </p:cTn>
+                                        <p:tgtEl>
+                                          <p:spTgt spid="4">
+                                            <p:txEl>
+                                              <p:pRg st="8" end="8"/>
+                                            </p:txEl>
+                                          </p:spTgt>
+                                        </p:tgtEl>
+                                        <p:attrNameLst>
+                                          <p:attrName>style.visibility</p:attrName>
+                                        </p:attrNameLst>
+                                      </p:cBhvr>
+                                      <p:to>
+                                        <p:strVal val="visible"/>
+                                      </p:to>
+                                    </p:set>
+                                  </p:childTnLst>
+                                </p:cTn>
+                              </p:par>
+                              <p:par>
+                                <p:cTn id="35" presetID="1" presetClass="entr" presetSubtype="0" fill="hold" nodeType="withEffect">
+                                  <p:stCondLst>
+                                    <p:cond delay="0"/>
+                                  </p:stCondLst>
+                                  <p:childTnLst>
+                                    <p:set>
+                                      <p:cBhvr>
+                                        <p:cTn id="36" dur="1" fill="hold">
+                                          <p:stCondLst>
+                                            <p:cond delay="0"/>
+                                          </p:stCondLst>
+                                        </p:cTn>
+                                        <p:tgtEl>
+                                          <p:spTgt spid="4">
+                                            <p:txEl>
+                                              <p:pRg st="9" end="9"/>
+                                            </p:txEl>
+                                          </p:spTgt>
+                                        </p:tgtEl>
+                                        <p:attrNameLst>
+                                          <p:attrName>style.visibility</p:attrName>
+                                        </p:attrNameLst>
+                                      </p:cBhvr>
+                                      <p:to>
+                                        <p:strVal val="visible"/>
+                                      </p:to>
+                                    </p:set>
+                                  </p:childTnLst>
+                                </p:cTn>
+                              </p:par>
+                            </p:childTnLst>
+                          </p:cTn>
+                        </p:par>
+                      </p:childTnLst>
+                    </p:cTn>
+                  </p:par>
+                </p:childTnLst>
+              </p:cTn>
+              <p:prevCondLst>
+                <p:cond evt="onPrev" delay="0">
+                  <p:tgtEl>
+                    <p:sldTgt/>
+                  </p:tgtEl>
+                </p:cond>
+              </p:prevCondLst>
+              <p:nextCondLst>
+                <p:cond evt="onNext" delay="0">
+                  <p:tgtEl>
+                    <p:sldTgt/>
+                  </p:tgtEl>
+                </p:cond>
+              </p:nextCondLst>
+            </p:seq>
+          </p:childTnLst>
+        </p:cTn>
+      </p:par>
+    </p:tnLst>
+    <p:bldLst>
+      <p:bldP spid="3" grpId="0" build="p"/>
+    </p:bldLst>
+  </p:timing>
+</p:sld>
+</file>
+
+<file path=ppt/slides/slide30.xml><?xml version="1.0" encoding="utf-8"?>
 <p:sld xmlns:a="http://schemas.openxmlformats.org/drawingml/2006/main" xmlns:r="http://schemas.openxmlformats.org/officeDocument/2006/relationships" xmlns:p="http://schemas.openxmlformats.org/presentationml/2006/main">
   <p:cSld>
     <p:spTree>
@@ -21109,421 +22216,7 @@
 </p:sld>
 </file>
 
-<file path=ppt/slides/slide3.xml><?xml version="1.0" encoding="utf-8"?>
-<p:sld xmlns:a="http://schemas.openxmlformats.org/drawingml/2006/main" xmlns:r="http://schemas.openxmlformats.org/officeDocument/2006/relationships" xmlns:p="http://schemas.openxmlformats.org/presentationml/2006/main">
-  <p:cSld>
-    <p:spTree>
-      <p:nvGrpSpPr>
-        <p:cNvPr id="1" name=""/>
-        <p:cNvGrpSpPr/>
-        <p:nvPr/>
-      </p:nvGrpSpPr>
-      <p:grpSpPr>
-        <a:xfrm>
-          <a:off x="0" y="0"/>
-          <a:ext cx="0" cy="0"/>
-          <a:chOff x="0" y="0"/>
-          <a:chExt cx="0" cy="0"/>
-        </a:xfrm>
-      </p:grpSpPr>
-      <p:sp>
-        <p:nvSpPr>
-          <p:cNvPr id="2" name="Title 1">
-            <a:extLst>
-              <a:ext uri="{FF2B5EF4-FFF2-40B4-BE49-F238E27FC236}">
-                <a16:creationId xmlns:a16="http://schemas.microsoft.com/office/drawing/2014/main" id="{9B3A8FAC-6359-EA7A-2CB1-DF9B291CF0FE}"/>
-              </a:ext>
-            </a:extLst>
-          </p:cNvPr>
-          <p:cNvSpPr>
-            <a:spLocks noGrp="1"/>
-          </p:cNvSpPr>
-          <p:nvPr>
-            <p:ph type="title"/>
-          </p:nvPr>
-        </p:nvSpPr>
-        <p:spPr/>
-        <p:txBody>
-          <a:bodyPr/>
-          <a:lstStyle/>
-          <a:p>
-            <a:r>
-              <a:rPr lang="en-US" dirty="0"/>
-              <a:t>Thread builder</a:t>
-            </a:r>
-            <a:endParaRPr lang="ru-RU" dirty="0"/>
-          </a:p>
-        </p:txBody>
-      </p:sp>
-      <p:sp>
-        <p:nvSpPr>
-          <p:cNvPr id="5" name="Content Placeholder 4">
-            <a:extLst>
-              <a:ext uri="{FF2B5EF4-FFF2-40B4-BE49-F238E27FC236}">
-                <a16:creationId xmlns:a16="http://schemas.microsoft.com/office/drawing/2014/main" id="{EBE28FD9-DE3B-C43D-1AE9-EA7E5401D532}"/>
-              </a:ext>
-            </a:extLst>
-          </p:cNvPr>
-          <p:cNvSpPr>
-            <a:spLocks noGrp="1"/>
-          </p:cNvSpPr>
-          <p:nvPr>
-            <p:ph idx="1"/>
-          </p:nvPr>
-        </p:nvSpPr>
-        <p:spPr/>
-        <p:txBody>
-          <a:bodyPr/>
-          <a:lstStyle/>
-          <a:p>
-            <a:pPr marL="0" indent="0">
-              <a:buNone/>
-            </a:pPr>
-            <a:r>
-              <a:rPr lang="en-US" dirty="0">
-                <a:solidFill>
-                  <a:srgbClr val="000000"/>
-                </a:solidFill>
-                <a:effectLst/>
-                <a:latin typeface="JetBrains Mono"/>
-              </a:rPr>
-              <a:t>thread</a:t>
-            </a:r>
-            <a:r>
-              <a:rPr lang="en-US" dirty="0">
-                <a:solidFill>
-                  <a:srgbClr val="080808"/>
-                </a:solidFill>
-                <a:effectLst/>
-                <a:latin typeface="JetBrains Mono"/>
-              </a:rPr>
-              <a:t>::</a:t>
-            </a:r>
-            <a:r>
-              <a:rPr lang="en-US" dirty="0">
-                <a:solidFill>
-                  <a:srgbClr val="000000"/>
-                </a:solidFill>
-                <a:effectLst/>
-                <a:latin typeface="JetBrains Mono"/>
-              </a:rPr>
-              <a:t>Builder</a:t>
-            </a:r>
-            <a:r>
-              <a:rPr lang="en-US" dirty="0">
-                <a:solidFill>
-                  <a:srgbClr val="080808"/>
-                </a:solidFill>
-                <a:effectLst/>
-                <a:latin typeface="JetBrains Mono"/>
-              </a:rPr>
-              <a:t>::</a:t>
-            </a:r>
-            <a:r>
-              <a:rPr lang="en-US" i="1" dirty="0">
-                <a:solidFill>
-                  <a:srgbClr val="00627A"/>
-                </a:solidFill>
-                <a:effectLst/>
-                <a:latin typeface="JetBrains Mono"/>
-              </a:rPr>
-              <a:t>new</a:t>
-            </a:r>
-            <a:r>
-              <a:rPr lang="en-US" dirty="0">
-                <a:solidFill>
-                  <a:srgbClr val="080808"/>
-                </a:solidFill>
-                <a:effectLst/>
-                <a:latin typeface="JetBrains Mono"/>
-              </a:rPr>
-              <a:t>()</a:t>
-            </a:r>
-            <a:br>
-              <a:rPr lang="en-US" dirty="0">
-                <a:solidFill>
-                  <a:srgbClr val="080808"/>
-                </a:solidFill>
-                <a:effectLst/>
-                <a:latin typeface="JetBrains Mono"/>
-              </a:rPr>
-            </a:br>
-            <a:r>
-              <a:rPr lang="en-US" dirty="0">
-                <a:solidFill>
-                  <a:srgbClr val="080808"/>
-                </a:solidFill>
-                <a:effectLst/>
-                <a:latin typeface="JetBrains Mono"/>
-              </a:rPr>
-              <a:t>    .name(</a:t>
-            </a:r>
-            <a:r>
-              <a:rPr lang="en-US" dirty="0">
-                <a:solidFill>
-                  <a:srgbClr val="000000"/>
-                </a:solidFill>
-                <a:effectLst/>
-                <a:latin typeface="JetBrains Mono"/>
-              </a:rPr>
-              <a:t>String</a:t>
-            </a:r>
-            <a:r>
-              <a:rPr lang="en-US" dirty="0">
-                <a:solidFill>
-                  <a:srgbClr val="080808"/>
-                </a:solidFill>
-                <a:effectLst/>
-                <a:latin typeface="JetBrains Mono"/>
-              </a:rPr>
-              <a:t>::</a:t>
-            </a:r>
-            <a:r>
-              <a:rPr lang="en-US" i="1" dirty="0">
-                <a:solidFill>
-                  <a:srgbClr val="00627A"/>
-                </a:solidFill>
-                <a:effectLst/>
-                <a:latin typeface="JetBrains Mono"/>
-              </a:rPr>
-              <a:t>from</a:t>
-            </a:r>
-            <a:r>
-              <a:rPr lang="en-US" dirty="0">
-                <a:solidFill>
-                  <a:srgbClr val="080808"/>
-                </a:solidFill>
-                <a:effectLst/>
-                <a:latin typeface="JetBrains Mono"/>
-              </a:rPr>
-              <a:t>(</a:t>
-            </a:r>
-            <a:r>
-              <a:rPr lang="en-US" dirty="0">
-                <a:solidFill>
-                  <a:srgbClr val="067D17"/>
-                </a:solidFill>
-                <a:effectLst/>
-                <a:latin typeface="JetBrains Mono"/>
-              </a:rPr>
-              <a:t>"My Thread"</a:t>
-            </a:r>
-            <a:r>
-              <a:rPr lang="en-US" dirty="0">
-                <a:solidFill>
-                  <a:srgbClr val="080808"/>
-                </a:solidFill>
-                <a:effectLst/>
-                <a:latin typeface="JetBrains Mono"/>
-              </a:rPr>
-              <a:t>))</a:t>
-            </a:r>
-            <a:br>
-              <a:rPr lang="en-US" dirty="0">
-                <a:solidFill>
-                  <a:srgbClr val="080808"/>
-                </a:solidFill>
-                <a:effectLst/>
-                <a:latin typeface="JetBrains Mono"/>
-              </a:rPr>
-            </a:br>
-            <a:r>
-              <a:rPr lang="en-US" dirty="0">
-                <a:solidFill>
-                  <a:srgbClr val="080808"/>
-                </a:solidFill>
-                <a:effectLst/>
-                <a:latin typeface="JetBrains Mono"/>
-              </a:rPr>
-              <a:t>    .</a:t>
-            </a:r>
-            <a:r>
-              <a:rPr lang="en-US" dirty="0" err="1">
-                <a:solidFill>
-                  <a:srgbClr val="080808"/>
-                </a:solidFill>
-                <a:effectLst/>
-                <a:latin typeface="JetBrains Mono"/>
-              </a:rPr>
-              <a:t>stack_size</a:t>
-            </a:r>
-            <a:r>
-              <a:rPr lang="en-US" dirty="0">
-                <a:solidFill>
-                  <a:srgbClr val="080808"/>
-                </a:solidFill>
-                <a:effectLst/>
-                <a:latin typeface="JetBrains Mono"/>
-              </a:rPr>
-              <a:t>(</a:t>
-            </a:r>
-            <a:r>
-              <a:rPr lang="en-US" dirty="0">
-                <a:solidFill>
-                  <a:srgbClr val="1750EB"/>
-                </a:solidFill>
-                <a:effectLst/>
-                <a:latin typeface="JetBrains Mono"/>
-              </a:rPr>
-              <a:t>32 </a:t>
-            </a:r>
-            <a:r>
-              <a:rPr lang="en-US" dirty="0">
-                <a:solidFill>
-                  <a:srgbClr val="080808"/>
-                </a:solidFill>
-                <a:effectLst/>
-                <a:latin typeface="JetBrains Mono"/>
-              </a:rPr>
-              <a:t>* </a:t>
-            </a:r>
-            <a:r>
-              <a:rPr lang="en-US" dirty="0">
-                <a:solidFill>
-                  <a:srgbClr val="1750EB"/>
-                </a:solidFill>
-                <a:effectLst/>
-                <a:latin typeface="JetBrains Mono"/>
-              </a:rPr>
-              <a:t>1024</a:t>
-            </a:r>
-            <a:r>
-              <a:rPr lang="en-US" dirty="0">
-                <a:solidFill>
-                  <a:srgbClr val="080808"/>
-                </a:solidFill>
-                <a:effectLst/>
-                <a:latin typeface="JetBrains Mono"/>
-              </a:rPr>
-              <a:t>)</a:t>
-            </a:r>
-            <a:br>
-              <a:rPr lang="en-US" dirty="0">
-                <a:solidFill>
-                  <a:srgbClr val="080808"/>
-                </a:solidFill>
-                <a:effectLst/>
-                <a:latin typeface="JetBrains Mono"/>
-              </a:rPr>
-            </a:br>
-            <a:r>
-              <a:rPr lang="en-US" dirty="0">
-                <a:solidFill>
-                  <a:srgbClr val="080808"/>
-                </a:solidFill>
-                <a:effectLst/>
-                <a:latin typeface="JetBrains Mono"/>
-              </a:rPr>
-              <a:t>    .spawn(|| {</a:t>
-            </a:r>
-            <a:br>
-              <a:rPr lang="en-US" dirty="0">
-                <a:solidFill>
-                  <a:srgbClr val="080808"/>
-                </a:solidFill>
-                <a:effectLst/>
-                <a:latin typeface="JetBrains Mono"/>
-              </a:rPr>
-            </a:br>
-            <a:r>
-              <a:rPr lang="en-US" dirty="0">
-                <a:solidFill>
-                  <a:srgbClr val="080808"/>
-                </a:solidFill>
-                <a:effectLst/>
-                <a:latin typeface="JetBrains Mono"/>
-              </a:rPr>
-              <a:t>        </a:t>
-            </a:r>
-            <a:r>
-              <a:rPr lang="en-US" dirty="0" err="1">
-                <a:solidFill>
-                  <a:srgbClr val="DD6718"/>
-                </a:solidFill>
-                <a:effectLst/>
-                <a:latin typeface="JetBrains Mono"/>
-              </a:rPr>
-              <a:t>println</a:t>
-            </a:r>
-            <a:r>
-              <a:rPr lang="en-US" dirty="0">
-                <a:solidFill>
-                  <a:srgbClr val="DD6718"/>
-                </a:solidFill>
-                <a:effectLst/>
-                <a:latin typeface="JetBrains Mono"/>
-              </a:rPr>
-              <a:t>!</a:t>
-            </a:r>
-            <a:r>
-              <a:rPr lang="en-US" dirty="0">
-                <a:solidFill>
-                  <a:srgbClr val="080808"/>
-                </a:solidFill>
-                <a:effectLst/>
-                <a:latin typeface="JetBrains Mono"/>
-              </a:rPr>
-              <a:t>(</a:t>
-            </a:r>
-            <a:r>
-              <a:rPr lang="en-US" dirty="0">
-                <a:solidFill>
-                  <a:srgbClr val="067D17"/>
-                </a:solidFill>
-                <a:effectLst/>
-                <a:latin typeface="JetBrains Mono"/>
-              </a:rPr>
-              <a:t>"Hello World"</a:t>
-            </a:r>
-            <a:r>
-              <a:rPr lang="en-US" dirty="0">
-                <a:solidFill>
-                  <a:srgbClr val="080808"/>
-                </a:solidFill>
-                <a:effectLst/>
-                <a:latin typeface="JetBrains Mono"/>
-              </a:rPr>
-              <a:t>)</a:t>
-            </a:r>
-            <a:br>
-              <a:rPr lang="en-US" dirty="0">
-                <a:solidFill>
-                  <a:srgbClr val="080808"/>
-                </a:solidFill>
-                <a:effectLst/>
-                <a:latin typeface="JetBrains Mono"/>
-              </a:rPr>
-            </a:br>
-            <a:r>
-              <a:rPr lang="en-US" dirty="0">
-                <a:solidFill>
-                  <a:srgbClr val="080808"/>
-                </a:solidFill>
-                <a:effectLst/>
-                <a:latin typeface="JetBrains Mono"/>
-              </a:rPr>
-              <a:t>    });</a:t>
-            </a:r>
-          </a:p>
-          <a:p>
-            <a:endParaRPr lang="ru-RU" dirty="0"/>
-          </a:p>
-        </p:txBody>
-      </p:sp>
-    </p:spTree>
-    <p:extLst>
-      <p:ext uri="{BB962C8B-B14F-4D97-AF65-F5344CB8AC3E}">
-        <p14:creationId xmlns:p14="http://schemas.microsoft.com/office/powerpoint/2010/main" val="2000590177"/>
-      </p:ext>
-    </p:extLst>
-  </p:cSld>
-  <p:clrMapOvr>
-    <a:masterClrMapping/>
-  </p:clrMapOvr>
-</p:sld>
-</file>
-
-<file path=ppt/slides/slide30.xml><?xml version="1.0" encoding="utf-8"?>
+<file path=ppt/slides/slide31.xml><?xml version="1.0" encoding="utf-8"?>
 <p:sld xmlns:a="http://schemas.openxmlformats.org/drawingml/2006/main" xmlns:r="http://schemas.openxmlformats.org/officeDocument/2006/relationships" xmlns:p="http://schemas.openxmlformats.org/presentationml/2006/main">
   <p:cSld>
     <p:spTree>
@@ -23221,7 +23914,7 @@
 </p:sld>
 </file>
 
-<file path=ppt/slides/slide31.xml><?xml version="1.0" encoding="utf-8"?>
+<file path=ppt/slides/slide32.xml><?xml version="1.0" encoding="utf-8"?>
 <p:sld xmlns:a="http://schemas.openxmlformats.org/drawingml/2006/main" xmlns:r="http://schemas.openxmlformats.org/officeDocument/2006/relationships" xmlns:p="http://schemas.openxmlformats.org/presentationml/2006/main">
   <p:cSld>
     <p:spTree>
@@ -23656,7 +24349,7 @@
 </p:sld>
 </file>
 
-<file path=ppt/slides/slide32.xml><?xml version="1.0" encoding="utf-8"?>
+<file path=ppt/slides/slide33.xml><?xml version="1.0" encoding="utf-8"?>
 <p:sld xmlns:a="http://schemas.openxmlformats.org/drawingml/2006/main" xmlns:r="http://schemas.openxmlformats.org/officeDocument/2006/relationships" xmlns:p="http://schemas.openxmlformats.org/presentationml/2006/main">
   <p:cSld>
     <p:spTree>
@@ -25152,7 +25845,7 @@
 </p:sld>
 </file>
 
-<file path=ppt/slides/slide33.xml><?xml version="1.0" encoding="utf-8"?>
+<file path=ppt/slides/slide34.xml><?xml version="1.0" encoding="utf-8"?>
 <p:sld xmlns:a="http://schemas.openxmlformats.org/drawingml/2006/main" xmlns:r="http://schemas.openxmlformats.org/officeDocument/2006/relationships" xmlns:p="http://schemas.openxmlformats.org/presentationml/2006/main">
   <p:cSld>
     <p:spTree>
@@ -25260,7 +25953,7 @@
 </p:sld>
 </file>
 
-<file path=ppt/slides/slide34.xml><?xml version="1.0" encoding="utf-8"?>
+<file path=ppt/slides/slide35.xml><?xml version="1.0" encoding="utf-8"?>
 <p:sld xmlns:a="http://schemas.openxmlformats.org/drawingml/2006/main" xmlns:r="http://schemas.openxmlformats.org/officeDocument/2006/relationships" xmlns:p="http://schemas.openxmlformats.org/presentationml/2006/main">
   <p:cSld>
     <p:spTree>
@@ -26510,7 +27203,7 @@
 </p:sld>
 </file>
 
-<file path=ppt/slides/slide35.xml><?xml version="1.0" encoding="utf-8"?>
+<file path=ppt/slides/slide36.xml><?xml version="1.0" encoding="utf-8"?>
 <p:sld xmlns:a="http://schemas.openxmlformats.org/drawingml/2006/main" xmlns:r="http://schemas.openxmlformats.org/officeDocument/2006/relationships" xmlns:p="http://schemas.openxmlformats.org/presentationml/2006/main">
   <p:cSld>
     <p:spTree>
@@ -27002,7 +27695,7 @@
 </p:sld>
 </file>
 
-<file path=ppt/slides/slide36.xml><?xml version="1.0" encoding="utf-8"?>
+<file path=ppt/slides/slide37.xml><?xml version="1.0" encoding="utf-8"?>
 <p:sld xmlns:a="http://schemas.openxmlformats.org/drawingml/2006/main" xmlns:r="http://schemas.openxmlformats.org/officeDocument/2006/relationships" xmlns:p="http://schemas.openxmlformats.org/presentationml/2006/main">
   <p:cSld>
     <p:spTree>
@@ -27716,7 +28409,7 @@
 </p:sld>
 </file>
 
-<file path=ppt/slides/slide37.xml><?xml version="1.0" encoding="utf-8"?>
+<file path=ppt/slides/slide38.xml><?xml version="1.0" encoding="utf-8"?>
 <p:sld xmlns:a="http://schemas.openxmlformats.org/drawingml/2006/main" xmlns:r="http://schemas.openxmlformats.org/officeDocument/2006/relationships" xmlns:p="http://schemas.openxmlformats.org/presentationml/2006/main">
   <p:cSld>
     <p:spTree>
@@ -29065,7 +29758,7 @@
 </p:sld>
 </file>
 
-<file path=ppt/slides/slide38.xml><?xml version="1.0" encoding="utf-8"?>
+<file path=ppt/slides/slide39.xml><?xml version="1.0" encoding="utf-8"?>
 <p:sld xmlns:a="http://schemas.openxmlformats.org/drawingml/2006/main" xmlns:r="http://schemas.openxmlformats.org/officeDocument/2006/relationships" xmlns:p="http://schemas.openxmlformats.org/presentationml/2006/main">
   <p:cSld>
     <p:spTree>
@@ -29166,7 +29859,421 @@
 </p:sld>
 </file>
 
-<file path=ppt/slides/slide39.xml><?xml version="1.0" encoding="utf-8"?>
+<file path=ppt/slides/slide4.xml><?xml version="1.0" encoding="utf-8"?>
+<p:sld xmlns:a="http://schemas.openxmlformats.org/drawingml/2006/main" xmlns:r="http://schemas.openxmlformats.org/officeDocument/2006/relationships" xmlns:p="http://schemas.openxmlformats.org/presentationml/2006/main">
+  <p:cSld>
+    <p:spTree>
+      <p:nvGrpSpPr>
+        <p:cNvPr id="1" name=""/>
+        <p:cNvGrpSpPr/>
+        <p:nvPr/>
+      </p:nvGrpSpPr>
+      <p:grpSpPr>
+        <a:xfrm>
+          <a:off x="0" y="0"/>
+          <a:ext cx="0" cy="0"/>
+          <a:chOff x="0" y="0"/>
+          <a:chExt cx="0" cy="0"/>
+        </a:xfrm>
+      </p:grpSpPr>
+      <p:sp>
+        <p:nvSpPr>
+          <p:cNvPr id="2" name="Title 1">
+            <a:extLst>
+              <a:ext uri="{FF2B5EF4-FFF2-40B4-BE49-F238E27FC236}">
+                <a16:creationId xmlns:a16="http://schemas.microsoft.com/office/drawing/2014/main" id="{9B3A8FAC-6359-EA7A-2CB1-DF9B291CF0FE}"/>
+              </a:ext>
+            </a:extLst>
+          </p:cNvPr>
+          <p:cNvSpPr>
+            <a:spLocks noGrp="1"/>
+          </p:cNvSpPr>
+          <p:nvPr>
+            <p:ph type="title"/>
+          </p:nvPr>
+        </p:nvSpPr>
+        <p:spPr/>
+        <p:txBody>
+          <a:bodyPr/>
+          <a:lstStyle/>
+          <a:p>
+            <a:r>
+              <a:rPr lang="en-US" dirty="0"/>
+              <a:t>Thread builder</a:t>
+            </a:r>
+            <a:endParaRPr lang="ru-RU" dirty="0"/>
+          </a:p>
+        </p:txBody>
+      </p:sp>
+      <p:sp>
+        <p:nvSpPr>
+          <p:cNvPr id="5" name="Content Placeholder 4">
+            <a:extLst>
+              <a:ext uri="{FF2B5EF4-FFF2-40B4-BE49-F238E27FC236}">
+                <a16:creationId xmlns:a16="http://schemas.microsoft.com/office/drawing/2014/main" id="{EBE28FD9-DE3B-C43D-1AE9-EA7E5401D532}"/>
+              </a:ext>
+            </a:extLst>
+          </p:cNvPr>
+          <p:cNvSpPr>
+            <a:spLocks noGrp="1"/>
+          </p:cNvSpPr>
+          <p:nvPr>
+            <p:ph idx="1"/>
+          </p:nvPr>
+        </p:nvSpPr>
+        <p:spPr/>
+        <p:txBody>
+          <a:bodyPr/>
+          <a:lstStyle/>
+          <a:p>
+            <a:pPr marL="0" indent="0">
+              <a:buNone/>
+            </a:pPr>
+            <a:r>
+              <a:rPr lang="en-US" dirty="0">
+                <a:solidFill>
+                  <a:srgbClr val="000000"/>
+                </a:solidFill>
+                <a:effectLst/>
+                <a:latin typeface="JetBrains Mono"/>
+              </a:rPr>
+              <a:t>thread</a:t>
+            </a:r>
+            <a:r>
+              <a:rPr lang="en-US" dirty="0">
+                <a:solidFill>
+                  <a:srgbClr val="080808"/>
+                </a:solidFill>
+                <a:effectLst/>
+                <a:latin typeface="JetBrains Mono"/>
+              </a:rPr>
+              <a:t>::</a:t>
+            </a:r>
+            <a:r>
+              <a:rPr lang="en-US" dirty="0">
+                <a:solidFill>
+                  <a:srgbClr val="000000"/>
+                </a:solidFill>
+                <a:effectLst/>
+                <a:latin typeface="JetBrains Mono"/>
+              </a:rPr>
+              <a:t>Builder</a:t>
+            </a:r>
+            <a:r>
+              <a:rPr lang="en-US" dirty="0">
+                <a:solidFill>
+                  <a:srgbClr val="080808"/>
+                </a:solidFill>
+                <a:effectLst/>
+                <a:latin typeface="JetBrains Mono"/>
+              </a:rPr>
+              <a:t>::</a:t>
+            </a:r>
+            <a:r>
+              <a:rPr lang="en-US" i="1" dirty="0">
+                <a:solidFill>
+                  <a:srgbClr val="00627A"/>
+                </a:solidFill>
+                <a:effectLst/>
+                <a:latin typeface="JetBrains Mono"/>
+              </a:rPr>
+              <a:t>new</a:t>
+            </a:r>
+            <a:r>
+              <a:rPr lang="en-US" dirty="0">
+                <a:solidFill>
+                  <a:srgbClr val="080808"/>
+                </a:solidFill>
+                <a:effectLst/>
+                <a:latin typeface="JetBrains Mono"/>
+              </a:rPr>
+              <a:t>()</a:t>
+            </a:r>
+            <a:br>
+              <a:rPr lang="en-US" dirty="0">
+                <a:solidFill>
+                  <a:srgbClr val="080808"/>
+                </a:solidFill>
+                <a:effectLst/>
+                <a:latin typeface="JetBrains Mono"/>
+              </a:rPr>
+            </a:br>
+            <a:r>
+              <a:rPr lang="en-US" dirty="0">
+                <a:solidFill>
+                  <a:srgbClr val="080808"/>
+                </a:solidFill>
+                <a:effectLst/>
+                <a:latin typeface="JetBrains Mono"/>
+              </a:rPr>
+              <a:t>    .name(</a:t>
+            </a:r>
+            <a:r>
+              <a:rPr lang="en-US" dirty="0">
+                <a:solidFill>
+                  <a:srgbClr val="000000"/>
+                </a:solidFill>
+                <a:effectLst/>
+                <a:latin typeface="JetBrains Mono"/>
+              </a:rPr>
+              <a:t>String</a:t>
+            </a:r>
+            <a:r>
+              <a:rPr lang="en-US" dirty="0">
+                <a:solidFill>
+                  <a:srgbClr val="080808"/>
+                </a:solidFill>
+                <a:effectLst/>
+                <a:latin typeface="JetBrains Mono"/>
+              </a:rPr>
+              <a:t>::</a:t>
+            </a:r>
+            <a:r>
+              <a:rPr lang="en-US" i="1" dirty="0">
+                <a:solidFill>
+                  <a:srgbClr val="00627A"/>
+                </a:solidFill>
+                <a:effectLst/>
+                <a:latin typeface="JetBrains Mono"/>
+              </a:rPr>
+              <a:t>from</a:t>
+            </a:r>
+            <a:r>
+              <a:rPr lang="en-US" dirty="0">
+                <a:solidFill>
+                  <a:srgbClr val="080808"/>
+                </a:solidFill>
+                <a:effectLst/>
+                <a:latin typeface="JetBrains Mono"/>
+              </a:rPr>
+              <a:t>(</a:t>
+            </a:r>
+            <a:r>
+              <a:rPr lang="en-US" dirty="0">
+                <a:solidFill>
+                  <a:srgbClr val="067D17"/>
+                </a:solidFill>
+                <a:effectLst/>
+                <a:latin typeface="JetBrains Mono"/>
+              </a:rPr>
+              <a:t>"My Thread"</a:t>
+            </a:r>
+            <a:r>
+              <a:rPr lang="en-US" dirty="0">
+                <a:solidFill>
+                  <a:srgbClr val="080808"/>
+                </a:solidFill>
+                <a:effectLst/>
+                <a:latin typeface="JetBrains Mono"/>
+              </a:rPr>
+              <a:t>))</a:t>
+            </a:r>
+            <a:br>
+              <a:rPr lang="en-US" dirty="0">
+                <a:solidFill>
+                  <a:srgbClr val="080808"/>
+                </a:solidFill>
+                <a:effectLst/>
+                <a:latin typeface="JetBrains Mono"/>
+              </a:rPr>
+            </a:br>
+            <a:r>
+              <a:rPr lang="en-US" dirty="0">
+                <a:solidFill>
+                  <a:srgbClr val="080808"/>
+                </a:solidFill>
+                <a:effectLst/>
+                <a:latin typeface="JetBrains Mono"/>
+              </a:rPr>
+              <a:t>    .</a:t>
+            </a:r>
+            <a:r>
+              <a:rPr lang="en-US" dirty="0" err="1">
+                <a:solidFill>
+                  <a:srgbClr val="080808"/>
+                </a:solidFill>
+                <a:effectLst/>
+                <a:latin typeface="JetBrains Mono"/>
+              </a:rPr>
+              <a:t>stack_size</a:t>
+            </a:r>
+            <a:r>
+              <a:rPr lang="en-US" dirty="0">
+                <a:solidFill>
+                  <a:srgbClr val="080808"/>
+                </a:solidFill>
+                <a:effectLst/>
+                <a:latin typeface="JetBrains Mono"/>
+              </a:rPr>
+              <a:t>(</a:t>
+            </a:r>
+            <a:r>
+              <a:rPr lang="en-US" dirty="0">
+                <a:solidFill>
+                  <a:srgbClr val="1750EB"/>
+                </a:solidFill>
+                <a:effectLst/>
+                <a:latin typeface="JetBrains Mono"/>
+              </a:rPr>
+              <a:t>32 </a:t>
+            </a:r>
+            <a:r>
+              <a:rPr lang="en-US" dirty="0">
+                <a:solidFill>
+                  <a:srgbClr val="080808"/>
+                </a:solidFill>
+                <a:effectLst/>
+                <a:latin typeface="JetBrains Mono"/>
+              </a:rPr>
+              <a:t>* </a:t>
+            </a:r>
+            <a:r>
+              <a:rPr lang="en-US" dirty="0">
+                <a:solidFill>
+                  <a:srgbClr val="1750EB"/>
+                </a:solidFill>
+                <a:effectLst/>
+                <a:latin typeface="JetBrains Mono"/>
+              </a:rPr>
+              <a:t>1024</a:t>
+            </a:r>
+            <a:r>
+              <a:rPr lang="en-US" dirty="0">
+                <a:solidFill>
+                  <a:srgbClr val="080808"/>
+                </a:solidFill>
+                <a:effectLst/>
+                <a:latin typeface="JetBrains Mono"/>
+              </a:rPr>
+              <a:t>)</a:t>
+            </a:r>
+            <a:br>
+              <a:rPr lang="en-US" dirty="0">
+                <a:solidFill>
+                  <a:srgbClr val="080808"/>
+                </a:solidFill>
+                <a:effectLst/>
+                <a:latin typeface="JetBrains Mono"/>
+              </a:rPr>
+            </a:br>
+            <a:r>
+              <a:rPr lang="en-US" dirty="0">
+                <a:solidFill>
+                  <a:srgbClr val="080808"/>
+                </a:solidFill>
+                <a:effectLst/>
+                <a:latin typeface="JetBrains Mono"/>
+              </a:rPr>
+              <a:t>    .spawn(|| {</a:t>
+            </a:r>
+            <a:br>
+              <a:rPr lang="en-US" dirty="0">
+                <a:solidFill>
+                  <a:srgbClr val="080808"/>
+                </a:solidFill>
+                <a:effectLst/>
+                <a:latin typeface="JetBrains Mono"/>
+              </a:rPr>
+            </a:br>
+            <a:r>
+              <a:rPr lang="en-US" dirty="0">
+                <a:solidFill>
+                  <a:srgbClr val="080808"/>
+                </a:solidFill>
+                <a:effectLst/>
+                <a:latin typeface="JetBrains Mono"/>
+              </a:rPr>
+              <a:t>        </a:t>
+            </a:r>
+            <a:r>
+              <a:rPr lang="en-US" dirty="0" err="1">
+                <a:solidFill>
+                  <a:srgbClr val="DD6718"/>
+                </a:solidFill>
+                <a:effectLst/>
+                <a:latin typeface="JetBrains Mono"/>
+              </a:rPr>
+              <a:t>println</a:t>
+            </a:r>
+            <a:r>
+              <a:rPr lang="en-US" dirty="0">
+                <a:solidFill>
+                  <a:srgbClr val="DD6718"/>
+                </a:solidFill>
+                <a:effectLst/>
+                <a:latin typeface="JetBrains Mono"/>
+              </a:rPr>
+              <a:t>!</a:t>
+            </a:r>
+            <a:r>
+              <a:rPr lang="en-US" dirty="0">
+                <a:solidFill>
+                  <a:srgbClr val="080808"/>
+                </a:solidFill>
+                <a:effectLst/>
+                <a:latin typeface="JetBrains Mono"/>
+              </a:rPr>
+              <a:t>(</a:t>
+            </a:r>
+            <a:r>
+              <a:rPr lang="en-US" dirty="0">
+                <a:solidFill>
+                  <a:srgbClr val="067D17"/>
+                </a:solidFill>
+                <a:effectLst/>
+                <a:latin typeface="JetBrains Mono"/>
+              </a:rPr>
+              <a:t>"Hello World"</a:t>
+            </a:r>
+            <a:r>
+              <a:rPr lang="en-US" dirty="0">
+                <a:solidFill>
+                  <a:srgbClr val="080808"/>
+                </a:solidFill>
+                <a:effectLst/>
+                <a:latin typeface="JetBrains Mono"/>
+              </a:rPr>
+              <a:t>)</a:t>
+            </a:r>
+            <a:br>
+              <a:rPr lang="en-US" dirty="0">
+                <a:solidFill>
+                  <a:srgbClr val="080808"/>
+                </a:solidFill>
+                <a:effectLst/>
+                <a:latin typeface="JetBrains Mono"/>
+              </a:rPr>
+            </a:br>
+            <a:r>
+              <a:rPr lang="en-US" dirty="0">
+                <a:solidFill>
+                  <a:srgbClr val="080808"/>
+                </a:solidFill>
+                <a:effectLst/>
+                <a:latin typeface="JetBrains Mono"/>
+              </a:rPr>
+              <a:t>    });</a:t>
+            </a:r>
+          </a:p>
+          <a:p>
+            <a:endParaRPr lang="ru-RU" dirty="0"/>
+          </a:p>
+        </p:txBody>
+      </p:sp>
+    </p:spTree>
+    <p:extLst>
+      <p:ext uri="{BB962C8B-B14F-4D97-AF65-F5344CB8AC3E}">
+        <p14:creationId xmlns:p14="http://schemas.microsoft.com/office/powerpoint/2010/main" val="2000590177"/>
+      </p:ext>
+    </p:extLst>
+  </p:cSld>
+  <p:clrMapOvr>
+    <a:masterClrMapping/>
+  </p:clrMapOvr>
+</p:sld>
+</file>
+
+<file path=ppt/slides/slide40.xml><?xml version="1.0" encoding="utf-8"?>
 <p:sld xmlns:a="http://schemas.openxmlformats.org/drawingml/2006/main" xmlns:r="http://schemas.openxmlformats.org/officeDocument/2006/relationships" xmlns:p="http://schemas.openxmlformats.org/presentationml/2006/main">
   <p:cSld>
     <p:spTree>
@@ -30167,587 +31274,7 @@
 </p:sld>
 </file>
 
-<file path=ppt/slides/slide4.xml><?xml version="1.0" encoding="utf-8"?>
-<p:sld xmlns:a="http://schemas.openxmlformats.org/drawingml/2006/main" xmlns:r="http://schemas.openxmlformats.org/officeDocument/2006/relationships" xmlns:p="http://schemas.openxmlformats.org/presentationml/2006/main">
-  <p:cSld>
-    <p:spTree>
-      <p:nvGrpSpPr>
-        <p:cNvPr id="1" name=""/>
-        <p:cNvGrpSpPr/>
-        <p:nvPr/>
-      </p:nvGrpSpPr>
-      <p:grpSpPr>
-        <a:xfrm>
-          <a:off x="0" y="0"/>
-          <a:ext cx="0" cy="0"/>
-          <a:chOff x="0" y="0"/>
-          <a:chExt cx="0" cy="0"/>
-        </a:xfrm>
-      </p:grpSpPr>
-      <p:sp>
-        <p:nvSpPr>
-          <p:cNvPr id="2" name="Title 1">
-            <a:extLst>
-              <a:ext uri="{FF2B5EF4-FFF2-40B4-BE49-F238E27FC236}">
-                <a16:creationId xmlns:a16="http://schemas.microsoft.com/office/drawing/2014/main" id="{699454A9-B3C0-021F-CD2B-ECECDBC79B02}"/>
-              </a:ext>
-            </a:extLst>
-          </p:cNvPr>
-          <p:cNvSpPr>
-            <a:spLocks noGrp="1"/>
-          </p:cNvSpPr>
-          <p:nvPr>
-            <p:ph type="title"/>
-          </p:nvPr>
-        </p:nvSpPr>
-        <p:spPr/>
-        <p:txBody>
-          <a:bodyPr/>
-          <a:lstStyle/>
-          <a:p>
-            <a:r>
-              <a:rPr lang="en-US" dirty="0"/>
-              <a:t>Threads are background </a:t>
-            </a:r>
-            <a:endParaRPr lang="ru-RU" dirty="0"/>
-          </a:p>
-        </p:txBody>
-      </p:sp>
-      <p:sp>
-        <p:nvSpPr>
-          <p:cNvPr id="3" name="Content Placeholder 2">
-            <a:extLst>
-              <a:ext uri="{FF2B5EF4-FFF2-40B4-BE49-F238E27FC236}">
-                <a16:creationId xmlns:a16="http://schemas.microsoft.com/office/drawing/2014/main" id="{F7C0DDB5-DDE3-AC23-5F83-9FA0C7B4D24A}"/>
-              </a:ext>
-            </a:extLst>
-          </p:cNvPr>
-          <p:cNvSpPr>
-            <a:spLocks noGrp="1"/>
-          </p:cNvSpPr>
-          <p:nvPr>
-            <p:ph sz="half" idx="1"/>
-          </p:nvPr>
-        </p:nvSpPr>
-        <p:spPr>
-          <a:xfrm>
-            <a:off x="838199" y="1825625"/>
-            <a:ext cx="6169429" cy="4351338"/>
-          </a:xfrm>
-        </p:spPr>
-        <p:txBody>
-          <a:bodyPr>
-            <a:normAutofit/>
-          </a:bodyPr>
-          <a:lstStyle/>
-          <a:p>
-            <a:pPr marL="0" indent="0">
-              <a:buNone/>
-            </a:pPr>
-            <a:r>
-              <a:rPr lang="en-US" sz="2600" dirty="0">
-                <a:solidFill>
-                  <a:srgbClr val="000000"/>
-                </a:solidFill>
-                <a:effectLst/>
-                <a:latin typeface="JetBrains Mono"/>
-              </a:rPr>
-              <a:t>thread</a:t>
-            </a:r>
-            <a:r>
-              <a:rPr lang="en-US" sz="2600" dirty="0">
-                <a:solidFill>
-                  <a:srgbClr val="080808"/>
-                </a:solidFill>
-                <a:effectLst/>
-                <a:latin typeface="JetBrains Mono"/>
-              </a:rPr>
-              <a:t>::spawn(|| {</a:t>
-            </a:r>
-            <a:br>
-              <a:rPr lang="en-US" sz="2600" dirty="0">
-                <a:solidFill>
-                  <a:srgbClr val="080808"/>
-                </a:solidFill>
-                <a:effectLst/>
-                <a:latin typeface="JetBrains Mono"/>
-              </a:rPr>
-            </a:br>
-            <a:r>
-              <a:rPr lang="en-US" sz="2600" dirty="0">
-                <a:solidFill>
-                  <a:srgbClr val="080808"/>
-                </a:solidFill>
-                <a:effectLst/>
-                <a:latin typeface="JetBrains Mono"/>
-              </a:rPr>
-              <a:t>    </a:t>
-            </a:r>
-            <a:r>
-              <a:rPr lang="en-US" sz="2600" dirty="0">
-                <a:solidFill>
-                  <a:srgbClr val="0033B3"/>
-                </a:solidFill>
-                <a:effectLst/>
-                <a:latin typeface="JetBrains Mono"/>
-              </a:rPr>
-              <a:t>for </a:t>
-            </a:r>
-            <a:r>
-              <a:rPr lang="en-US" sz="2600" dirty="0">
-                <a:solidFill>
-                  <a:srgbClr val="080808"/>
-                </a:solidFill>
-                <a:effectLst/>
-                <a:latin typeface="JetBrains Mono"/>
-              </a:rPr>
-              <a:t>_ </a:t>
-            </a:r>
-            <a:r>
-              <a:rPr lang="en-US" sz="2600" dirty="0">
-                <a:solidFill>
-                  <a:srgbClr val="0033B3"/>
-                </a:solidFill>
-                <a:effectLst/>
-                <a:latin typeface="JetBrains Mono"/>
-              </a:rPr>
-              <a:t>in </a:t>
-            </a:r>
-            <a:r>
-              <a:rPr lang="en-US" sz="2600" dirty="0">
-                <a:solidFill>
-                  <a:srgbClr val="1750EB"/>
-                </a:solidFill>
-                <a:effectLst/>
-                <a:latin typeface="JetBrains Mono"/>
-              </a:rPr>
-              <a:t>0</a:t>
-            </a:r>
-            <a:r>
-              <a:rPr lang="en-US" sz="2600" dirty="0">
-                <a:solidFill>
-                  <a:srgbClr val="080808"/>
-                </a:solidFill>
-                <a:effectLst/>
-                <a:latin typeface="JetBrains Mono"/>
-              </a:rPr>
-              <a:t>..</a:t>
-            </a:r>
-            <a:r>
-              <a:rPr lang="en-US" sz="2600" dirty="0">
-                <a:solidFill>
-                  <a:srgbClr val="1750EB"/>
-                </a:solidFill>
-                <a:effectLst/>
-                <a:latin typeface="JetBrains Mono"/>
-              </a:rPr>
-              <a:t>5 </a:t>
-            </a:r>
-            <a:r>
-              <a:rPr lang="en-US" sz="2600" dirty="0">
-                <a:solidFill>
-                  <a:srgbClr val="080808"/>
-                </a:solidFill>
-                <a:effectLst/>
-                <a:latin typeface="JetBrains Mono"/>
-              </a:rPr>
-              <a:t>{</a:t>
-            </a:r>
-            <a:br>
-              <a:rPr lang="en-US" sz="2600" dirty="0">
-                <a:solidFill>
-                  <a:srgbClr val="080808"/>
-                </a:solidFill>
-                <a:effectLst/>
-                <a:latin typeface="JetBrains Mono"/>
-              </a:rPr>
-            </a:br>
-            <a:r>
-              <a:rPr lang="en-US" sz="2600" dirty="0">
-                <a:solidFill>
-                  <a:srgbClr val="080808"/>
-                </a:solidFill>
-                <a:effectLst/>
-                <a:latin typeface="JetBrains Mono"/>
-              </a:rPr>
-              <a:t>        </a:t>
-            </a:r>
-            <a:r>
-              <a:rPr lang="en-US" sz="2600" dirty="0" err="1">
-                <a:solidFill>
-                  <a:srgbClr val="DD6718"/>
-                </a:solidFill>
-                <a:effectLst/>
-                <a:latin typeface="JetBrains Mono"/>
-              </a:rPr>
-              <a:t>println</a:t>
-            </a:r>
-            <a:r>
-              <a:rPr lang="en-US" sz="2600" dirty="0">
-                <a:solidFill>
-                  <a:srgbClr val="DD6718"/>
-                </a:solidFill>
-                <a:effectLst/>
-                <a:latin typeface="JetBrains Mono"/>
-              </a:rPr>
-              <a:t>!</a:t>
-            </a:r>
-            <a:r>
-              <a:rPr lang="en-US" sz="2600" dirty="0">
-                <a:solidFill>
-                  <a:srgbClr val="080808"/>
-                </a:solidFill>
-                <a:effectLst/>
-                <a:latin typeface="JetBrains Mono"/>
-              </a:rPr>
-              <a:t>(</a:t>
-            </a:r>
-            <a:r>
-              <a:rPr lang="en-US" sz="2600" dirty="0">
-                <a:solidFill>
-                  <a:srgbClr val="067D17"/>
-                </a:solidFill>
-                <a:effectLst/>
-                <a:latin typeface="JetBrains Mono"/>
-              </a:rPr>
-              <a:t>"Hello"</a:t>
-            </a:r>
-            <a:r>
-              <a:rPr lang="en-US" sz="2600" dirty="0">
-                <a:solidFill>
-                  <a:srgbClr val="080808"/>
-                </a:solidFill>
-                <a:effectLst/>
-                <a:latin typeface="JetBrains Mono"/>
-              </a:rPr>
-              <a:t>);</a:t>
-            </a:r>
-            <a:br>
-              <a:rPr lang="en-US" sz="2600" dirty="0">
-                <a:solidFill>
-                  <a:srgbClr val="080808"/>
-                </a:solidFill>
-                <a:effectLst/>
-                <a:latin typeface="JetBrains Mono"/>
-              </a:rPr>
-            </a:br>
-            <a:r>
-              <a:rPr lang="en-US" sz="2600" dirty="0">
-                <a:solidFill>
-                  <a:srgbClr val="080808"/>
-                </a:solidFill>
-                <a:effectLst/>
-                <a:latin typeface="JetBrains Mono"/>
-              </a:rPr>
-              <a:t>        </a:t>
-            </a:r>
-            <a:r>
-              <a:rPr lang="en-US" sz="2600" dirty="0">
-                <a:solidFill>
-                  <a:srgbClr val="000000"/>
-                </a:solidFill>
-                <a:effectLst/>
-                <a:latin typeface="JetBrains Mono"/>
-              </a:rPr>
-              <a:t>thread</a:t>
-            </a:r>
-            <a:r>
-              <a:rPr lang="en-US" sz="2600" dirty="0">
-                <a:solidFill>
-                  <a:srgbClr val="080808"/>
-                </a:solidFill>
-                <a:effectLst/>
-                <a:latin typeface="JetBrains Mono"/>
-              </a:rPr>
-              <a:t>::sleep(</a:t>
-            </a:r>
-            <a:r>
-              <a:rPr lang="en-US" sz="2600" dirty="0">
-                <a:solidFill>
-                  <a:srgbClr val="000000"/>
-                </a:solidFill>
-                <a:effectLst/>
-                <a:latin typeface="JetBrains Mono"/>
-              </a:rPr>
-              <a:t>Duration</a:t>
-            </a:r>
-            <a:r>
-              <a:rPr lang="en-US" sz="2600" dirty="0">
-                <a:solidFill>
-                  <a:srgbClr val="080808"/>
-                </a:solidFill>
-                <a:effectLst/>
-                <a:latin typeface="JetBrains Mono"/>
-              </a:rPr>
-              <a:t>::</a:t>
-            </a:r>
-            <a:r>
-              <a:rPr lang="en-US" sz="2600" i="1" dirty="0" err="1">
-                <a:solidFill>
-                  <a:srgbClr val="00627A"/>
-                </a:solidFill>
-                <a:effectLst/>
-                <a:latin typeface="JetBrains Mono"/>
-              </a:rPr>
-              <a:t>from_millis</a:t>
-            </a:r>
-            <a:r>
-              <a:rPr lang="en-US" sz="2600" dirty="0">
-                <a:solidFill>
-                  <a:srgbClr val="080808"/>
-                </a:solidFill>
-                <a:effectLst/>
-                <a:latin typeface="JetBrains Mono"/>
-              </a:rPr>
-              <a:t>(</a:t>
-            </a:r>
-            <a:r>
-              <a:rPr lang="en-US" sz="2600" dirty="0">
-                <a:solidFill>
-                  <a:srgbClr val="1750EB"/>
-                </a:solidFill>
-                <a:effectLst/>
-                <a:latin typeface="JetBrains Mono"/>
-              </a:rPr>
-              <a:t>1</a:t>
-            </a:r>
-            <a:r>
-              <a:rPr lang="en-US" sz="2600" dirty="0">
-                <a:solidFill>
-                  <a:srgbClr val="080808"/>
-                </a:solidFill>
-                <a:effectLst/>
-                <a:latin typeface="JetBrains Mono"/>
-              </a:rPr>
-              <a:t>))</a:t>
-            </a:r>
-            <a:br>
-              <a:rPr lang="en-US" sz="2600" dirty="0">
-                <a:solidFill>
-                  <a:srgbClr val="080808"/>
-                </a:solidFill>
-                <a:effectLst/>
-                <a:latin typeface="JetBrains Mono"/>
-              </a:rPr>
-            </a:br>
-            <a:r>
-              <a:rPr lang="en-US" sz="2600" dirty="0">
-                <a:solidFill>
-                  <a:srgbClr val="080808"/>
-                </a:solidFill>
-                <a:effectLst/>
-                <a:latin typeface="JetBrains Mono"/>
-              </a:rPr>
-              <a:t>    }</a:t>
-            </a:r>
-            <a:br>
-              <a:rPr lang="en-US" sz="2600" dirty="0">
-                <a:solidFill>
-                  <a:srgbClr val="080808"/>
-                </a:solidFill>
-                <a:effectLst/>
-                <a:latin typeface="JetBrains Mono"/>
-              </a:rPr>
-            </a:br>
-            <a:r>
-              <a:rPr lang="en-US" sz="2600" dirty="0">
-                <a:solidFill>
-                  <a:srgbClr val="080808"/>
-                </a:solidFill>
-                <a:effectLst/>
-                <a:latin typeface="JetBrains Mono"/>
-              </a:rPr>
-              <a:t>});</a:t>
-            </a:r>
-          </a:p>
-          <a:p>
-            <a:endParaRPr lang="ru-RU" sz="2600" dirty="0"/>
-          </a:p>
-        </p:txBody>
-      </p:sp>
-      <p:sp>
-        <p:nvSpPr>
-          <p:cNvPr id="4" name="Content Placeholder 3">
-            <a:extLst>
-              <a:ext uri="{FF2B5EF4-FFF2-40B4-BE49-F238E27FC236}">
-                <a16:creationId xmlns:a16="http://schemas.microsoft.com/office/drawing/2014/main" id="{7CB3448D-674B-4BBC-BC17-190CDB16073D}"/>
-              </a:ext>
-            </a:extLst>
-          </p:cNvPr>
-          <p:cNvSpPr>
-            <a:spLocks noGrp="1"/>
-          </p:cNvSpPr>
-          <p:nvPr>
-            <p:ph sz="half" idx="2"/>
-          </p:nvPr>
-        </p:nvSpPr>
-        <p:spPr>
-          <a:xfrm>
-            <a:off x="7124008" y="1825625"/>
-            <a:ext cx="4229792" cy="4351338"/>
-          </a:xfrm>
-        </p:spPr>
-        <p:txBody>
-          <a:bodyPr/>
-          <a:lstStyle/>
-          <a:p>
-            <a:pPr marL="0" indent="0">
-              <a:buNone/>
-            </a:pPr>
-            <a:r>
-              <a:rPr lang="en-US" dirty="0"/>
-              <a:t>Hello</a:t>
-            </a:r>
-            <a:endParaRPr lang="ru-RU" dirty="0"/>
-          </a:p>
-        </p:txBody>
-      </p:sp>
-    </p:spTree>
-    <p:extLst>
-      <p:ext uri="{BB962C8B-B14F-4D97-AF65-F5344CB8AC3E}">
-        <p14:creationId xmlns:p14="http://schemas.microsoft.com/office/powerpoint/2010/main" val="102304119"/>
-      </p:ext>
-    </p:extLst>
-  </p:cSld>
-  <p:clrMapOvr>
-    <a:masterClrMapping/>
-  </p:clrMapOvr>
-  <p:timing>
-    <p:tnLst>
-      <p:par>
-        <p:cTn id="1" dur="indefinite" restart="never" nodeType="tmRoot">
-          <p:childTnLst>
-            <p:seq concurrent="1" nextAc="seek">
-              <p:cTn id="2" dur="indefinite" nodeType="mainSeq">
-                <p:childTnLst>
-                  <p:par>
-                    <p:cTn id="3" fill="hold">
-                      <p:stCondLst>
-                        <p:cond delay="indefinite"/>
-                      </p:stCondLst>
-                      <p:childTnLst>
-                        <p:par>
-                          <p:cTn id="4" fill="hold">
-                            <p:stCondLst>
-                              <p:cond delay="0"/>
-                            </p:stCondLst>
-                            <p:childTnLst>
-                              <p:par>
-                                <p:cTn id="5" presetID="1" presetClass="entr" presetSubtype="0" fill="hold" grpId="0" nodeType="clickEffect">
-                                  <p:stCondLst>
-                                    <p:cond delay="0"/>
-                                  </p:stCondLst>
-                                  <p:childTnLst>
-                                    <p:set>
-                                      <p:cBhvr>
-                                        <p:cTn id="6" dur="1" fill="hold">
-                                          <p:stCondLst>
-                                            <p:cond delay="0"/>
-                                          </p:stCondLst>
-                                        </p:cTn>
-                                        <p:tgtEl>
-                                          <p:spTgt spid="3">
-                                            <p:txEl>
-                                              <p:pRg st="0" end="0"/>
-                                            </p:txEl>
-                                          </p:spTgt>
-                                        </p:tgtEl>
-                                        <p:attrNameLst>
-                                          <p:attrName>style.visibility</p:attrName>
-                                        </p:attrNameLst>
-                                      </p:cBhvr>
-                                      <p:to>
-                                        <p:strVal val="visible"/>
-                                      </p:to>
-                                    </p:set>
-                                  </p:childTnLst>
-                                </p:cTn>
-                              </p:par>
-                            </p:childTnLst>
-                          </p:cTn>
-                        </p:par>
-                      </p:childTnLst>
-                    </p:cTn>
-                  </p:par>
-                  <p:par>
-                    <p:cTn id="7" fill="hold">
-                      <p:stCondLst>
-                        <p:cond delay="indefinite"/>
-                      </p:stCondLst>
-                      <p:childTnLst>
-                        <p:par>
-                          <p:cTn id="8" fill="hold">
-                            <p:stCondLst>
-                              <p:cond delay="0"/>
-                            </p:stCondLst>
-                            <p:childTnLst>
-                              <p:par>
-                                <p:cTn id="9" presetID="1" presetClass="entr" presetSubtype="0" fill="hold" grpId="0" nodeType="clickEffect">
-                                  <p:stCondLst>
-                                    <p:cond delay="0"/>
-                                  </p:stCondLst>
-                                  <p:childTnLst>
-                                    <p:set>
-                                      <p:cBhvr>
-                                        <p:cTn id="10" dur="1" fill="hold">
-                                          <p:stCondLst>
-                                            <p:cond delay="0"/>
-                                          </p:stCondLst>
-                                        </p:cTn>
-                                        <p:tgtEl>
-                                          <p:spTgt spid="4">
-                                            <p:txEl>
-                                              <p:pRg st="0" end="0"/>
-                                            </p:txEl>
-                                          </p:spTgt>
-                                        </p:tgtEl>
-                                        <p:attrNameLst>
-                                          <p:attrName>style.visibility</p:attrName>
-                                        </p:attrNameLst>
-                                      </p:cBhvr>
-                                      <p:to>
-                                        <p:strVal val="visible"/>
-                                      </p:to>
-                                    </p:set>
-                                  </p:childTnLst>
-                                </p:cTn>
-                              </p:par>
-                            </p:childTnLst>
-                          </p:cTn>
-                        </p:par>
-                      </p:childTnLst>
-                    </p:cTn>
-                  </p:par>
-                </p:childTnLst>
-              </p:cTn>
-              <p:prevCondLst>
-                <p:cond evt="onPrev" delay="0">
-                  <p:tgtEl>
-                    <p:sldTgt/>
-                  </p:tgtEl>
-                </p:cond>
-              </p:prevCondLst>
-              <p:nextCondLst>
-                <p:cond evt="onNext" delay="0">
-                  <p:tgtEl>
-                    <p:sldTgt/>
-                  </p:tgtEl>
-                </p:cond>
-              </p:nextCondLst>
-            </p:seq>
-          </p:childTnLst>
-        </p:cTn>
-      </p:par>
-    </p:tnLst>
-    <p:bldLst>
-      <p:bldP spid="3" grpId="0" build="p"/>
-      <p:bldP spid="4" grpId="0" build="p"/>
-    </p:bldLst>
-  </p:timing>
-</p:sld>
-</file>
-
-<file path=ppt/slides/slide40.xml><?xml version="1.0" encoding="utf-8"?>
+<file path=ppt/slides/slide41.xml><?xml version="1.0" encoding="utf-8"?>
 <p:sld xmlns:a="http://schemas.openxmlformats.org/drawingml/2006/main" xmlns:r="http://schemas.openxmlformats.org/officeDocument/2006/relationships" xmlns:p="http://schemas.openxmlformats.org/presentationml/2006/main">
   <p:cSld>
     <p:spTree>
@@ -32441,7 +32968,7 @@
 </p:sld>
 </file>
 
-<file path=ppt/slides/slide41.xml><?xml version="1.0" encoding="utf-8"?>
+<file path=ppt/slides/slide42.xml><?xml version="1.0" encoding="utf-8"?>
 <p:sld xmlns:a="http://schemas.openxmlformats.org/drawingml/2006/main" xmlns:r="http://schemas.openxmlformats.org/officeDocument/2006/relationships" xmlns:p="http://schemas.openxmlformats.org/presentationml/2006/main">
   <p:cSld>
     <p:spTree>
@@ -35041,7 +35568,7 @@
 </p:sld>
 </file>
 
-<file path=ppt/slides/slide42.xml><?xml version="1.0" encoding="utf-8"?>
+<file path=ppt/slides/slide43.xml><?xml version="1.0" encoding="utf-8"?>
 <p:sld xmlns:a="http://schemas.openxmlformats.org/drawingml/2006/main" xmlns:r="http://schemas.openxmlformats.org/officeDocument/2006/relationships" xmlns:p="http://schemas.openxmlformats.org/presentationml/2006/main">
   <p:cSld>
     <p:spTree>
@@ -37943,7 +38470,7 @@
 </p:sld>
 </file>
 
-<file path=ppt/slides/slide43.xml><?xml version="1.0" encoding="utf-8"?>
+<file path=ppt/slides/slide44.xml><?xml version="1.0" encoding="utf-8"?>
 <p:sld xmlns:a="http://schemas.openxmlformats.org/drawingml/2006/main" xmlns:r="http://schemas.openxmlformats.org/officeDocument/2006/relationships" xmlns:p="http://schemas.openxmlformats.org/presentationml/2006/main">
   <p:cSld>
     <p:spTree>
@@ -40458,7 +40985,7 @@
 </p:sld>
 </file>
 
-<file path=ppt/slides/slide44.xml><?xml version="1.0" encoding="utf-8"?>
+<file path=ppt/slides/slide45.xml><?xml version="1.0" encoding="utf-8"?>
 <p:sld xmlns:a="http://schemas.openxmlformats.org/drawingml/2006/main" xmlns:r="http://schemas.openxmlformats.org/officeDocument/2006/relationships" xmlns:p="http://schemas.openxmlformats.org/presentationml/2006/main">
   <p:cSld>
     <p:spTree>
@@ -42433,7 +42960,7 @@
 </p:sld>
 </file>
 
-<file path=ppt/slides/slide45.xml><?xml version="1.0" encoding="utf-8"?>
+<file path=ppt/slides/slide46.xml><?xml version="1.0" encoding="utf-8"?>
 <p:sld xmlns:a="http://schemas.openxmlformats.org/drawingml/2006/main" xmlns:r="http://schemas.openxmlformats.org/officeDocument/2006/relationships" xmlns:p="http://schemas.openxmlformats.org/presentationml/2006/main">
   <p:cSld>
     <p:spTree>
@@ -42981,7 +43508,7 @@
 </p:sld>
 </file>
 
-<file path=ppt/slides/slide46.xml><?xml version="1.0" encoding="utf-8"?>
+<file path=ppt/slides/slide47.xml><?xml version="1.0" encoding="utf-8"?>
 <p:sld xmlns:a="http://schemas.openxmlformats.org/drawingml/2006/main" xmlns:r="http://schemas.openxmlformats.org/officeDocument/2006/relationships" xmlns:p="http://schemas.openxmlformats.org/presentationml/2006/main">
   <p:cSld>
     <p:spTree>
@@ -44354,7 +44881,7 @@
 </p:sld>
 </file>
 
-<file path=ppt/slides/slide47.xml><?xml version="1.0" encoding="utf-8"?>
+<file path=ppt/slides/slide48.xml><?xml version="1.0" encoding="utf-8"?>
 <p:sld xmlns:a="http://schemas.openxmlformats.org/drawingml/2006/main" xmlns:r="http://schemas.openxmlformats.org/officeDocument/2006/relationships" xmlns:p="http://schemas.openxmlformats.org/presentationml/2006/main">
   <p:cSld>
     <p:spTree>
@@ -46489,7 +47016,7 @@
 </p:sld>
 </file>
 
-<file path=ppt/slides/slide48.xml><?xml version="1.0" encoding="utf-8"?>
+<file path=ppt/slides/slide49.xml><?xml version="1.0" encoding="utf-8"?>
 <p:sld xmlns:a="http://schemas.openxmlformats.org/drawingml/2006/main" xmlns:r="http://schemas.openxmlformats.org/officeDocument/2006/relationships" xmlns:p="http://schemas.openxmlformats.org/presentationml/2006/main">
   <p:cSld>
     <p:spTree>
@@ -46556,7 +47083,30 @@
           <a:bodyPr/>
           <a:lstStyle/>
           <a:p>
-            <a:endParaRPr lang="ru-RU"/>
+            <a:r>
+              <a:rPr lang="en-US" dirty="0"/>
+              <a:t>Later in telegram</a:t>
+            </a:r>
+          </a:p>
+          <a:p>
+            <a:r>
+              <a:rPr lang="en-US" dirty="0"/>
+              <a:t>Rustlings:</a:t>
+            </a:r>
+          </a:p>
+          <a:p>
+            <a:pPr lvl="1"/>
+            <a:r>
+              <a:rPr lang="en-US" b="0" i="0" dirty="0">
+                <a:solidFill>
+                  <a:srgbClr val="1F2328"/>
+                </a:solidFill>
+                <a:effectLst/>
+                <a:latin typeface="-apple-system"/>
+              </a:rPr>
+              <a:t>threads</a:t>
+            </a:r>
+            <a:endParaRPr lang="ru-RU" dirty="0"/>
           </a:p>
         </p:txBody>
       </p:sp>
@@ -46574,6 +47124,586 @@
 </file>
 
 <file path=ppt/slides/slide5.xml><?xml version="1.0" encoding="utf-8"?>
+<p:sld xmlns:a="http://schemas.openxmlformats.org/drawingml/2006/main" xmlns:r="http://schemas.openxmlformats.org/officeDocument/2006/relationships" xmlns:p="http://schemas.openxmlformats.org/presentationml/2006/main">
+  <p:cSld>
+    <p:spTree>
+      <p:nvGrpSpPr>
+        <p:cNvPr id="1" name=""/>
+        <p:cNvGrpSpPr/>
+        <p:nvPr/>
+      </p:nvGrpSpPr>
+      <p:grpSpPr>
+        <a:xfrm>
+          <a:off x="0" y="0"/>
+          <a:ext cx="0" cy="0"/>
+          <a:chOff x="0" y="0"/>
+          <a:chExt cx="0" cy="0"/>
+        </a:xfrm>
+      </p:grpSpPr>
+      <p:sp>
+        <p:nvSpPr>
+          <p:cNvPr id="2" name="Title 1">
+            <a:extLst>
+              <a:ext uri="{FF2B5EF4-FFF2-40B4-BE49-F238E27FC236}">
+                <a16:creationId xmlns:a16="http://schemas.microsoft.com/office/drawing/2014/main" id="{699454A9-B3C0-021F-CD2B-ECECDBC79B02}"/>
+              </a:ext>
+            </a:extLst>
+          </p:cNvPr>
+          <p:cNvSpPr>
+            <a:spLocks noGrp="1"/>
+          </p:cNvSpPr>
+          <p:nvPr>
+            <p:ph type="title"/>
+          </p:nvPr>
+        </p:nvSpPr>
+        <p:spPr/>
+        <p:txBody>
+          <a:bodyPr/>
+          <a:lstStyle/>
+          <a:p>
+            <a:r>
+              <a:rPr lang="en-US" dirty="0"/>
+              <a:t>Threads are background </a:t>
+            </a:r>
+            <a:endParaRPr lang="ru-RU" dirty="0"/>
+          </a:p>
+        </p:txBody>
+      </p:sp>
+      <p:sp>
+        <p:nvSpPr>
+          <p:cNvPr id="3" name="Content Placeholder 2">
+            <a:extLst>
+              <a:ext uri="{FF2B5EF4-FFF2-40B4-BE49-F238E27FC236}">
+                <a16:creationId xmlns:a16="http://schemas.microsoft.com/office/drawing/2014/main" id="{F7C0DDB5-DDE3-AC23-5F83-9FA0C7B4D24A}"/>
+              </a:ext>
+            </a:extLst>
+          </p:cNvPr>
+          <p:cNvSpPr>
+            <a:spLocks noGrp="1"/>
+          </p:cNvSpPr>
+          <p:nvPr>
+            <p:ph sz="half" idx="1"/>
+          </p:nvPr>
+        </p:nvSpPr>
+        <p:spPr>
+          <a:xfrm>
+            <a:off x="838199" y="1825625"/>
+            <a:ext cx="6169429" cy="4351338"/>
+          </a:xfrm>
+        </p:spPr>
+        <p:txBody>
+          <a:bodyPr>
+            <a:normAutofit/>
+          </a:bodyPr>
+          <a:lstStyle/>
+          <a:p>
+            <a:pPr marL="0" indent="0">
+              <a:buNone/>
+            </a:pPr>
+            <a:r>
+              <a:rPr lang="en-US" sz="2600" dirty="0">
+                <a:solidFill>
+                  <a:srgbClr val="000000"/>
+                </a:solidFill>
+                <a:effectLst/>
+                <a:latin typeface="JetBrains Mono"/>
+              </a:rPr>
+              <a:t>thread</a:t>
+            </a:r>
+            <a:r>
+              <a:rPr lang="en-US" sz="2600" dirty="0">
+                <a:solidFill>
+                  <a:srgbClr val="080808"/>
+                </a:solidFill>
+                <a:effectLst/>
+                <a:latin typeface="JetBrains Mono"/>
+              </a:rPr>
+              <a:t>::spawn(|| {</a:t>
+            </a:r>
+            <a:br>
+              <a:rPr lang="en-US" sz="2600" dirty="0">
+                <a:solidFill>
+                  <a:srgbClr val="080808"/>
+                </a:solidFill>
+                <a:effectLst/>
+                <a:latin typeface="JetBrains Mono"/>
+              </a:rPr>
+            </a:br>
+            <a:r>
+              <a:rPr lang="en-US" sz="2600" dirty="0">
+                <a:solidFill>
+                  <a:srgbClr val="080808"/>
+                </a:solidFill>
+                <a:effectLst/>
+                <a:latin typeface="JetBrains Mono"/>
+              </a:rPr>
+              <a:t>    </a:t>
+            </a:r>
+            <a:r>
+              <a:rPr lang="en-US" sz="2600" dirty="0">
+                <a:solidFill>
+                  <a:srgbClr val="0033B3"/>
+                </a:solidFill>
+                <a:effectLst/>
+                <a:latin typeface="JetBrains Mono"/>
+              </a:rPr>
+              <a:t>for </a:t>
+            </a:r>
+            <a:r>
+              <a:rPr lang="en-US" sz="2600" dirty="0">
+                <a:solidFill>
+                  <a:srgbClr val="080808"/>
+                </a:solidFill>
+                <a:effectLst/>
+                <a:latin typeface="JetBrains Mono"/>
+              </a:rPr>
+              <a:t>_ </a:t>
+            </a:r>
+            <a:r>
+              <a:rPr lang="en-US" sz="2600" dirty="0">
+                <a:solidFill>
+                  <a:srgbClr val="0033B3"/>
+                </a:solidFill>
+                <a:effectLst/>
+                <a:latin typeface="JetBrains Mono"/>
+              </a:rPr>
+              <a:t>in </a:t>
+            </a:r>
+            <a:r>
+              <a:rPr lang="en-US" sz="2600" dirty="0">
+                <a:solidFill>
+                  <a:srgbClr val="1750EB"/>
+                </a:solidFill>
+                <a:effectLst/>
+                <a:latin typeface="JetBrains Mono"/>
+              </a:rPr>
+              <a:t>0</a:t>
+            </a:r>
+            <a:r>
+              <a:rPr lang="en-US" sz="2600" dirty="0">
+                <a:solidFill>
+                  <a:srgbClr val="080808"/>
+                </a:solidFill>
+                <a:effectLst/>
+                <a:latin typeface="JetBrains Mono"/>
+              </a:rPr>
+              <a:t>..</a:t>
+            </a:r>
+            <a:r>
+              <a:rPr lang="en-US" sz="2600" dirty="0">
+                <a:solidFill>
+                  <a:srgbClr val="1750EB"/>
+                </a:solidFill>
+                <a:effectLst/>
+                <a:latin typeface="JetBrains Mono"/>
+              </a:rPr>
+              <a:t>5 </a:t>
+            </a:r>
+            <a:r>
+              <a:rPr lang="en-US" sz="2600" dirty="0">
+                <a:solidFill>
+                  <a:srgbClr val="080808"/>
+                </a:solidFill>
+                <a:effectLst/>
+                <a:latin typeface="JetBrains Mono"/>
+              </a:rPr>
+              <a:t>{</a:t>
+            </a:r>
+            <a:br>
+              <a:rPr lang="en-US" sz="2600" dirty="0">
+                <a:solidFill>
+                  <a:srgbClr val="080808"/>
+                </a:solidFill>
+                <a:effectLst/>
+                <a:latin typeface="JetBrains Mono"/>
+              </a:rPr>
+            </a:br>
+            <a:r>
+              <a:rPr lang="en-US" sz="2600" dirty="0">
+                <a:solidFill>
+                  <a:srgbClr val="080808"/>
+                </a:solidFill>
+                <a:effectLst/>
+                <a:latin typeface="JetBrains Mono"/>
+              </a:rPr>
+              <a:t>        </a:t>
+            </a:r>
+            <a:r>
+              <a:rPr lang="en-US" sz="2600" dirty="0" err="1">
+                <a:solidFill>
+                  <a:srgbClr val="DD6718"/>
+                </a:solidFill>
+                <a:effectLst/>
+                <a:latin typeface="JetBrains Mono"/>
+              </a:rPr>
+              <a:t>println</a:t>
+            </a:r>
+            <a:r>
+              <a:rPr lang="en-US" sz="2600" dirty="0">
+                <a:solidFill>
+                  <a:srgbClr val="DD6718"/>
+                </a:solidFill>
+                <a:effectLst/>
+                <a:latin typeface="JetBrains Mono"/>
+              </a:rPr>
+              <a:t>!</a:t>
+            </a:r>
+            <a:r>
+              <a:rPr lang="en-US" sz="2600" dirty="0">
+                <a:solidFill>
+                  <a:srgbClr val="080808"/>
+                </a:solidFill>
+                <a:effectLst/>
+                <a:latin typeface="JetBrains Mono"/>
+              </a:rPr>
+              <a:t>(</a:t>
+            </a:r>
+            <a:r>
+              <a:rPr lang="en-US" sz="2600" dirty="0">
+                <a:solidFill>
+                  <a:srgbClr val="067D17"/>
+                </a:solidFill>
+                <a:effectLst/>
+                <a:latin typeface="JetBrains Mono"/>
+              </a:rPr>
+              <a:t>"Hello"</a:t>
+            </a:r>
+            <a:r>
+              <a:rPr lang="en-US" sz="2600" dirty="0">
+                <a:solidFill>
+                  <a:srgbClr val="080808"/>
+                </a:solidFill>
+                <a:effectLst/>
+                <a:latin typeface="JetBrains Mono"/>
+              </a:rPr>
+              <a:t>);</a:t>
+            </a:r>
+            <a:br>
+              <a:rPr lang="en-US" sz="2600" dirty="0">
+                <a:solidFill>
+                  <a:srgbClr val="080808"/>
+                </a:solidFill>
+                <a:effectLst/>
+                <a:latin typeface="JetBrains Mono"/>
+              </a:rPr>
+            </a:br>
+            <a:r>
+              <a:rPr lang="en-US" sz="2600" dirty="0">
+                <a:solidFill>
+                  <a:srgbClr val="080808"/>
+                </a:solidFill>
+                <a:effectLst/>
+                <a:latin typeface="JetBrains Mono"/>
+              </a:rPr>
+              <a:t>        </a:t>
+            </a:r>
+            <a:r>
+              <a:rPr lang="en-US" sz="2600" dirty="0">
+                <a:solidFill>
+                  <a:srgbClr val="000000"/>
+                </a:solidFill>
+                <a:effectLst/>
+                <a:latin typeface="JetBrains Mono"/>
+              </a:rPr>
+              <a:t>thread</a:t>
+            </a:r>
+            <a:r>
+              <a:rPr lang="en-US" sz="2600" dirty="0">
+                <a:solidFill>
+                  <a:srgbClr val="080808"/>
+                </a:solidFill>
+                <a:effectLst/>
+                <a:latin typeface="JetBrains Mono"/>
+              </a:rPr>
+              <a:t>::sleep(</a:t>
+            </a:r>
+            <a:r>
+              <a:rPr lang="en-US" sz="2600" dirty="0">
+                <a:solidFill>
+                  <a:srgbClr val="000000"/>
+                </a:solidFill>
+                <a:effectLst/>
+                <a:latin typeface="JetBrains Mono"/>
+              </a:rPr>
+              <a:t>Duration</a:t>
+            </a:r>
+            <a:r>
+              <a:rPr lang="en-US" sz="2600" dirty="0">
+                <a:solidFill>
+                  <a:srgbClr val="080808"/>
+                </a:solidFill>
+                <a:effectLst/>
+                <a:latin typeface="JetBrains Mono"/>
+              </a:rPr>
+              <a:t>::</a:t>
+            </a:r>
+            <a:r>
+              <a:rPr lang="en-US" sz="2600" i="1" dirty="0" err="1">
+                <a:solidFill>
+                  <a:srgbClr val="00627A"/>
+                </a:solidFill>
+                <a:effectLst/>
+                <a:latin typeface="JetBrains Mono"/>
+              </a:rPr>
+              <a:t>from_millis</a:t>
+            </a:r>
+            <a:r>
+              <a:rPr lang="en-US" sz="2600" dirty="0">
+                <a:solidFill>
+                  <a:srgbClr val="080808"/>
+                </a:solidFill>
+                <a:effectLst/>
+                <a:latin typeface="JetBrains Mono"/>
+              </a:rPr>
+              <a:t>(</a:t>
+            </a:r>
+            <a:r>
+              <a:rPr lang="en-US" sz="2600" dirty="0">
+                <a:solidFill>
+                  <a:srgbClr val="1750EB"/>
+                </a:solidFill>
+                <a:effectLst/>
+                <a:latin typeface="JetBrains Mono"/>
+              </a:rPr>
+              <a:t>1</a:t>
+            </a:r>
+            <a:r>
+              <a:rPr lang="en-US" sz="2600" dirty="0">
+                <a:solidFill>
+                  <a:srgbClr val="080808"/>
+                </a:solidFill>
+                <a:effectLst/>
+                <a:latin typeface="JetBrains Mono"/>
+              </a:rPr>
+              <a:t>))</a:t>
+            </a:r>
+            <a:br>
+              <a:rPr lang="en-US" sz="2600" dirty="0">
+                <a:solidFill>
+                  <a:srgbClr val="080808"/>
+                </a:solidFill>
+                <a:effectLst/>
+                <a:latin typeface="JetBrains Mono"/>
+              </a:rPr>
+            </a:br>
+            <a:r>
+              <a:rPr lang="en-US" sz="2600" dirty="0">
+                <a:solidFill>
+                  <a:srgbClr val="080808"/>
+                </a:solidFill>
+                <a:effectLst/>
+                <a:latin typeface="JetBrains Mono"/>
+              </a:rPr>
+              <a:t>    }</a:t>
+            </a:r>
+            <a:br>
+              <a:rPr lang="en-US" sz="2600" dirty="0">
+                <a:solidFill>
+                  <a:srgbClr val="080808"/>
+                </a:solidFill>
+                <a:effectLst/>
+                <a:latin typeface="JetBrains Mono"/>
+              </a:rPr>
+            </a:br>
+            <a:r>
+              <a:rPr lang="en-US" sz="2600" dirty="0">
+                <a:solidFill>
+                  <a:srgbClr val="080808"/>
+                </a:solidFill>
+                <a:effectLst/>
+                <a:latin typeface="JetBrains Mono"/>
+              </a:rPr>
+              <a:t>});</a:t>
+            </a:r>
+          </a:p>
+          <a:p>
+            <a:endParaRPr lang="ru-RU" sz="2600" dirty="0"/>
+          </a:p>
+        </p:txBody>
+      </p:sp>
+      <p:sp>
+        <p:nvSpPr>
+          <p:cNvPr id="4" name="Content Placeholder 3">
+            <a:extLst>
+              <a:ext uri="{FF2B5EF4-FFF2-40B4-BE49-F238E27FC236}">
+                <a16:creationId xmlns:a16="http://schemas.microsoft.com/office/drawing/2014/main" id="{7CB3448D-674B-4BBC-BC17-190CDB16073D}"/>
+              </a:ext>
+            </a:extLst>
+          </p:cNvPr>
+          <p:cNvSpPr>
+            <a:spLocks noGrp="1"/>
+          </p:cNvSpPr>
+          <p:nvPr>
+            <p:ph sz="half" idx="2"/>
+          </p:nvPr>
+        </p:nvSpPr>
+        <p:spPr>
+          <a:xfrm>
+            <a:off x="7124008" y="1825625"/>
+            <a:ext cx="4229792" cy="4351338"/>
+          </a:xfrm>
+        </p:spPr>
+        <p:txBody>
+          <a:bodyPr/>
+          <a:lstStyle/>
+          <a:p>
+            <a:pPr marL="0" indent="0">
+              <a:buNone/>
+            </a:pPr>
+            <a:r>
+              <a:rPr lang="en-US" dirty="0"/>
+              <a:t>Hello</a:t>
+            </a:r>
+            <a:endParaRPr lang="ru-RU" dirty="0"/>
+          </a:p>
+        </p:txBody>
+      </p:sp>
+    </p:spTree>
+    <p:extLst>
+      <p:ext uri="{BB962C8B-B14F-4D97-AF65-F5344CB8AC3E}">
+        <p14:creationId xmlns:p14="http://schemas.microsoft.com/office/powerpoint/2010/main" val="102304119"/>
+      </p:ext>
+    </p:extLst>
+  </p:cSld>
+  <p:clrMapOvr>
+    <a:masterClrMapping/>
+  </p:clrMapOvr>
+  <p:timing>
+    <p:tnLst>
+      <p:par>
+        <p:cTn id="1" dur="indefinite" restart="never" nodeType="tmRoot">
+          <p:childTnLst>
+            <p:seq concurrent="1" nextAc="seek">
+              <p:cTn id="2" dur="indefinite" nodeType="mainSeq">
+                <p:childTnLst>
+                  <p:par>
+                    <p:cTn id="3" fill="hold">
+                      <p:stCondLst>
+                        <p:cond delay="indefinite"/>
+                      </p:stCondLst>
+                      <p:childTnLst>
+                        <p:par>
+                          <p:cTn id="4" fill="hold">
+                            <p:stCondLst>
+                              <p:cond delay="0"/>
+                            </p:stCondLst>
+                            <p:childTnLst>
+                              <p:par>
+                                <p:cTn id="5" presetID="1" presetClass="entr" presetSubtype="0" fill="hold" grpId="0" nodeType="clickEffect">
+                                  <p:stCondLst>
+                                    <p:cond delay="0"/>
+                                  </p:stCondLst>
+                                  <p:childTnLst>
+                                    <p:set>
+                                      <p:cBhvr>
+                                        <p:cTn id="6" dur="1" fill="hold">
+                                          <p:stCondLst>
+                                            <p:cond delay="0"/>
+                                          </p:stCondLst>
+                                        </p:cTn>
+                                        <p:tgtEl>
+                                          <p:spTgt spid="3">
+                                            <p:txEl>
+                                              <p:pRg st="0" end="0"/>
+                                            </p:txEl>
+                                          </p:spTgt>
+                                        </p:tgtEl>
+                                        <p:attrNameLst>
+                                          <p:attrName>style.visibility</p:attrName>
+                                        </p:attrNameLst>
+                                      </p:cBhvr>
+                                      <p:to>
+                                        <p:strVal val="visible"/>
+                                      </p:to>
+                                    </p:set>
+                                  </p:childTnLst>
+                                </p:cTn>
+                              </p:par>
+                            </p:childTnLst>
+                          </p:cTn>
+                        </p:par>
+                      </p:childTnLst>
+                    </p:cTn>
+                  </p:par>
+                  <p:par>
+                    <p:cTn id="7" fill="hold">
+                      <p:stCondLst>
+                        <p:cond delay="indefinite"/>
+                      </p:stCondLst>
+                      <p:childTnLst>
+                        <p:par>
+                          <p:cTn id="8" fill="hold">
+                            <p:stCondLst>
+                              <p:cond delay="0"/>
+                            </p:stCondLst>
+                            <p:childTnLst>
+                              <p:par>
+                                <p:cTn id="9" presetID="1" presetClass="entr" presetSubtype="0" fill="hold" grpId="0" nodeType="clickEffect">
+                                  <p:stCondLst>
+                                    <p:cond delay="0"/>
+                                  </p:stCondLst>
+                                  <p:childTnLst>
+                                    <p:set>
+                                      <p:cBhvr>
+                                        <p:cTn id="10" dur="1" fill="hold">
+                                          <p:stCondLst>
+                                            <p:cond delay="0"/>
+                                          </p:stCondLst>
+                                        </p:cTn>
+                                        <p:tgtEl>
+                                          <p:spTgt spid="4">
+                                            <p:txEl>
+                                              <p:pRg st="0" end="0"/>
+                                            </p:txEl>
+                                          </p:spTgt>
+                                        </p:tgtEl>
+                                        <p:attrNameLst>
+                                          <p:attrName>style.visibility</p:attrName>
+                                        </p:attrNameLst>
+                                      </p:cBhvr>
+                                      <p:to>
+                                        <p:strVal val="visible"/>
+                                      </p:to>
+                                    </p:set>
+                                  </p:childTnLst>
+                                </p:cTn>
+                              </p:par>
+                            </p:childTnLst>
+                          </p:cTn>
+                        </p:par>
+                      </p:childTnLst>
+                    </p:cTn>
+                  </p:par>
+                </p:childTnLst>
+              </p:cTn>
+              <p:prevCondLst>
+                <p:cond evt="onPrev" delay="0">
+                  <p:tgtEl>
+                    <p:sldTgt/>
+                  </p:tgtEl>
+                </p:cond>
+              </p:prevCondLst>
+              <p:nextCondLst>
+                <p:cond evt="onNext" delay="0">
+                  <p:tgtEl>
+                    <p:sldTgt/>
+                  </p:tgtEl>
+                </p:cond>
+              </p:nextCondLst>
+            </p:seq>
+          </p:childTnLst>
+        </p:cTn>
+      </p:par>
+    </p:tnLst>
+    <p:bldLst>
+      <p:bldP spid="3" grpId="0" build="p"/>
+      <p:bldP spid="4" grpId="0" build="p"/>
+    </p:bldLst>
+  </p:timing>
+</p:sld>
+</file>
+
+<file path=ppt/slides/slide6.xml><?xml version="1.0" encoding="utf-8"?>
 <p:sld xmlns:a="http://schemas.openxmlformats.org/drawingml/2006/main" xmlns:r="http://schemas.openxmlformats.org/officeDocument/2006/relationships" xmlns:p="http://schemas.openxmlformats.org/presentationml/2006/main">
   <p:cSld>
     <p:spTree>
@@ -47616,7 +48746,7 @@
 </p:sld>
 </file>
 
-<file path=ppt/slides/slide6.xml><?xml version="1.0" encoding="utf-8"?>
+<file path=ppt/slides/slide7.xml><?xml version="1.0" encoding="utf-8"?>
 <p:sld xmlns:a="http://schemas.openxmlformats.org/drawingml/2006/main" xmlns:r="http://schemas.openxmlformats.org/officeDocument/2006/relationships" xmlns:p="http://schemas.openxmlformats.org/presentationml/2006/main">
   <p:cSld>
     <p:spTree>
@@ -48731,7 +49861,7 @@
 </p:sld>
 </file>
 
-<file path=ppt/slides/slide7.xml><?xml version="1.0" encoding="utf-8"?>
+<file path=ppt/slides/slide8.xml><?xml version="1.0" encoding="utf-8"?>
 <p:sld xmlns:a="http://schemas.openxmlformats.org/drawingml/2006/main" xmlns:r="http://schemas.openxmlformats.org/officeDocument/2006/relationships" xmlns:p="http://schemas.openxmlformats.org/presentationml/2006/main">
   <p:cSld>
     <p:spTree>
@@ -49516,7 +50646,7 @@
 </p:sld>
 </file>
 
-<file path=ppt/slides/slide8.xml><?xml version="1.0" encoding="utf-8"?>
+<file path=ppt/slides/slide9.xml><?xml version="1.0" encoding="utf-8"?>
 <p:sld xmlns:a="http://schemas.openxmlformats.org/drawingml/2006/main" xmlns:r="http://schemas.openxmlformats.org/officeDocument/2006/relationships" xmlns:p="http://schemas.openxmlformats.org/presentationml/2006/main">
   <p:cSld>
     <p:spTree>
@@ -50071,618 +51201,6 @@
   <p:clrMapOvr>
     <a:masterClrMapping/>
   </p:clrMapOvr>
-</p:sld>
-</file>
-
-<file path=ppt/slides/slide9.xml><?xml version="1.0" encoding="utf-8"?>
-<p:sld xmlns:a="http://schemas.openxmlformats.org/drawingml/2006/main" xmlns:r="http://schemas.openxmlformats.org/officeDocument/2006/relationships" xmlns:p="http://schemas.openxmlformats.org/presentationml/2006/main">
-  <p:cSld>
-    <p:spTree>
-      <p:nvGrpSpPr>
-        <p:cNvPr id="1" name=""/>
-        <p:cNvGrpSpPr/>
-        <p:nvPr/>
-      </p:nvGrpSpPr>
-      <p:grpSpPr>
-        <a:xfrm>
-          <a:off x="0" y="0"/>
-          <a:ext cx="0" cy="0"/>
-          <a:chOff x="0" y="0"/>
-          <a:chExt cx="0" cy="0"/>
-        </a:xfrm>
-      </p:grpSpPr>
-      <p:sp>
-        <p:nvSpPr>
-          <p:cNvPr id="2" name="Title 1">
-            <a:extLst>
-              <a:ext uri="{FF2B5EF4-FFF2-40B4-BE49-F238E27FC236}">
-                <a16:creationId xmlns:a16="http://schemas.microsoft.com/office/drawing/2014/main" id="{AC774210-E467-49E6-E0CA-60E476C939DF}"/>
-              </a:ext>
-            </a:extLst>
-          </p:cNvPr>
-          <p:cNvSpPr>
-            <a:spLocks noGrp="1"/>
-          </p:cNvSpPr>
-          <p:nvPr>
-            <p:ph type="title"/>
-          </p:nvPr>
-        </p:nvSpPr>
-        <p:spPr/>
-        <p:txBody>
-          <a:bodyPr/>
-          <a:lstStyle/>
-          <a:p>
-            <a:r>
-              <a:rPr lang="en-US" dirty="0"/>
-              <a:t>Move to spawn</a:t>
-            </a:r>
-            <a:endParaRPr lang="ru-RU" dirty="0"/>
-          </a:p>
-        </p:txBody>
-      </p:sp>
-      <p:sp>
-        <p:nvSpPr>
-          <p:cNvPr id="3" name="Content Placeholder 2">
-            <a:extLst>
-              <a:ext uri="{FF2B5EF4-FFF2-40B4-BE49-F238E27FC236}">
-                <a16:creationId xmlns:a16="http://schemas.microsoft.com/office/drawing/2014/main" id="{991F3780-5245-76F5-E899-09D2F7A6F075}"/>
-              </a:ext>
-            </a:extLst>
-          </p:cNvPr>
-          <p:cNvSpPr>
-            <a:spLocks noGrp="1"/>
-          </p:cNvSpPr>
-          <p:nvPr>
-            <p:ph idx="1"/>
-          </p:nvPr>
-        </p:nvSpPr>
-        <p:spPr/>
-        <p:txBody>
-          <a:bodyPr>
-            <a:normAutofit/>
-          </a:bodyPr>
-          <a:lstStyle/>
-          <a:p>
-            <a:pPr marL="0" indent="0">
-              <a:buNone/>
-            </a:pPr>
-            <a:r>
-              <a:rPr lang="en-US" dirty="0">
-                <a:solidFill>
-                  <a:srgbClr val="0033B3"/>
-                </a:solidFill>
-                <a:effectLst/>
-                <a:latin typeface="JetBrains Mono"/>
-              </a:rPr>
-              <a:t>let </a:t>
-            </a:r>
-            <a:r>
-              <a:rPr lang="en-US" dirty="0">
-                <a:solidFill>
-                  <a:srgbClr val="000000"/>
-                </a:solidFill>
-                <a:effectLst/>
-                <a:latin typeface="JetBrains Mono"/>
-              </a:rPr>
-              <a:t>int </a:t>
-            </a:r>
-            <a:r>
-              <a:rPr lang="en-US" dirty="0">
-                <a:solidFill>
-                  <a:srgbClr val="080808"/>
-                </a:solidFill>
-                <a:effectLst/>
-                <a:latin typeface="JetBrains Mono"/>
-              </a:rPr>
-              <a:t>= </a:t>
-            </a:r>
-            <a:r>
-              <a:rPr lang="en-US" dirty="0">
-                <a:solidFill>
-                  <a:srgbClr val="1750EB"/>
-                </a:solidFill>
-                <a:effectLst/>
-                <a:latin typeface="JetBrains Mono"/>
-              </a:rPr>
-              <a:t>5</a:t>
-            </a:r>
-            <a:r>
-              <a:rPr lang="en-US" dirty="0">
-                <a:solidFill>
-                  <a:srgbClr val="080808"/>
-                </a:solidFill>
-                <a:effectLst/>
-                <a:latin typeface="JetBrains Mono"/>
-              </a:rPr>
-              <a:t>;</a:t>
-            </a:r>
-            <a:br>
-              <a:rPr lang="en-US" dirty="0">
-                <a:solidFill>
-                  <a:srgbClr val="080808"/>
-                </a:solidFill>
-                <a:effectLst/>
-                <a:latin typeface="JetBrains Mono"/>
-              </a:rPr>
-            </a:br>
-            <a:r>
-              <a:rPr lang="en-US" dirty="0">
-                <a:solidFill>
-                  <a:srgbClr val="0033B3"/>
-                </a:solidFill>
-                <a:effectLst/>
-                <a:latin typeface="JetBrains Mono"/>
-              </a:rPr>
-              <a:t>let </a:t>
-            </a:r>
-            <a:r>
-              <a:rPr lang="en-US" dirty="0">
-                <a:solidFill>
-                  <a:srgbClr val="000000"/>
-                </a:solidFill>
-                <a:effectLst/>
-                <a:latin typeface="JetBrains Mono"/>
-              </a:rPr>
-              <a:t>handle </a:t>
-            </a:r>
-            <a:r>
-              <a:rPr lang="en-US" dirty="0">
-                <a:solidFill>
-                  <a:srgbClr val="080808"/>
-                </a:solidFill>
-                <a:effectLst/>
-                <a:latin typeface="JetBrains Mono"/>
-              </a:rPr>
-              <a:t>= </a:t>
-            </a:r>
-            <a:r>
-              <a:rPr lang="en-US" dirty="0">
-                <a:solidFill>
-                  <a:srgbClr val="000000"/>
-                </a:solidFill>
-                <a:effectLst/>
-                <a:latin typeface="JetBrains Mono"/>
-              </a:rPr>
-              <a:t>thread</a:t>
-            </a:r>
-            <a:r>
-              <a:rPr lang="en-US" dirty="0">
-                <a:solidFill>
-                  <a:srgbClr val="080808"/>
-                </a:solidFill>
-                <a:effectLst/>
-                <a:latin typeface="JetBrains Mono"/>
-              </a:rPr>
-              <a:t>::spawn(</a:t>
-            </a:r>
-            <a:r>
-              <a:rPr lang="en-US" dirty="0">
-                <a:solidFill>
-                  <a:srgbClr val="0033B3"/>
-                </a:solidFill>
-                <a:effectLst/>
-                <a:latin typeface="JetBrains Mono"/>
-              </a:rPr>
-              <a:t>move </a:t>
-            </a:r>
-            <a:r>
-              <a:rPr lang="en-US" dirty="0">
-                <a:solidFill>
-                  <a:srgbClr val="080808"/>
-                </a:solidFill>
-                <a:effectLst/>
-                <a:latin typeface="JetBrains Mono"/>
-              </a:rPr>
-              <a:t>|| {</a:t>
-            </a:r>
-            <a:br>
-              <a:rPr lang="en-US" dirty="0">
-                <a:solidFill>
-                  <a:srgbClr val="080808"/>
-                </a:solidFill>
-                <a:effectLst/>
-                <a:latin typeface="JetBrains Mono"/>
-              </a:rPr>
-            </a:br>
-            <a:r>
-              <a:rPr lang="en-US" dirty="0">
-                <a:solidFill>
-                  <a:srgbClr val="080808"/>
-                </a:solidFill>
-                <a:effectLst/>
-                <a:latin typeface="JetBrains Mono"/>
-              </a:rPr>
-              <a:t>    </a:t>
-            </a:r>
-            <a:r>
-              <a:rPr lang="en-US" dirty="0" err="1">
-                <a:solidFill>
-                  <a:srgbClr val="DD6718"/>
-                </a:solidFill>
-                <a:effectLst/>
-                <a:latin typeface="JetBrains Mono"/>
-              </a:rPr>
-              <a:t>println</a:t>
-            </a:r>
-            <a:r>
-              <a:rPr lang="en-US" dirty="0">
-                <a:solidFill>
-                  <a:srgbClr val="DD6718"/>
-                </a:solidFill>
-                <a:effectLst/>
-                <a:latin typeface="JetBrains Mono"/>
-              </a:rPr>
-              <a:t>!</a:t>
-            </a:r>
-            <a:r>
-              <a:rPr lang="en-US" dirty="0">
-                <a:solidFill>
-                  <a:srgbClr val="080808"/>
-                </a:solidFill>
-                <a:effectLst/>
-                <a:latin typeface="JetBrains Mono"/>
-              </a:rPr>
-              <a:t>(</a:t>
-            </a:r>
-            <a:r>
-              <a:rPr lang="en-US" dirty="0">
-                <a:solidFill>
-                  <a:srgbClr val="067D17"/>
-                </a:solidFill>
-                <a:effectLst/>
-                <a:latin typeface="JetBrains Mono"/>
-              </a:rPr>
-              <a:t>"Int background </a:t>
-            </a:r>
-            <a:r>
-              <a:rPr lang="en-US" dirty="0">
-                <a:solidFill>
-                  <a:srgbClr val="0037A6"/>
-                </a:solidFill>
-                <a:effectLst/>
-                <a:latin typeface="JetBrains Mono"/>
-              </a:rPr>
-              <a:t>{int}</a:t>
-            </a:r>
-            <a:r>
-              <a:rPr lang="en-US" dirty="0">
-                <a:solidFill>
-                  <a:srgbClr val="067D17"/>
-                </a:solidFill>
-                <a:effectLst/>
-                <a:latin typeface="JetBrains Mono"/>
-              </a:rPr>
-              <a:t>"</a:t>
-            </a:r>
-            <a:r>
-              <a:rPr lang="en-US" dirty="0">
-                <a:solidFill>
-                  <a:srgbClr val="080808"/>
-                </a:solidFill>
-                <a:effectLst/>
-                <a:latin typeface="JetBrains Mono"/>
-              </a:rPr>
-              <a:t>);</a:t>
-            </a:r>
-            <a:br>
-              <a:rPr lang="en-US" dirty="0">
-                <a:solidFill>
-                  <a:srgbClr val="080808"/>
-                </a:solidFill>
-                <a:effectLst/>
-                <a:latin typeface="JetBrains Mono"/>
-              </a:rPr>
-            </a:br>
-            <a:r>
-              <a:rPr lang="en-US" dirty="0">
-                <a:solidFill>
-                  <a:srgbClr val="080808"/>
-                </a:solidFill>
-                <a:effectLst/>
-                <a:latin typeface="JetBrains Mono"/>
-              </a:rPr>
-              <a:t>});</a:t>
-            </a:r>
-            <a:br>
-              <a:rPr lang="en-US" dirty="0">
-                <a:solidFill>
-                  <a:srgbClr val="080808"/>
-                </a:solidFill>
-                <a:effectLst/>
-                <a:latin typeface="JetBrains Mono"/>
-              </a:rPr>
-            </a:br>
-            <a:r>
-              <a:rPr lang="en-US" dirty="0" err="1">
-                <a:solidFill>
-                  <a:srgbClr val="000000"/>
-                </a:solidFill>
-                <a:effectLst/>
-                <a:latin typeface="JetBrains Mono"/>
-              </a:rPr>
-              <a:t>handle</a:t>
-            </a:r>
-            <a:r>
-              <a:rPr lang="en-US" dirty="0" err="1">
-                <a:solidFill>
-                  <a:srgbClr val="080808"/>
-                </a:solidFill>
-                <a:effectLst/>
-                <a:latin typeface="JetBrains Mono"/>
-              </a:rPr>
-              <a:t>.join</a:t>
-            </a:r>
-            <a:r>
-              <a:rPr lang="en-US" dirty="0">
-                <a:solidFill>
-                  <a:srgbClr val="080808"/>
-                </a:solidFill>
-                <a:effectLst/>
-                <a:latin typeface="JetBrains Mono"/>
-              </a:rPr>
-              <a:t>().expect(</a:t>
-            </a:r>
-            <a:r>
-              <a:rPr lang="en-US" dirty="0">
-                <a:solidFill>
-                  <a:srgbClr val="067D17"/>
-                </a:solidFill>
-                <a:effectLst/>
-                <a:latin typeface="JetBrains Mono"/>
-              </a:rPr>
-              <a:t>"The thread shouldn't panic 0_o"</a:t>
-            </a:r>
-            <a:r>
-              <a:rPr lang="en-US" dirty="0">
-                <a:solidFill>
-                  <a:srgbClr val="080808"/>
-                </a:solidFill>
-                <a:effectLst/>
-                <a:latin typeface="JetBrains Mono"/>
-              </a:rPr>
-              <a:t>);</a:t>
-            </a:r>
-            <a:br>
-              <a:rPr lang="en-US" dirty="0">
-                <a:solidFill>
-                  <a:srgbClr val="080808"/>
-                </a:solidFill>
-                <a:effectLst/>
-                <a:latin typeface="JetBrains Mono"/>
-              </a:rPr>
-            </a:br>
-            <a:r>
-              <a:rPr lang="en-US" dirty="0" err="1">
-                <a:solidFill>
-                  <a:srgbClr val="DD6718"/>
-                </a:solidFill>
-                <a:effectLst/>
-                <a:latin typeface="JetBrains Mono"/>
-              </a:rPr>
-              <a:t>println</a:t>
-            </a:r>
-            <a:r>
-              <a:rPr lang="en-US" dirty="0">
-                <a:solidFill>
-                  <a:srgbClr val="DD6718"/>
-                </a:solidFill>
-                <a:effectLst/>
-                <a:latin typeface="JetBrains Mono"/>
-              </a:rPr>
-              <a:t>!</a:t>
-            </a:r>
-            <a:r>
-              <a:rPr lang="en-US" dirty="0">
-                <a:solidFill>
-                  <a:srgbClr val="080808"/>
-                </a:solidFill>
-                <a:effectLst/>
-                <a:latin typeface="JetBrains Mono"/>
-              </a:rPr>
-              <a:t>(</a:t>
-            </a:r>
-            <a:r>
-              <a:rPr lang="en-US" dirty="0">
-                <a:solidFill>
-                  <a:srgbClr val="067D17"/>
-                </a:solidFill>
-                <a:effectLst/>
-                <a:latin typeface="JetBrains Mono"/>
-              </a:rPr>
-              <a:t>"Int main </a:t>
-            </a:r>
-            <a:r>
-              <a:rPr lang="en-US" dirty="0">
-                <a:solidFill>
-                  <a:srgbClr val="0037A6"/>
-                </a:solidFill>
-                <a:effectLst/>
-                <a:latin typeface="JetBrains Mono"/>
-              </a:rPr>
-              <a:t>{int}</a:t>
-            </a:r>
-            <a:r>
-              <a:rPr lang="en-US" dirty="0">
-                <a:solidFill>
-                  <a:srgbClr val="067D17"/>
-                </a:solidFill>
-                <a:effectLst/>
-                <a:latin typeface="JetBrains Mono"/>
-              </a:rPr>
-              <a:t>"</a:t>
-            </a:r>
-            <a:r>
-              <a:rPr lang="en-US" dirty="0">
-                <a:solidFill>
-                  <a:srgbClr val="080808"/>
-                </a:solidFill>
-                <a:effectLst/>
-                <a:latin typeface="JetBrains Mono"/>
-              </a:rPr>
-              <a:t>);</a:t>
-            </a:r>
-          </a:p>
-        </p:txBody>
-      </p:sp>
-      <mc:AlternateContent xmlns:mc="http://schemas.openxmlformats.org/markup-compatibility/2006" xmlns:p14="http://schemas.microsoft.com/office/powerpoint/2010/main">
-        <mc:Choice Requires="p14">
-          <p:contentPart p14:bwMode="auto" r:id="rId2">
-            <p14:nvContentPartPr>
-              <p14:cNvPr id="4" name="Ink 3">
-                <a:extLst>
-                  <a:ext uri="{FF2B5EF4-FFF2-40B4-BE49-F238E27FC236}">
-                    <a16:creationId xmlns:a16="http://schemas.microsoft.com/office/drawing/2014/main" id="{B6EF475D-BA36-34FF-B388-E61B5752441B}"/>
-                  </a:ext>
-                </a:extLst>
-              </p14:cNvPr>
-              <p14:cNvContentPartPr/>
-              <p14:nvPr/>
-            </p14:nvContentPartPr>
-            <p14:xfrm>
-              <a:off x="4891811" y="2160819"/>
-              <a:ext cx="815040" cy="605160"/>
-            </p14:xfrm>
-          </p:contentPart>
-        </mc:Choice>
-        <mc:Fallback xmlns="">
-          <p:pic>
-            <p:nvPicPr>
-              <p:cNvPr id="4" name="Ink 3">
-                <a:extLst>
-                  <a:ext uri="{FF2B5EF4-FFF2-40B4-BE49-F238E27FC236}">
-                    <a16:creationId xmlns:a16="http://schemas.microsoft.com/office/drawing/2014/main" id="{B6EF475D-BA36-34FF-B388-E61B5752441B}"/>
-                  </a:ext>
-                </a:extLst>
-              </p:cNvPr>
-              <p:cNvPicPr/>
-              <p:nvPr/>
-            </p:nvPicPr>
-            <p:blipFill>
-              <a:blip r:embed="rId3"/>
-              <a:stretch>
-                <a:fillRect/>
-              </a:stretch>
-            </p:blipFill>
-            <p:spPr>
-              <a:xfrm>
-                <a:off x="4882815" y="2151819"/>
-                <a:ext cx="832672" cy="622800"/>
-              </a:xfrm>
-              <a:prstGeom prst="rect">
-                <a:avLst/>
-              </a:prstGeom>
-            </p:spPr>
-          </p:pic>
-        </mc:Fallback>
-      </mc:AlternateContent>
-    </p:spTree>
-    <p:extLst>
-      <p:ext uri="{BB962C8B-B14F-4D97-AF65-F5344CB8AC3E}">
-        <p14:creationId xmlns:p14="http://schemas.microsoft.com/office/powerpoint/2010/main" val="3506110194"/>
-      </p:ext>
-    </p:extLst>
-  </p:cSld>
-  <p:clrMapOvr>
-    <a:masterClrMapping/>
-  </p:clrMapOvr>
-  <p:timing>
-    <p:tnLst>
-      <p:par>
-        <p:cTn id="1" dur="indefinite" restart="never" nodeType="tmRoot">
-          <p:childTnLst>
-            <p:seq concurrent="1" nextAc="seek">
-              <p:cTn id="2" dur="indefinite" nodeType="mainSeq">
-                <p:childTnLst>
-                  <p:par>
-                    <p:cTn id="3" fill="hold">
-                      <p:stCondLst>
-                        <p:cond delay="indefinite"/>
-                      </p:stCondLst>
-                      <p:childTnLst>
-                        <p:par>
-                          <p:cTn id="4" fill="hold">
-                            <p:stCondLst>
-                              <p:cond delay="0"/>
-                            </p:stCondLst>
-                            <p:childTnLst>
-                              <p:par>
-                                <p:cTn id="5" presetID="63" presetClass="entr" presetSubtype="0" fill="hold" nodeType="clickEffect">
-                                  <p:stCondLst>
-                                    <p:cond delay="0"/>
-                                  </p:stCondLst>
-                                  <p:childTnLst>
-                                    <p:set>
-                                      <p:cBhvr>
-                                        <p:cTn id="6" dur="1" fill="hold">
-                                          <p:stCondLst>
-                                            <p:cond delay="0"/>
-                                          </p:stCondLst>
-                                        </p:cTn>
-                                        <p:tgtEl>
-                                          <p:spTgt spid="4"/>
-                                        </p:tgtEl>
-                                        <p:attrNameLst>
-                                          <p:attrName>style.visibility</p:attrName>
-                                        </p:attrNameLst>
-                                      </p:cBhvr>
-                                      <p:to>
-                                        <p:strVal val="visible"/>
-                                      </p:to>
-                                    </p:set>
-                                    <p:anim calcmode="lin" valueType="num">
-                                      <p:cBhvr>
-                                        <p:cTn id="7" dur="2000" fill="hold"/>
-                                        <p:tgtEl>
-                                          <p:spTgt spid="4"/>
-                                        </p:tgtEl>
-                                        <p:attrNameLst>
-                                          <p:attrName>drawProgress</p:attrName>
-                                        </p:attrNameLst>
-                                      </p:cBhvr>
-                                      <p:tavLst>
-                                        <p:tav tm="0">
-                                          <p:val>
-                                            <p:fltVal val="0"/>
-                                          </p:val>
-                                        </p:tav>
-                                        <p:tav tm="100000">
-                                          <p:val>
-                                            <p:fltVal val="1"/>
-                                          </p:val>
-                                        </p:tav>
-                                      </p:tavLst>
-                                    </p:anim>
-                                  </p:childTnLst>
-                                </p:cTn>
-                              </p:par>
-                            </p:childTnLst>
-                          </p:cTn>
-                        </p:par>
-                      </p:childTnLst>
-                    </p:cTn>
-                  </p:par>
-                </p:childTnLst>
-              </p:cTn>
-              <p:prevCondLst>
-                <p:cond evt="onPrev" delay="0">
-                  <p:tgtEl>
-                    <p:sldTgt/>
-                  </p:tgtEl>
-                </p:cond>
-              </p:prevCondLst>
-              <p:nextCondLst>
-                <p:cond evt="onNext" delay="0">
-                  <p:tgtEl>
-                    <p:sldTgt/>
-                  </p:tgtEl>
-                </p:cond>
-              </p:nextCondLst>
-            </p:seq>
-          </p:childTnLst>
-        </p:cTn>
-      </p:par>
-    </p:tnLst>
-  </p:timing>
 </p:sld>
 </file>
 
